--- a/Presentation.pptx
+++ b/Presentation.pptx
@@ -1226,7 +1226,17 @@
           <a:bodyPr wrap="none" anchor="ctr"/>
           <a:lstStyle/>
           <a:p>
-            <a:endParaRPr lang="en-US" altLang="en-US"/>
+            <a:r>
+              <a:rPr lang="es-ES" altLang="en-US" dirty="0" smtClean="0"/>
+              <a:t>2-4, 12-17 LIRAN</a:t>
+            </a:r>
+          </a:p>
+          <a:p>
+            <a:r>
+              <a:rPr lang="es-ES" altLang="en-US" dirty="0" smtClean="0"/>
+              <a:t>5-11 NADAV</a:t>
+            </a:r>
+            <a:endParaRPr lang="es-ES" altLang="en-US" dirty="0"/>
           </a:p>
         </p:txBody>
       </p:sp>
@@ -1239,6 +1249,766 @@
 </file>
 
 <file path=ppt/notesSlides/notesSlide10.xml><?xml version="1.0" encoding="utf-8"?>
+<p:notes xmlns:a="http://schemas.openxmlformats.org/drawingml/2006/main" xmlns:r="http://schemas.openxmlformats.org/officeDocument/2006/relationships" xmlns:p="http://schemas.openxmlformats.org/presentationml/2006/main">
+  <p:cSld>
+    <p:bg>
+      <p:bgPr>
+        <a:solidFill>
+          <a:srgbClr val="FFFFFF"/>
+        </a:solidFill>
+        <a:effectLst/>
+      </p:bgPr>
+    </p:bg>
+    <p:spTree>
+      <p:nvGrpSpPr>
+        <p:cNvPr id="1" name=""/>
+        <p:cNvGrpSpPr/>
+        <p:nvPr/>
+      </p:nvGrpSpPr>
+      <p:grpSpPr>
+        <a:xfrm>
+          <a:off x="0" y="0"/>
+          <a:ext cx="0" cy="0"/>
+          <a:chOff x="0" y="0"/>
+          <a:chExt cx="0" cy="0"/>
+        </a:xfrm>
+      </p:grpSpPr>
+      <p:sp>
+        <p:nvSpPr>
+          <p:cNvPr id="38914" name="Rectangle 6"/>
+          <p:cNvSpPr>
+            <a:spLocks noGrp="1" noChangeArrowheads="1"/>
+          </p:cNvSpPr>
+          <p:nvPr>
+            <p:ph type="sldNum" sz="quarter"/>
+          </p:nvPr>
+        </p:nvSpPr>
+        <p:spPr>
+          <a:noFill/>
+          <a:extLst>
+            <a:ext uri="{91240B29-F687-4F45-9708-019B960494DF}">
+              <a14:hiddenLine xmlns:a14="http://schemas.microsoft.com/office/drawing/2010/main" w="9525">
+                <a:solidFill>
+                  <a:srgbClr val="808080"/>
+                </a:solidFill>
+                <a:round/>
+                <a:headEnd/>
+                <a:tailEnd/>
+              </a14:hiddenLine>
+            </a:ext>
+          </a:extLst>
+        </p:spPr>
+        <p:txBody>
+          <a:bodyPr/>
+          <a:lstStyle>
+            <a:lvl1pPr>
+              <a:spcBef>
+                <a:spcPct val="30000"/>
+              </a:spcBef>
+              <a:buClr>
+                <a:srgbClr val="000000"/>
+              </a:buClr>
+              <a:buSzPct val="100000"/>
+              <a:buFont typeface="Times New Roman" panose="02020603050405020304" pitchFamily="18" charset="0"/>
+              <a:tabLst>
+                <a:tab pos="723900" algn="l"/>
+                <a:tab pos="1447800" algn="l"/>
+                <a:tab pos="2171700" algn="l"/>
+                <a:tab pos="2895600" algn="l"/>
+              </a:tabLst>
+              <a:defRPr sz="1200">
+                <a:solidFill>
+                  <a:srgbClr val="000000"/>
+                </a:solidFill>
+                <a:latin typeface="Times New Roman" panose="02020603050405020304" pitchFamily="18" charset="0"/>
+              </a:defRPr>
+            </a:lvl1pPr>
+            <a:lvl2pPr>
+              <a:spcBef>
+                <a:spcPct val="30000"/>
+              </a:spcBef>
+              <a:buClr>
+                <a:srgbClr val="000000"/>
+              </a:buClr>
+              <a:buSzPct val="100000"/>
+              <a:buFont typeface="Times New Roman" panose="02020603050405020304" pitchFamily="18" charset="0"/>
+              <a:tabLst>
+                <a:tab pos="723900" algn="l"/>
+                <a:tab pos="1447800" algn="l"/>
+                <a:tab pos="2171700" algn="l"/>
+                <a:tab pos="2895600" algn="l"/>
+              </a:tabLst>
+              <a:defRPr sz="1200">
+                <a:solidFill>
+                  <a:srgbClr val="000000"/>
+                </a:solidFill>
+                <a:latin typeface="Times New Roman" panose="02020603050405020304" pitchFamily="18" charset="0"/>
+              </a:defRPr>
+            </a:lvl2pPr>
+            <a:lvl3pPr>
+              <a:spcBef>
+                <a:spcPct val="30000"/>
+              </a:spcBef>
+              <a:buClr>
+                <a:srgbClr val="000000"/>
+              </a:buClr>
+              <a:buSzPct val="100000"/>
+              <a:buFont typeface="Times New Roman" panose="02020603050405020304" pitchFamily="18" charset="0"/>
+              <a:tabLst>
+                <a:tab pos="723900" algn="l"/>
+                <a:tab pos="1447800" algn="l"/>
+                <a:tab pos="2171700" algn="l"/>
+                <a:tab pos="2895600" algn="l"/>
+              </a:tabLst>
+              <a:defRPr sz="1200">
+                <a:solidFill>
+                  <a:srgbClr val="000000"/>
+                </a:solidFill>
+                <a:latin typeface="Times New Roman" panose="02020603050405020304" pitchFamily="18" charset="0"/>
+              </a:defRPr>
+            </a:lvl3pPr>
+            <a:lvl4pPr>
+              <a:spcBef>
+                <a:spcPct val="30000"/>
+              </a:spcBef>
+              <a:buClr>
+                <a:srgbClr val="000000"/>
+              </a:buClr>
+              <a:buSzPct val="100000"/>
+              <a:buFont typeface="Times New Roman" panose="02020603050405020304" pitchFamily="18" charset="0"/>
+              <a:tabLst>
+                <a:tab pos="723900" algn="l"/>
+                <a:tab pos="1447800" algn="l"/>
+                <a:tab pos="2171700" algn="l"/>
+                <a:tab pos="2895600" algn="l"/>
+              </a:tabLst>
+              <a:defRPr sz="1200">
+                <a:solidFill>
+                  <a:srgbClr val="000000"/>
+                </a:solidFill>
+                <a:latin typeface="Times New Roman" panose="02020603050405020304" pitchFamily="18" charset="0"/>
+              </a:defRPr>
+            </a:lvl4pPr>
+            <a:lvl5pPr>
+              <a:spcBef>
+                <a:spcPct val="30000"/>
+              </a:spcBef>
+              <a:buClr>
+                <a:srgbClr val="000000"/>
+              </a:buClr>
+              <a:buSzPct val="100000"/>
+              <a:buFont typeface="Times New Roman" panose="02020603050405020304" pitchFamily="18" charset="0"/>
+              <a:tabLst>
+                <a:tab pos="723900" algn="l"/>
+                <a:tab pos="1447800" algn="l"/>
+                <a:tab pos="2171700" algn="l"/>
+                <a:tab pos="2895600" algn="l"/>
+              </a:tabLst>
+              <a:defRPr sz="1200">
+                <a:solidFill>
+                  <a:srgbClr val="000000"/>
+                </a:solidFill>
+                <a:latin typeface="Times New Roman" panose="02020603050405020304" pitchFamily="18" charset="0"/>
+              </a:defRPr>
+            </a:lvl5pPr>
+            <a:lvl6pPr marL="2514600" indent="-228600" defTabSz="449263" eaLnBrk="0" fontAlgn="base" hangingPunct="0">
+              <a:spcBef>
+                <a:spcPct val="30000"/>
+              </a:spcBef>
+              <a:spcAft>
+                <a:spcPct val="0"/>
+              </a:spcAft>
+              <a:buClr>
+                <a:srgbClr val="000000"/>
+              </a:buClr>
+              <a:buSzPct val="100000"/>
+              <a:buFont typeface="Times New Roman" panose="02020603050405020304" pitchFamily="18" charset="0"/>
+              <a:tabLst>
+                <a:tab pos="723900" algn="l"/>
+                <a:tab pos="1447800" algn="l"/>
+                <a:tab pos="2171700" algn="l"/>
+                <a:tab pos="2895600" algn="l"/>
+              </a:tabLst>
+              <a:defRPr sz="1200">
+                <a:solidFill>
+                  <a:srgbClr val="000000"/>
+                </a:solidFill>
+                <a:latin typeface="Times New Roman" panose="02020603050405020304" pitchFamily="18" charset="0"/>
+              </a:defRPr>
+            </a:lvl6pPr>
+            <a:lvl7pPr marL="2971800" indent="-228600" defTabSz="449263" eaLnBrk="0" fontAlgn="base" hangingPunct="0">
+              <a:spcBef>
+                <a:spcPct val="30000"/>
+              </a:spcBef>
+              <a:spcAft>
+                <a:spcPct val="0"/>
+              </a:spcAft>
+              <a:buClr>
+                <a:srgbClr val="000000"/>
+              </a:buClr>
+              <a:buSzPct val="100000"/>
+              <a:buFont typeface="Times New Roman" panose="02020603050405020304" pitchFamily="18" charset="0"/>
+              <a:tabLst>
+                <a:tab pos="723900" algn="l"/>
+                <a:tab pos="1447800" algn="l"/>
+                <a:tab pos="2171700" algn="l"/>
+                <a:tab pos="2895600" algn="l"/>
+              </a:tabLst>
+              <a:defRPr sz="1200">
+                <a:solidFill>
+                  <a:srgbClr val="000000"/>
+                </a:solidFill>
+                <a:latin typeface="Times New Roman" panose="02020603050405020304" pitchFamily="18" charset="0"/>
+              </a:defRPr>
+            </a:lvl7pPr>
+            <a:lvl8pPr marL="3429000" indent="-228600" defTabSz="449263" eaLnBrk="0" fontAlgn="base" hangingPunct="0">
+              <a:spcBef>
+                <a:spcPct val="30000"/>
+              </a:spcBef>
+              <a:spcAft>
+                <a:spcPct val="0"/>
+              </a:spcAft>
+              <a:buClr>
+                <a:srgbClr val="000000"/>
+              </a:buClr>
+              <a:buSzPct val="100000"/>
+              <a:buFont typeface="Times New Roman" panose="02020603050405020304" pitchFamily="18" charset="0"/>
+              <a:tabLst>
+                <a:tab pos="723900" algn="l"/>
+                <a:tab pos="1447800" algn="l"/>
+                <a:tab pos="2171700" algn="l"/>
+                <a:tab pos="2895600" algn="l"/>
+              </a:tabLst>
+              <a:defRPr sz="1200">
+                <a:solidFill>
+                  <a:srgbClr val="000000"/>
+                </a:solidFill>
+                <a:latin typeface="Times New Roman" panose="02020603050405020304" pitchFamily="18" charset="0"/>
+              </a:defRPr>
+            </a:lvl8pPr>
+            <a:lvl9pPr marL="3886200" indent="-228600" defTabSz="449263" eaLnBrk="0" fontAlgn="base" hangingPunct="0">
+              <a:spcBef>
+                <a:spcPct val="30000"/>
+              </a:spcBef>
+              <a:spcAft>
+                <a:spcPct val="0"/>
+              </a:spcAft>
+              <a:buClr>
+                <a:srgbClr val="000000"/>
+              </a:buClr>
+              <a:buSzPct val="100000"/>
+              <a:buFont typeface="Times New Roman" panose="02020603050405020304" pitchFamily="18" charset="0"/>
+              <a:tabLst>
+                <a:tab pos="723900" algn="l"/>
+                <a:tab pos="1447800" algn="l"/>
+                <a:tab pos="2171700" algn="l"/>
+                <a:tab pos="2895600" algn="l"/>
+              </a:tabLst>
+              <a:defRPr sz="1200">
+                <a:solidFill>
+                  <a:srgbClr val="000000"/>
+                </a:solidFill>
+                <a:latin typeface="Times New Roman" panose="02020603050405020304" pitchFamily="18" charset="0"/>
+              </a:defRPr>
+            </a:lvl9pPr>
+          </a:lstStyle>
+          <a:p>
+            <a:pPr>
+              <a:spcBef>
+                <a:spcPct val="0"/>
+              </a:spcBef>
+            </a:pPr>
+            <a:fld id="{148F56BC-F74B-4F50-989A-4C00E4FABA41}" type="slidenum">
+              <a:rPr lang="en-US" altLang="en-US" sz="1400" smtClean="0">
+                <a:ea typeface="Arial Unicode MS" panose="020B0604020202020204" pitchFamily="34" charset="-128"/>
+              </a:rPr>
+              <a:pPr>
+                <a:spcBef>
+                  <a:spcPct val="0"/>
+                </a:spcBef>
+              </a:pPr>
+              <a:t>11</a:t>
+            </a:fld>
+            <a:endParaRPr lang="en-US" altLang="en-US" sz="1400">
+              <a:ea typeface="Arial Unicode MS" panose="020B0604020202020204" pitchFamily="34" charset="-128"/>
+            </a:endParaRPr>
+          </a:p>
+        </p:txBody>
+      </p:sp>
+      <p:sp>
+        <p:nvSpPr>
+          <p:cNvPr id="38915" name="Rectangle 1"/>
+          <p:cNvSpPr>
+            <a:spLocks noGrp="1" noRot="1" noChangeAspect="1" noChangeArrowheads="1" noTextEdit="1"/>
+          </p:cNvSpPr>
+          <p:nvPr>
+            <p:ph type="sldImg"/>
+          </p:nvPr>
+        </p:nvSpPr>
+        <p:spPr>
+          <a:xfrm>
+            <a:off x="1106488" y="812800"/>
+            <a:ext cx="5345112" cy="4008438"/>
+          </a:xfrm>
+          <a:solidFill>
+            <a:srgbClr val="FFFFFF"/>
+          </a:solidFill>
+          <a:ln>
+            <a:solidFill>
+              <a:srgbClr val="000000"/>
+            </a:solidFill>
+            <a:miter lim="800000"/>
+            <a:headEnd/>
+            <a:tailEnd/>
+          </a:ln>
+          <a:extLst>
+            <a:ext uri="{AF507438-7753-43E0-B8FC-AC1667EBCBE1}">
+              <a14:hiddenEffects xmlns:a14="http://schemas.microsoft.com/office/drawing/2010/main">
+                <a:effectLst>
+                  <a:outerShdw dist="35921" dir="2700000" algn="ctr" rotWithShape="0">
+                    <a:srgbClr val="808080"/>
+                  </a:outerShdw>
+                </a:effectLst>
+              </a14:hiddenEffects>
+            </a:ext>
+          </a:extLst>
+        </p:spPr>
+      </p:sp>
+      <p:sp>
+        <p:nvSpPr>
+          <p:cNvPr id="38916" name="Rectangle 2"/>
+          <p:cNvSpPr>
+            <a:spLocks noGrp="1" noChangeArrowheads="1"/>
+          </p:cNvSpPr>
+          <p:nvPr>
+            <p:ph type="body" idx="1"/>
+          </p:nvPr>
+        </p:nvSpPr>
+        <p:spPr>
+          <a:xfrm>
+            <a:off x="755650" y="5078413"/>
+            <a:ext cx="6048375" cy="4811712"/>
+          </a:xfrm>
+          <a:noFill/>
+          <a:extLst>
+            <a:ext uri="{91240B29-F687-4F45-9708-019B960494DF}">
+              <a14:hiddenLine xmlns:a14="http://schemas.microsoft.com/office/drawing/2010/main" w="9525">
+                <a:solidFill>
+                  <a:srgbClr val="808080"/>
+                </a:solidFill>
+                <a:miter lim="800000"/>
+                <a:headEnd/>
+                <a:tailEnd/>
+              </a14:hiddenLine>
+            </a:ext>
+            <a:ext uri="{AF507438-7753-43E0-B8FC-AC1667EBCBE1}">
+              <a14:hiddenEffects xmlns:a14="http://schemas.microsoft.com/office/drawing/2010/main">
+                <a:effectLst>
+                  <a:outerShdw dist="35921" dir="2700000" algn="ctr" rotWithShape="0">
+                    <a:srgbClr val="808080"/>
+                  </a:outerShdw>
+                </a:effectLst>
+              </a14:hiddenEffects>
+            </a:ext>
+          </a:extLst>
+        </p:spPr>
+        <p:txBody>
+          <a:bodyPr wrap="none" anchor="ctr"/>
+          <a:lstStyle/>
+          <a:p>
+            <a:endParaRPr lang="en-US" altLang="en-US"/>
+          </a:p>
+        </p:txBody>
+      </p:sp>
+    </p:spTree>
+  </p:cSld>
+  <p:clrMapOvr>
+    <a:masterClrMapping/>
+  </p:clrMapOvr>
+</p:notes>
+</file>
+
+<file path=ppt/notesSlides/notesSlide11.xml><?xml version="1.0" encoding="utf-8"?>
+<p:notes xmlns:a="http://schemas.openxmlformats.org/drawingml/2006/main" xmlns:r="http://schemas.openxmlformats.org/officeDocument/2006/relationships" xmlns:p="http://schemas.openxmlformats.org/presentationml/2006/main">
+  <p:cSld>
+    <p:bg>
+      <p:bgPr>
+        <a:solidFill>
+          <a:srgbClr val="FFFFFF"/>
+        </a:solidFill>
+        <a:effectLst/>
+      </p:bgPr>
+    </p:bg>
+    <p:spTree>
+      <p:nvGrpSpPr>
+        <p:cNvPr id="1" name=""/>
+        <p:cNvGrpSpPr/>
+        <p:nvPr/>
+      </p:nvGrpSpPr>
+      <p:grpSpPr>
+        <a:xfrm>
+          <a:off x="0" y="0"/>
+          <a:ext cx="0" cy="0"/>
+          <a:chOff x="0" y="0"/>
+          <a:chExt cx="0" cy="0"/>
+        </a:xfrm>
+      </p:grpSpPr>
+      <p:sp>
+        <p:nvSpPr>
+          <p:cNvPr id="40962" name="Rectangle 6"/>
+          <p:cNvSpPr>
+            <a:spLocks noGrp="1" noChangeArrowheads="1"/>
+          </p:cNvSpPr>
+          <p:nvPr>
+            <p:ph type="sldNum" sz="quarter"/>
+          </p:nvPr>
+        </p:nvSpPr>
+        <p:spPr>
+          <a:noFill/>
+          <a:extLst>
+            <a:ext uri="{91240B29-F687-4F45-9708-019B960494DF}">
+              <a14:hiddenLine xmlns:a14="http://schemas.microsoft.com/office/drawing/2010/main" w="9525">
+                <a:solidFill>
+                  <a:srgbClr val="808080"/>
+                </a:solidFill>
+                <a:round/>
+                <a:headEnd/>
+                <a:tailEnd/>
+              </a14:hiddenLine>
+            </a:ext>
+          </a:extLst>
+        </p:spPr>
+        <p:txBody>
+          <a:bodyPr/>
+          <a:lstStyle>
+            <a:lvl1pPr>
+              <a:spcBef>
+                <a:spcPct val="30000"/>
+              </a:spcBef>
+              <a:buClr>
+                <a:srgbClr val="000000"/>
+              </a:buClr>
+              <a:buSzPct val="100000"/>
+              <a:buFont typeface="Times New Roman" panose="02020603050405020304" pitchFamily="18" charset="0"/>
+              <a:tabLst>
+                <a:tab pos="723900" algn="l"/>
+                <a:tab pos="1447800" algn="l"/>
+                <a:tab pos="2171700" algn="l"/>
+                <a:tab pos="2895600" algn="l"/>
+              </a:tabLst>
+              <a:defRPr sz="1200">
+                <a:solidFill>
+                  <a:srgbClr val="000000"/>
+                </a:solidFill>
+                <a:latin typeface="Times New Roman" panose="02020603050405020304" pitchFamily="18" charset="0"/>
+              </a:defRPr>
+            </a:lvl1pPr>
+            <a:lvl2pPr>
+              <a:spcBef>
+                <a:spcPct val="30000"/>
+              </a:spcBef>
+              <a:buClr>
+                <a:srgbClr val="000000"/>
+              </a:buClr>
+              <a:buSzPct val="100000"/>
+              <a:buFont typeface="Times New Roman" panose="02020603050405020304" pitchFamily="18" charset="0"/>
+              <a:tabLst>
+                <a:tab pos="723900" algn="l"/>
+                <a:tab pos="1447800" algn="l"/>
+                <a:tab pos="2171700" algn="l"/>
+                <a:tab pos="2895600" algn="l"/>
+              </a:tabLst>
+              <a:defRPr sz="1200">
+                <a:solidFill>
+                  <a:srgbClr val="000000"/>
+                </a:solidFill>
+                <a:latin typeface="Times New Roman" panose="02020603050405020304" pitchFamily="18" charset="0"/>
+              </a:defRPr>
+            </a:lvl2pPr>
+            <a:lvl3pPr>
+              <a:spcBef>
+                <a:spcPct val="30000"/>
+              </a:spcBef>
+              <a:buClr>
+                <a:srgbClr val="000000"/>
+              </a:buClr>
+              <a:buSzPct val="100000"/>
+              <a:buFont typeface="Times New Roman" panose="02020603050405020304" pitchFamily="18" charset="0"/>
+              <a:tabLst>
+                <a:tab pos="723900" algn="l"/>
+                <a:tab pos="1447800" algn="l"/>
+                <a:tab pos="2171700" algn="l"/>
+                <a:tab pos="2895600" algn="l"/>
+              </a:tabLst>
+              <a:defRPr sz="1200">
+                <a:solidFill>
+                  <a:srgbClr val="000000"/>
+                </a:solidFill>
+                <a:latin typeface="Times New Roman" panose="02020603050405020304" pitchFamily="18" charset="0"/>
+              </a:defRPr>
+            </a:lvl3pPr>
+            <a:lvl4pPr>
+              <a:spcBef>
+                <a:spcPct val="30000"/>
+              </a:spcBef>
+              <a:buClr>
+                <a:srgbClr val="000000"/>
+              </a:buClr>
+              <a:buSzPct val="100000"/>
+              <a:buFont typeface="Times New Roman" panose="02020603050405020304" pitchFamily="18" charset="0"/>
+              <a:tabLst>
+                <a:tab pos="723900" algn="l"/>
+                <a:tab pos="1447800" algn="l"/>
+                <a:tab pos="2171700" algn="l"/>
+                <a:tab pos="2895600" algn="l"/>
+              </a:tabLst>
+              <a:defRPr sz="1200">
+                <a:solidFill>
+                  <a:srgbClr val="000000"/>
+                </a:solidFill>
+                <a:latin typeface="Times New Roman" panose="02020603050405020304" pitchFamily="18" charset="0"/>
+              </a:defRPr>
+            </a:lvl4pPr>
+            <a:lvl5pPr>
+              <a:spcBef>
+                <a:spcPct val="30000"/>
+              </a:spcBef>
+              <a:buClr>
+                <a:srgbClr val="000000"/>
+              </a:buClr>
+              <a:buSzPct val="100000"/>
+              <a:buFont typeface="Times New Roman" panose="02020603050405020304" pitchFamily="18" charset="0"/>
+              <a:tabLst>
+                <a:tab pos="723900" algn="l"/>
+                <a:tab pos="1447800" algn="l"/>
+                <a:tab pos="2171700" algn="l"/>
+                <a:tab pos="2895600" algn="l"/>
+              </a:tabLst>
+              <a:defRPr sz="1200">
+                <a:solidFill>
+                  <a:srgbClr val="000000"/>
+                </a:solidFill>
+                <a:latin typeface="Times New Roman" panose="02020603050405020304" pitchFamily="18" charset="0"/>
+              </a:defRPr>
+            </a:lvl5pPr>
+            <a:lvl6pPr marL="2514600" indent="-228600" defTabSz="449263" eaLnBrk="0" fontAlgn="base" hangingPunct="0">
+              <a:spcBef>
+                <a:spcPct val="30000"/>
+              </a:spcBef>
+              <a:spcAft>
+                <a:spcPct val="0"/>
+              </a:spcAft>
+              <a:buClr>
+                <a:srgbClr val="000000"/>
+              </a:buClr>
+              <a:buSzPct val="100000"/>
+              <a:buFont typeface="Times New Roman" panose="02020603050405020304" pitchFamily="18" charset="0"/>
+              <a:tabLst>
+                <a:tab pos="723900" algn="l"/>
+                <a:tab pos="1447800" algn="l"/>
+                <a:tab pos="2171700" algn="l"/>
+                <a:tab pos="2895600" algn="l"/>
+              </a:tabLst>
+              <a:defRPr sz="1200">
+                <a:solidFill>
+                  <a:srgbClr val="000000"/>
+                </a:solidFill>
+                <a:latin typeface="Times New Roman" panose="02020603050405020304" pitchFamily="18" charset="0"/>
+              </a:defRPr>
+            </a:lvl6pPr>
+            <a:lvl7pPr marL="2971800" indent="-228600" defTabSz="449263" eaLnBrk="0" fontAlgn="base" hangingPunct="0">
+              <a:spcBef>
+                <a:spcPct val="30000"/>
+              </a:spcBef>
+              <a:spcAft>
+                <a:spcPct val="0"/>
+              </a:spcAft>
+              <a:buClr>
+                <a:srgbClr val="000000"/>
+              </a:buClr>
+              <a:buSzPct val="100000"/>
+              <a:buFont typeface="Times New Roman" panose="02020603050405020304" pitchFamily="18" charset="0"/>
+              <a:tabLst>
+                <a:tab pos="723900" algn="l"/>
+                <a:tab pos="1447800" algn="l"/>
+                <a:tab pos="2171700" algn="l"/>
+                <a:tab pos="2895600" algn="l"/>
+              </a:tabLst>
+              <a:defRPr sz="1200">
+                <a:solidFill>
+                  <a:srgbClr val="000000"/>
+                </a:solidFill>
+                <a:latin typeface="Times New Roman" panose="02020603050405020304" pitchFamily="18" charset="0"/>
+              </a:defRPr>
+            </a:lvl7pPr>
+            <a:lvl8pPr marL="3429000" indent="-228600" defTabSz="449263" eaLnBrk="0" fontAlgn="base" hangingPunct="0">
+              <a:spcBef>
+                <a:spcPct val="30000"/>
+              </a:spcBef>
+              <a:spcAft>
+                <a:spcPct val="0"/>
+              </a:spcAft>
+              <a:buClr>
+                <a:srgbClr val="000000"/>
+              </a:buClr>
+              <a:buSzPct val="100000"/>
+              <a:buFont typeface="Times New Roman" panose="02020603050405020304" pitchFamily="18" charset="0"/>
+              <a:tabLst>
+                <a:tab pos="723900" algn="l"/>
+                <a:tab pos="1447800" algn="l"/>
+                <a:tab pos="2171700" algn="l"/>
+                <a:tab pos="2895600" algn="l"/>
+              </a:tabLst>
+              <a:defRPr sz="1200">
+                <a:solidFill>
+                  <a:srgbClr val="000000"/>
+                </a:solidFill>
+                <a:latin typeface="Times New Roman" panose="02020603050405020304" pitchFamily="18" charset="0"/>
+              </a:defRPr>
+            </a:lvl8pPr>
+            <a:lvl9pPr marL="3886200" indent="-228600" defTabSz="449263" eaLnBrk="0" fontAlgn="base" hangingPunct="0">
+              <a:spcBef>
+                <a:spcPct val="30000"/>
+              </a:spcBef>
+              <a:spcAft>
+                <a:spcPct val="0"/>
+              </a:spcAft>
+              <a:buClr>
+                <a:srgbClr val="000000"/>
+              </a:buClr>
+              <a:buSzPct val="100000"/>
+              <a:buFont typeface="Times New Roman" panose="02020603050405020304" pitchFamily="18" charset="0"/>
+              <a:tabLst>
+                <a:tab pos="723900" algn="l"/>
+                <a:tab pos="1447800" algn="l"/>
+                <a:tab pos="2171700" algn="l"/>
+                <a:tab pos="2895600" algn="l"/>
+              </a:tabLst>
+              <a:defRPr sz="1200">
+                <a:solidFill>
+                  <a:srgbClr val="000000"/>
+                </a:solidFill>
+                <a:latin typeface="Times New Roman" panose="02020603050405020304" pitchFamily="18" charset="0"/>
+              </a:defRPr>
+            </a:lvl9pPr>
+          </a:lstStyle>
+          <a:p>
+            <a:pPr>
+              <a:spcBef>
+                <a:spcPct val="0"/>
+              </a:spcBef>
+            </a:pPr>
+            <a:fld id="{40D911EE-675D-494D-A653-CCEEEC2D141A}" type="slidenum">
+              <a:rPr lang="en-US" altLang="en-US" sz="1400" smtClean="0">
+                <a:ea typeface="Arial Unicode MS" panose="020B0604020202020204" pitchFamily="34" charset="-128"/>
+              </a:rPr>
+              <a:pPr>
+                <a:spcBef>
+                  <a:spcPct val="0"/>
+                </a:spcBef>
+              </a:pPr>
+              <a:t>12</a:t>
+            </a:fld>
+            <a:endParaRPr lang="en-US" altLang="en-US" sz="1400">
+              <a:ea typeface="Arial Unicode MS" panose="020B0604020202020204" pitchFamily="34" charset="-128"/>
+            </a:endParaRPr>
+          </a:p>
+        </p:txBody>
+      </p:sp>
+      <p:sp>
+        <p:nvSpPr>
+          <p:cNvPr id="40963" name="Rectangle 1"/>
+          <p:cNvSpPr>
+            <a:spLocks noGrp="1" noRot="1" noChangeAspect="1" noChangeArrowheads="1" noTextEdit="1"/>
+          </p:cNvSpPr>
+          <p:nvPr>
+            <p:ph type="sldImg"/>
+          </p:nvPr>
+        </p:nvSpPr>
+        <p:spPr>
+          <a:xfrm>
+            <a:off x="1106488" y="812800"/>
+            <a:ext cx="5345112" cy="4008438"/>
+          </a:xfrm>
+          <a:solidFill>
+            <a:srgbClr val="FFFFFF"/>
+          </a:solidFill>
+          <a:ln>
+            <a:solidFill>
+              <a:srgbClr val="000000"/>
+            </a:solidFill>
+            <a:miter lim="800000"/>
+            <a:headEnd/>
+            <a:tailEnd/>
+          </a:ln>
+          <a:extLst>
+            <a:ext uri="{AF507438-7753-43E0-B8FC-AC1667EBCBE1}">
+              <a14:hiddenEffects xmlns:a14="http://schemas.microsoft.com/office/drawing/2010/main">
+                <a:effectLst>
+                  <a:outerShdw dist="35921" dir="2700000" algn="ctr" rotWithShape="0">
+                    <a:srgbClr val="808080"/>
+                  </a:outerShdw>
+                </a:effectLst>
+              </a14:hiddenEffects>
+            </a:ext>
+          </a:extLst>
+        </p:spPr>
+      </p:sp>
+      <p:sp>
+        <p:nvSpPr>
+          <p:cNvPr id="40964" name="Rectangle 2"/>
+          <p:cNvSpPr>
+            <a:spLocks noGrp="1" noChangeArrowheads="1"/>
+          </p:cNvSpPr>
+          <p:nvPr>
+            <p:ph type="body" idx="1"/>
+          </p:nvPr>
+        </p:nvSpPr>
+        <p:spPr>
+          <a:xfrm>
+            <a:off x="755650" y="5078413"/>
+            <a:ext cx="6048375" cy="4811712"/>
+          </a:xfrm>
+          <a:noFill/>
+          <a:extLst>
+            <a:ext uri="{91240B29-F687-4F45-9708-019B960494DF}">
+              <a14:hiddenLine xmlns:a14="http://schemas.microsoft.com/office/drawing/2010/main" w="9525">
+                <a:solidFill>
+                  <a:srgbClr val="808080"/>
+                </a:solidFill>
+                <a:miter lim="800000"/>
+                <a:headEnd/>
+                <a:tailEnd/>
+              </a14:hiddenLine>
+            </a:ext>
+            <a:ext uri="{AF507438-7753-43E0-B8FC-AC1667EBCBE1}">
+              <a14:hiddenEffects xmlns:a14="http://schemas.microsoft.com/office/drawing/2010/main">
+                <a:effectLst>
+                  <a:outerShdw dist="35921" dir="2700000" algn="ctr" rotWithShape="0">
+                    <a:srgbClr val="808080"/>
+                  </a:outerShdw>
+                </a:effectLst>
+              </a14:hiddenEffects>
+            </a:ext>
+          </a:extLst>
+        </p:spPr>
+        <p:txBody>
+          <a:bodyPr wrap="none" anchor="ctr"/>
+          <a:lstStyle/>
+          <a:p>
+            <a:endParaRPr lang="en-US" altLang="en-US"/>
+          </a:p>
+        </p:txBody>
+      </p:sp>
+    </p:spTree>
+  </p:cSld>
+  <p:clrMapOvr>
+    <a:masterClrMapping/>
+  </p:clrMapOvr>
+</p:notes>
+</file>
+
+<file path=ppt/notesSlides/notesSlide12.xml><?xml version="1.0" encoding="utf-8"?>
 <p:notes xmlns:a="http://schemas.openxmlformats.org/drawingml/2006/main" xmlns:r="http://schemas.openxmlformats.org/officeDocument/2006/relationships" xmlns:p="http://schemas.openxmlformats.org/presentationml/2006/main">
   <p:cSld>
     <p:spTree>
@@ -1336,7 +2106,7 @@
 </p:notes>
 </file>
 
-<file path=ppt/notesSlides/notesSlide11.xml><?xml version="1.0" encoding="utf-8"?>
+<file path=ppt/notesSlides/notesSlide13.xml><?xml version="1.0" encoding="utf-8"?>
 <p:notes xmlns:a="http://schemas.openxmlformats.org/drawingml/2006/main" xmlns:r="http://schemas.openxmlformats.org/officeDocument/2006/relationships" xmlns:p="http://schemas.openxmlformats.org/presentationml/2006/main">
   <p:cSld>
     <p:spTree>
@@ -1454,6 +2224,136 @@
       </p:grpSpPr>
       <p:sp>
         <p:nvSpPr>
+          <p:cNvPr id="2" name="מציין מיקום של תמונת שקופית 1"/>
+          <p:cNvSpPr>
+            <a:spLocks noGrp="1" noRot="1" noChangeAspect="1"/>
+          </p:cNvSpPr>
+          <p:nvPr>
+            <p:ph type="sldImg"/>
+          </p:nvPr>
+        </p:nvSpPr>
+        <p:spPr/>
+      </p:sp>
+      <p:sp>
+        <p:nvSpPr>
+          <p:cNvPr id="3" name="מציין מיקום של הערות 2"/>
+          <p:cNvSpPr>
+            <a:spLocks noGrp="1"/>
+          </p:cNvSpPr>
+          <p:nvPr>
+            <p:ph type="body" idx="1"/>
+          </p:nvPr>
+        </p:nvSpPr>
+        <p:spPr/>
+        <p:txBody>
+          <a:bodyPr/>
+          <a:lstStyle/>
+          <a:p>
+            <a:pPr algn="r"/>
+            <a:r>
+              <a:rPr lang="he-IL" dirty="0" smtClean="0"/>
+              <a:t>מבנה המצגת הוא כזה...</a:t>
+            </a:r>
+          </a:p>
+          <a:p>
+            <a:pPr algn="r"/>
+            <a:r>
+              <a:rPr lang="he-IL" dirty="0" smtClean="0"/>
+              <a:t>נדבר על המבוא והמוטיבציה שהובילו אותנו ליצרית ובניית</a:t>
+            </a:r>
+            <a:r>
+              <a:rPr lang="he-IL" baseline="0" dirty="0" smtClean="0"/>
+              <a:t> הפרויקט</a:t>
+            </a:r>
+          </a:p>
+          <a:p>
+            <a:pPr algn="r"/>
+            <a:r>
+              <a:rPr lang="he-IL" baseline="0" dirty="0" smtClean="0"/>
+              <a:t>נציג את הבעיה והפתרון לבעיה שנוצרו תוך כדי תיכון הפרויקט </a:t>
+            </a:r>
+          </a:p>
+          <a:p>
+            <a:pPr algn="r"/>
+            <a:r>
+              <a:rPr lang="he-IL" baseline="0" dirty="0" smtClean="0"/>
+              <a:t>ולאחר מכן נציג את הטכנולוגיות והכלים בהם השתמשנו בפרויקט</a:t>
+            </a:r>
+          </a:p>
+          <a:p>
+            <a:pPr algn="r"/>
+            <a:r>
+              <a:rPr lang="he-IL" baseline="0" dirty="0" smtClean="0"/>
+              <a:t>לבסוף סיכום וזמן שאלות</a:t>
+            </a:r>
+          </a:p>
+          <a:p>
+            <a:pPr algn="r"/>
+            <a:endParaRPr lang="en-US" dirty="0"/>
+          </a:p>
+        </p:txBody>
+      </p:sp>
+      <p:sp>
+        <p:nvSpPr>
+          <p:cNvPr id="4" name="מציין מיקום של מספר שקופית 3"/>
+          <p:cNvSpPr>
+            <a:spLocks noGrp="1"/>
+          </p:cNvSpPr>
+          <p:nvPr>
+            <p:ph type="sldNum" idx="10"/>
+          </p:nvPr>
+        </p:nvSpPr>
+        <p:spPr/>
+        <p:txBody>
+          <a:bodyPr/>
+          <a:lstStyle/>
+          <a:p>
+            <a:pPr>
+              <a:defRPr/>
+            </a:pPr>
+            <a:fld id="{9F6CCC48-01A6-46CE-B786-D033043E846F}" type="slidenum">
+              <a:rPr lang="en-US" altLang="en-US" smtClean="0"/>
+              <a:pPr>
+                <a:defRPr/>
+              </a:pPr>
+              <a:t>2</a:t>
+            </a:fld>
+            <a:endParaRPr lang="en-US" altLang="en-US"/>
+          </a:p>
+        </p:txBody>
+      </p:sp>
+    </p:spTree>
+    <p:extLst>
+      <p:ext uri="{BB962C8B-B14F-4D97-AF65-F5344CB8AC3E}">
+        <p14:creationId xmlns:p14="http://schemas.microsoft.com/office/powerpoint/2010/main" val="727450383"/>
+      </p:ext>
+    </p:extLst>
+  </p:cSld>
+  <p:clrMapOvr>
+    <a:masterClrMapping/>
+  </p:clrMapOvr>
+</p:notes>
+</file>
+
+<file path=ppt/notesSlides/notesSlide3.xml><?xml version="1.0" encoding="utf-8"?>
+<p:notes xmlns:a="http://schemas.openxmlformats.org/drawingml/2006/main" xmlns:r="http://schemas.openxmlformats.org/officeDocument/2006/relationships" xmlns:p="http://schemas.openxmlformats.org/presentationml/2006/main">
+  <p:cSld>
+    <p:spTree>
+      <p:nvGrpSpPr>
+        <p:cNvPr id="1" name=""/>
+        <p:cNvGrpSpPr/>
+        <p:nvPr/>
+      </p:nvGrpSpPr>
+      <p:grpSpPr>
+        <a:xfrm>
+          <a:off x="0" y="0"/>
+          <a:ext cx="0" cy="0"/>
+          <a:chOff x="0" y="0"/>
+          <a:chExt cx="0" cy="0"/>
+        </a:xfrm>
+      </p:grpSpPr>
+      <p:sp>
+        <p:nvSpPr>
           <p:cNvPr id="23554" name="Slide Image Placeholder 1"/>
           <p:cNvSpPr>
             <a:spLocks noGrp="1" noRot="1" noChangeAspect="1" noTextEdit="1"/>
@@ -1493,61 +2393,114 @@
           <a:bodyPr/>
           <a:lstStyle/>
           <a:p>
-            <a:r>
-              <a:rPr lang="he-IL" altLang="he-IL"/>
-              <a:t>חשיפת מידע פרטי במרשתת היא אחת מהבעיות הגדולות שאנו מתמודדים איתן כיום.</a:t>
-            </a:r>
-          </a:p>
-          <a:p>
-            <a:endParaRPr lang="he-IL" altLang="he-IL"/>
-          </a:p>
-          <a:p>
-            <a:r>
-              <a:rPr lang="en-US" altLang="he-IL"/>
-              <a:t>Security - is your data encrypted? Who has access to the encryption keys? Could your data be hacked or stolen?</a:t>
-            </a:r>
-            <a:endParaRPr lang="he-IL" altLang="he-IL"/>
-          </a:p>
-          <a:p>
-            <a:r>
-              <a:rPr lang="en-US" altLang="he-IL"/>
-              <a:t>Copyright - who owns the content you upload? Can your photos be sold or published without your consent?</a:t>
-            </a:r>
-          </a:p>
-          <a:p>
-            <a:r>
-              <a:rPr lang="en-US" altLang="he-IL"/>
-              <a:t>Privacy - is your data stored or is it being mined for advertising and marketing purposes?</a:t>
-            </a:r>
-          </a:p>
-          <a:p>
-            <a:r>
-              <a:rPr lang="he-IL" altLang="he-IL"/>
-              <a:t>-------------</a:t>
-            </a:r>
-            <a:endParaRPr lang="en-US" altLang="he-IL"/>
-          </a:p>
-          <a:p>
-            <a:r>
-              <a:rPr lang="he-IL" altLang="he-IL"/>
-              <a:t>הצפנה קבוצתית היא </a:t>
-            </a:r>
-            <a:endParaRPr lang="en-US" altLang="he-IL"/>
-          </a:p>
-          <a:p>
-            <a:r>
-              <a:rPr lang="he-IL" altLang="he-IL"/>
+            <a:pPr algn="r" rtl="1"/>
+            <a:r>
+              <a:rPr lang="he-IL" altLang="he-IL" dirty="0" smtClean="0"/>
+              <a:t>כיום אנו מתמודדים עם כמויות מידע ונפחים עצומים של מידע שמועלים לענן</a:t>
+            </a:r>
+          </a:p>
+          <a:p>
+            <a:pPr algn="r" rtl="1"/>
+            <a:r>
+              <a:rPr lang="he-IL" altLang="he-IL" dirty="0" smtClean="0"/>
+              <a:t>ספקיות אחסון הענן לעיתים מספקות גם לעיתים</a:t>
+            </a:r>
+            <a:r>
+              <a:rPr lang="he-IL" altLang="he-IL" baseline="0" dirty="0" smtClean="0"/>
+              <a:t> שירותי הצפנה לתוכן שמועלה</a:t>
+            </a:r>
+          </a:p>
+          <a:p>
+            <a:pPr algn="r" rtl="1"/>
+            <a:r>
+              <a:rPr lang="he-IL" altLang="he-IL" baseline="0" dirty="0" smtClean="0"/>
+              <a:t>אך כיצד נבטיח </a:t>
+            </a:r>
+            <a:r>
+              <a:rPr lang="he-IL" altLang="he-IL" baseline="0" dirty="0" err="1" smtClean="0"/>
+              <a:t>שלאדמין</a:t>
+            </a:r>
+            <a:r>
+              <a:rPr lang="he-IL" altLang="he-IL" baseline="0" dirty="0" smtClean="0"/>
+              <a:t> השירות אין את המפתחות לפענוח המידע?</a:t>
+            </a:r>
+          </a:p>
+          <a:p>
+            <a:pPr algn="r" rtl="1"/>
+            <a:r>
+              <a:rPr lang="he-IL" altLang="he-IL" baseline="0" dirty="0" smtClean="0"/>
+              <a:t>כיצד נבטיח שלשירות הענן לא תהיה גישה למידע שהעלנו? שהם לא ישמשו במידע לצרכי פרסום?</a:t>
+            </a:r>
+          </a:p>
+          <a:p>
+            <a:pPr algn="r" rtl="1"/>
+            <a:endParaRPr lang="he-IL" altLang="he-IL" baseline="0" dirty="0" smtClean="0"/>
+          </a:p>
+          <a:p>
+            <a:pPr algn="r" rtl="1"/>
+            <a:r>
+              <a:rPr lang="he-IL" altLang="he-IL" baseline="0" dirty="0" smtClean="0"/>
+              <a:t>בנוסף,</a:t>
+            </a:r>
+          </a:p>
+          <a:p>
+            <a:pPr algn="r" rtl="1"/>
+            <a:endParaRPr lang="he-IL" altLang="he-IL" baseline="0" dirty="0" smtClean="0"/>
+          </a:p>
+          <a:p>
+            <a:pPr algn="r" rtl="1"/>
+            <a:r>
+              <a:rPr lang="he-IL" altLang="he-IL" baseline="0" dirty="0" smtClean="0"/>
+              <a:t>אנו נרצה להצפין ולבזר את המידע בין מספר גורמים. לספק גישה תלותית בין מספר גורמים לצורך פענוח והצגת המידע.</a:t>
+            </a:r>
+          </a:p>
+          <a:p>
+            <a:pPr algn="r" rtl="1"/>
+            <a:endParaRPr lang="he-IL" altLang="he-IL" dirty="0"/>
+          </a:p>
+          <a:p>
+            <a:pPr algn="r" rtl="1"/>
+            <a:r>
+              <a:rPr lang="he-IL" altLang="he-IL" dirty="0" smtClean="0"/>
+              <a:t>נרצה</a:t>
+            </a:r>
+            <a:r>
+              <a:rPr lang="he-IL" altLang="he-IL" baseline="0" dirty="0" smtClean="0"/>
+              <a:t> מעין שירות שיספק לנו הצפנה קבוצתית.</a:t>
+            </a:r>
+          </a:p>
+          <a:p>
+            <a:pPr algn="r" rtl="1"/>
+            <a:endParaRPr lang="he-IL" altLang="he-IL" dirty="0"/>
+          </a:p>
+          <a:p>
+            <a:pPr algn="r" rtl="1"/>
+            <a:r>
+              <a:rPr lang="he-IL" altLang="he-IL" dirty="0" smtClean="0"/>
+              <a:t>הצפנה </a:t>
+            </a:r>
+            <a:r>
+              <a:rPr lang="he-IL" altLang="he-IL" dirty="0"/>
+              <a:t>קבוצתית היא </a:t>
+            </a:r>
+            <a:endParaRPr lang="en-US" altLang="he-IL" dirty="0"/>
+          </a:p>
+          <a:p>
+            <a:pPr algn="r" rtl="1"/>
+            <a:r>
+              <a:rPr lang="he-IL" altLang="he-IL" dirty="0"/>
               <a:t>אנו רוצים לחלק סוד בין מספר גורמים, כל אחד מקבל נתח קטן מהסוד</a:t>
             </a:r>
           </a:p>
           <a:p>
-            <a:r>
-              <a:rPr lang="he-IL" altLang="he-IL"/>
+            <a:pPr algn="r" rtl="1"/>
+            <a:r>
+              <a:rPr lang="he-IL" altLang="he-IL" dirty="0"/>
               <a:t>ורק כאשר הגורמים ייפגשו, הם יוכלו לשחזר את הסוד</a:t>
             </a:r>
           </a:p>
           <a:p>
-            <a:endParaRPr lang="he-IL" altLang="he-IL"/>
+            <a:endParaRPr lang="he-IL" altLang="he-IL" dirty="0"/>
           </a:p>
         </p:txBody>
       </p:sp>
@@ -1588,7 +2541,7 @@
 </p:notes>
 </file>
 
-<file path=ppt/notesSlides/notesSlide3.xml><?xml version="1.0" encoding="utf-8"?>
+<file path=ppt/notesSlides/notesSlide4.xml><?xml version="1.0" encoding="utf-8"?>
 <p:notes xmlns:a="http://schemas.openxmlformats.org/drawingml/2006/main" xmlns:r="http://schemas.openxmlformats.org/officeDocument/2006/relationships" xmlns:p="http://schemas.openxmlformats.org/presentationml/2006/main">
   <p:cSld>
     <p:spTree>
@@ -1646,43 +2599,198 @@
           <a:bodyPr/>
           <a:lstStyle/>
           <a:p>
-            <a:r>
-              <a:rPr lang="he-IL" altLang="he-IL" dirty="0"/>
+            <a:pPr algn="r" rtl="1"/>
+            <a:r>
+              <a:rPr lang="he-IL" altLang="he-IL" dirty="0" smtClean="0"/>
+              <a:t>המוטיבציה</a:t>
+            </a:r>
+            <a:r>
+              <a:rPr lang="he-IL" altLang="he-IL" baseline="0" dirty="0" smtClean="0"/>
+              <a:t> לפרויקט היא יצירת שירות לבעיות האבטחה והפרטיות בענן שהוצגו קודם לכן תוך הוספת פונקציונאליות לשימושים נרחבים יותר.</a:t>
+            </a:r>
+          </a:p>
+          <a:p>
+            <a:pPr algn="r" rtl="1"/>
+            <a:endParaRPr lang="he-IL" altLang="he-IL" dirty="0" smtClean="0"/>
+          </a:p>
+          <a:p>
+            <a:pPr algn="r" rtl="1"/>
+            <a:endParaRPr lang="he-IL" altLang="he-IL" baseline="0" dirty="0" smtClean="0"/>
+          </a:p>
+          <a:p>
+            <a:pPr marL="0" lvl="0" indent="0" algn="r" rtl="1">
+              <a:buNone/>
+            </a:pPr>
+            <a:r>
+              <a:rPr lang="he-IL" altLang="he-IL" baseline="0" dirty="0" smtClean="0"/>
+              <a:t>מאחר ויש מגוון רחב של אלגוריתמי הצפנה חזקים, מטרתנו היא לארוז את האלגוריתמים אל תזרים עבודה יחיד על מנת לתת מענה לבעיית חשיפת המידע מצד השרת, והעברת כוח הפענוח אל ידי משתמשי הקצה</a:t>
+            </a:r>
+          </a:p>
+          <a:p>
+            <a:pPr algn="r" rtl="1"/>
+            <a:endParaRPr lang="en-US" altLang="he-IL" dirty="0" smtClean="0"/>
+          </a:p>
+          <a:p>
+            <a:pPr marL="228600" lvl="0" indent="-228600" algn="r" rtl="1">
+              <a:buAutoNum type="arabicPeriod"/>
+            </a:pPr>
+            <a:endParaRPr lang="he-IL" altLang="he-IL" baseline="0" dirty="0" smtClean="0"/>
+          </a:p>
+          <a:p>
+            <a:pPr marL="0" marR="0" lvl="0" indent="0" algn="r" defTabSz="449263" rtl="1" eaLnBrk="0" fontAlgn="base" latinLnBrk="0" hangingPunct="0">
+              <a:lnSpc>
+                <a:spcPct val="100000"/>
+              </a:lnSpc>
+              <a:spcBef>
+                <a:spcPct val="30000"/>
+              </a:spcBef>
+              <a:spcAft>
+                <a:spcPct val="0"/>
+              </a:spcAft>
+              <a:buClr>
+                <a:srgbClr val="000000"/>
+              </a:buClr>
+              <a:buSzPct val="100000"/>
+              <a:buFont typeface="Times New Roman" panose="02020603050405020304" pitchFamily="18" charset="0"/>
+              <a:buNone/>
+              <a:tabLst/>
+              <a:defRPr/>
+            </a:pPr>
+            <a:r>
+              <a:rPr lang="he-IL" altLang="he-IL" baseline="0" dirty="0" smtClean="0"/>
+              <a:t>בנוסף, מתן סט כלים למפתח ע"מ לייצר </a:t>
+            </a:r>
+            <a:r>
+              <a:rPr lang="en-US" altLang="he-IL" baseline="0" dirty="0" smtClean="0"/>
+              <a:t>USE-CASES</a:t>
+            </a:r>
+            <a:r>
+              <a:rPr lang="he-IL" altLang="he-IL" baseline="0" dirty="0" smtClean="0"/>
+              <a:t> משלו לאלגוריתם, כלומר, צד השרת עובד עם קריאות </a:t>
+            </a:r>
+            <a:r>
+              <a:rPr lang="en-US" altLang="he-IL" baseline="0" dirty="0" smtClean="0"/>
+              <a:t>API</a:t>
+            </a:r>
+            <a:r>
+              <a:rPr lang="he-IL" altLang="he-IL" baseline="0" dirty="0" smtClean="0"/>
+              <a:t> פשוטות, ואספקת ספרייה לצד הלקוח שמממשת את הפונקציונליות של האלגוריתם.</a:t>
+            </a:r>
+          </a:p>
+          <a:p>
+            <a:pPr marL="228600" marR="0" lvl="0" indent="-228600" algn="r" defTabSz="449263" rtl="1" eaLnBrk="0" fontAlgn="base" latinLnBrk="0" hangingPunct="0">
+              <a:lnSpc>
+                <a:spcPct val="100000"/>
+              </a:lnSpc>
+              <a:spcBef>
+                <a:spcPct val="30000"/>
+              </a:spcBef>
+              <a:spcAft>
+                <a:spcPct val="0"/>
+              </a:spcAft>
+              <a:buClr>
+                <a:srgbClr val="000000"/>
+              </a:buClr>
+              <a:buSzPct val="100000"/>
+              <a:buFont typeface="Times New Roman" panose="02020603050405020304" pitchFamily="18" charset="0"/>
+              <a:buAutoNum type="arabicPeriod"/>
+              <a:tabLst/>
+              <a:defRPr/>
+            </a:pPr>
+            <a:endParaRPr lang="en-US" altLang="he-IL" baseline="0" dirty="0" smtClean="0"/>
+          </a:p>
+          <a:p>
+            <a:pPr algn="r" rtl="1"/>
+            <a:r>
+              <a:rPr lang="he-IL" altLang="he-IL" dirty="0" smtClean="0"/>
               <a:t>חלוקת</a:t>
             </a:r>
             <a:r>
-              <a:rPr lang="he-IL" altLang="he-IL" baseline="0" dirty="0"/>
+              <a:rPr lang="he-IL" altLang="he-IL" baseline="0" dirty="0" smtClean="0"/>
               <a:t> סמכויות-</a:t>
             </a:r>
           </a:p>
           <a:p>
-            <a:r>
-              <a:rPr lang="he-IL" altLang="he-IL" baseline="0" dirty="0"/>
-              <a:t>דוגמת סיבובי המפתחות בעת שיגור טיל*</a:t>
-            </a:r>
-          </a:p>
-          <a:p>
-            <a:r>
-              <a:rPr lang="he-IL" altLang="he-IL" baseline="0" dirty="0"/>
-              <a:t>מתן הלוואה ללקוח בנק*</a:t>
-            </a:r>
-          </a:p>
-          <a:p>
-            <a:endParaRPr lang="he-IL" altLang="he-IL" baseline="0" dirty="0"/>
-          </a:p>
-          <a:p>
-            <a:r>
-              <a:rPr lang="he-IL" altLang="he-IL" baseline="0" dirty="0"/>
-              <a:t>גיבוי מידע בצורה מבוזרת,</a:t>
-            </a:r>
-          </a:p>
-          <a:p>
-            <a:r>
-              <a:rPr lang="he-IL" altLang="he-IL" baseline="0" dirty="0"/>
-              <a:t>שמירת מידע בצורה מבוזרת , לדוגמה שמירת סיסמאות</a:t>
-            </a:r>
-          </a:p>
-          <a:p>
+            <a:pPr algn="r" rtl="1"/>
+            <a:r>
+              <a:rPr lang="he-IL" altLang="he-IL" baseline="0" dirty="0" smtClean="0"/>
+              <a:t>&gt; דוגמת סיבובי המפתחות בעת שיגור טיל</a:t>
+            </a:r>
+          </a:p>
+          <a:p>
+            <a:pPr algn="r" rtl="1"/>
+            <a:r>
+              <a:rPr lang="he-IL" altLang="he-IL" baseline="0" dirty="0" smtClean="0"/>
+              <a:t>&gt; מתן הלוואה ללקוח בנק</a:t>
+            </a:r>
+          </a:p>
+          <a:p>
+            <a:pPr marL="228600" marR="0" lvl="0" indent="-228600" algn="r" defTabSz="449263" rtl="1" eaLnBrk="0" fontAlgn="base" latinLnBrk="0" hangingPunct="0">
+              <a:lnSpc>
+                <a:spcPct val="100000"/>
+              </a:lnSpc>
+              <a:spcBef>
+                <a:spcPct val="30000"/>
+              </a:spcBef>
+              <a:spcAft>
+                <a:spcPct val="0"/>
+              </a:spcAft>
+              <a:buClr>
+                <a:srgbClr val="000000"/>
+              </a:buClr>
+              <a:buSzPct val="100000"/>
+              <a:buFont typeface="Times New Roman" panose="02020603050405020304" pitchFamily="18" charset="0"/>
+              <a:buAutoNum type="arabicPeriod"/>
+              <a:tabLst/>
+              <a:defRPr/>
+            </a:pPr>
+            <a:endParaRPr lang="en-US" altLang="he-IL" baseline="0" dirty="0" smtClean="0"/>
+          </a:p>
+          <a:p>
+            <a:pPr marL="228600" marR="0" lvl="0" indent="-228600" algn="r" defTabSz="449263" rtl="1" eaLnBrk="0" fontAlgn="base" latinLnBrk="0" hangingPunct="0">
+              <a:lnSpc>
+                <a:spcPct val="100000"/>
+              </a:lnSpc>
+              <a:spcBef>
+                <a:spcPct val="30000"/>
+              </a:spcBef>
+              <a:spcAft>
+                <a:spcPct val="0"/>
+              </a:spcAft>
+              <a:buClr>
+                <a:srgbClr val="000000"/>
+              </a:buClr>
+              <a:buSzPct val="100000"/>
+              <a:buFont typeface="Times New Roman" panose="02020603050405020304" pitchFamily="18" charset="0"/>
+              <a:buAutoNum type="arabicPeriod"/>
+              <a:tabLst/>
+              <a:defRPr/>
+            </a:pPr>
+            <a:endParaRPr lang="he-IL" altLang="he-IL" baseline="0" dirty="0" smtClean="0"/>
+          </a:p>
+          <a:p>
+            <a:pPr marL="228600" lvl="0" indent="-228600" algn="r" rtl="1">
+              <a:buAutoNum type="arabicPeriod"/>
+            </a:pPr>
+            <a:r>
+              <a:rPr lang="he-IL" altLang="he-IL" baseline="0" dirty="0" smtClean="0"/>
+              <a:t>שמנו כמטרה לפנינו לייצר שירות, שמאמץ האינטגרציה שלו לתוך שירותים קיימים יהיה חלק ככל האפשר  (</a:t>
+            </a:r>
+            <a:r>
+              <a:rPr lang="en-US" altLang="he-IL" baseline="0" dirty="0" smtClean="0"/>
+              <a:t>SEAMLESS INTEGRATION</a:t>
+            </a:r>
+            <a:r>
+              <a:rPr lang="he-IL" altLang="he-IL" baseline="0" dirty="0" smtClean="0"/>
+              <a:t>).</a:t>
+            </a:r>
+          </a:p>
+          <a:p>
+            <a:pPr algn="r" rtl="1"/>
+            <a:endParaRPr lang="he-IL" altLang="he-IL" dirty="0" smtClean="0"/>
+          </a:p>
+          <a:p>
+            <a:pPr algn="r" rtl="1"/>
             <a:endParaRPr lang="he-IL" altLang="he-IL" baseline="0" dirty="0"/>
           </a:p>
         </p:txBody>
@@ -1724,7 +2832,113 @@
 </p:notes>
 </file>
 
-<file path=ppt/notesSlides/notesSlide4.xml><?xml version="1.0" encoding="utf-8"?>
+<file path=ppt/notesSlides/notesSlide5.xml><?xml version="1.0" encoding="utf-8"?>
+<p:notes xmlns:a="http://schemas.openxmlformats.org/drawingml/2006/main" xmlns:r="http://schemas.openxmlformats.org/officeDocument/2006/relationships" xmlns:p="http://schemas.openxmlformats.org/presentationml/2006/main">
+  <p:cSld>
+    <p:spTree>
+      <p:nvGrpSpPr>
+        <p:cNvPr id="1" name=""/>
+        <p:cNvGrpSpPr/>
+        <p:nvPr/>
+      </p:nvGrpSpPr>
+      <p:grpSpPr>
+        <a:xfrm>
+          <a:off x="0" y="0"/>
+          <a:ext cx="0" cy="0"/>
+          <a:chOff x="0" y="0"/>
+          <a:chExt cx="0" cy="0"/>
+        </a:xfrm>
+      </p:grpSpPr>
+      <p:sp>
+        <p:nvSpPr>
+          <p:cNvPr id="2" name="מציין מיקום של תמונת שקופית 1"/>
+          <p:cNvSpPr>
+            <a:spLocks noGrp="1" noRot="1" noChangeAspect="1"/>
+          </p:cNvSpPr>
+          <p:nvPr>
+            <p:ph type="sldImg"/>
+          </p:nvPr>
+        </p:nvSpPr>
+        <p:spPr/>
+      </p:sp>
+      <p:sp>
+        <p:nvSpPr>
+          <p:cNvPr id="3" name="מציין מיקום של הערות 2"/>
+          <p:cNvSpPr>
+            <a:spLocks noGrp="1"/>
+          </p:cNvSpPr>
+          <p:nvPr>
+            <p:ph type="body" idx="1"/>
+          </p:nvPr>
+        </p:nvSpPr>
+        <p:spPr/>
+        <p:txBody>
+          <a:bodyPr/>
+          <a:lstStyle/>
+          <a:p>
+            <a:pPr algn="r" rtl="1"/>
+            <a:r>
+              <a:rPr lang="he-IL" dirty="0" smtClean="0"/>
+              <a:t>אנו</a:t>
+            </a:r>
+            <a:r>
+              <a:rPr lang="he-IL" baseline="0" dirty="0" smtClean="0"/>
+              <a:t> נציג את הפתרון דרך הכלים ששימשו אותנו לפתרון</a:t>
+            </a:r>
+          </a:p>
+          <a:p>
+            <a:pPr algn="r" rtl="1"/>
+            <a:r>
+              <a:rPr lang="he-IL" baseline="0" dirty="0" smtClean="0"/>
+              <a:t>נציג את הקונספט ולאחר מכן היישום עצמו לפתרון</a:t>
+            </a:r>
+            <a:endParaRPr lang="en-US" dirty="0"/>
+          </a:p>
+        </p:txBody>
+      </p:sp>
+      <p:sp>
+        <p:nvSpPr>
+          <p:cNvPr id="4" name="מציין מיקום של מספר שקופית 3"/>
+          <p:cNvSpPr>
+            <a:spLocks noGrp="1"/>
+          </p:cNvSpPr>
+          <p:nvPr>
+            <p:ph type="sldNum" idx="10"/>
+          </p:nvPr>
+        </p:nvSpPr>
+        <p:spPr/>
+        <p:txBody>
+          <a:bodyPr/>
+          <a:lstStyle/>
+          <a:p>
+            <a:pPr>
+              <a:defRPr/>
+            </a:pPr>
+            <a:fld id="{9F6CCC48-01A6-46CE-B786-D033043E846F}" type="slidenum">
+              <a:rPr lang="en-US" altLang="en-US" smtClean="0"/>
+              <a:pPr>
+                <a:defRPr/>
+              </a:pPr>
+              <a:t>5</a:t>
+            </a:fld>
+            <a:endParaRPr lang="en-US" altLang="en-US"/>
+          </a:p>
+        </p:txBody>
+      </p:sp>
+    </p:spTree>
+    <p:extLst>
+      <p:ext uri="{BB962C8B-B14F-4D97-AF65-F5344CB8AC3E}">
+        <p14:creationId xmlns:p14="http://schemas.microsoft.com/office/powerpoint/2010/main" val="1662029420"/>
+      </p:ext>
+    </p:extLst>
+  </p:cSld>
+  <p:clrMapOvr>
+    <a:masterClrMapping/>
+  </p:clrMapOvr>
+</p:notes>
+</file>
+
+<file path=ppt/notesSlides/notesSlide6.xml><?xml version="1.0" encoding="utf-8"?>
 <p:notes xmlns:a="http://schemas.openxmlformats.org/drawingml/2006/main" xmlns:r="http://schemas.openxmlformats.org/officeDocument/2006/relationships" xmlns:p="http://schemas.openxmlformats.org/presentationml/2006/main">
   <p:cSld>
     <p:bg>
@@ -2092,7 +3306,7 @@
           <a:bodyPr wrap="none" anchor="ctr"/>
           <a:lstStyle/>
           <a:p>
-            <a:endParaRPr lang="en-US" altLang="en-US"/>
+            <a:endParaRPr lang="en-US" altLang="en-US" dirty="0"/>
           </a:p>
         </p:txBody>
       </p:sp>
@@ -2104,7 +3318,7 @@
 </p:notes>
 </file>
 
-<file path=ppt/notesSlides/notesSlide5.xml><?xml version="1.0" encoding="utf-8"?>
+<file path=ppt/notesSlides/notesSlide7.xml><?xml version="1.0" encoding="utf-8"?>
 <p:notes xmlns:a="http://schemas.openxmlformats.org/drawingml/2006/main" xmlns:r="http://schemas.openxmlformats.org/officeDocument/2006/relationships" xmlns:p="http://schemas.openxmlformats.org/presentationml/2006/main">
   <p:cSld>
     <p:bg>
@@ -2484,7 +3698,7 @@
 </p:notes>
 </file>
 
-<file path=ppt/notesSlides/notesSlide6.xml><?xml version="1.0" encoding="utf-8"?>
+<file path=ppt/notesSlides/notesSlide8.xml><?xml version="1.0" encoding="utf-8"?>
 <p:notes xmlns:a="http://schemas.openxmlformats.org/drawingml/2006/main" xmlns:r="http://schemas.openxmlformats.org/officeDocument/2006/relationships" xmlns:p="http://schemas.openxmlformats.org/presentationml/2006/main">
   <p:cSld>
     <p:bg>
@@ -2864,7 +4078,7 @@
 </p:notes>
 </file>
 
-<file path=ppt/notesSlides/notesSlide7.xml><?xml version="1.0" encoding="utf-8"?>
+<file path=ppt/notesSlides/notesSlide9.xml><?xml version="1.0" encoding="utf-8"?>
 <p:notes xmlns:a="http://schemas.openxmlformats.org/drawingml/2006/main" xmlns:r="http://schemas.openxmlformats.org/officeDocument/2006/relationships" xmlns:p="http://schemas.openxmlformats.org/presentationml/2006/main">
   <p:cSld>
     <p:bg>
@@ -3232,767 +4446,7 @@
           <a:bodyPr wrap="none" anchor="ctr"/>
           <a:lstStyle/>
           <a:p>
-            <a:endParaRPr lang="en-US" altLang="en-US"/>
-          </a:p>
-        </p:txBody>
-      </p:sp>
-    </p:spTree>
-  </p:cSld>
-  <p:clrMapOvr>
-    <a:masterClrMapping/>
-  </p:clrMapOvr>
-</p:notes>
-</file>
-
-<file path=ppt/notesSlides/notesSlide8.xml><?xml version="1.0" encoding="utf-8"?>
-<p:notes xmlns:a="http://schemas.openxmlformats.org/drawingml/2006/main" xmlns:r="http://schemas.openxmlformats.org/officeDocument/2006/relationships" xmlns:p="http://schemas.openxmlformats.org/presentationml/2006/main">
-  <p:cSld>
-    <p:bg>
-      <p:bgPr>
-        <a:solidFill>
-          <a:srgbClr val="FFFFFF"/>
-        </a:solidFill>
-        <a:effectLst/>
-      </p:bgPr>
-    </p:bg>
-    <p:spTree>
-      <p:nvGrpSpPr>
-        <p:cNvPr id="1" name=""/>
-        <p:cNvGrpSpPr/>
-        <p:nvPr/>
-      </p:nvGrpSpPr>
-      <p:grpSpPr>
-        <a:xfrm>
-          <a:off x="0" y="0"/>
-          <a:ext cx="0" cy="0"/>
-          <a:chOff x="0" y="0"/>
-          <a:chExt cx="0" cy="0"/>
-        </a:xfrm>
-      </p:grpSpPr>
-      <p:sp>
-        <p:nvSpPr>
-          <p:cNvPr id="38914" name="Rectangle 6"/>
-          <p:cNvSpPr>
-            <a:spLocks noGrp="1" noChangeArrowheads="1"/>
-          </p:cNvSpPr>
-          <p:nvPr>
-            <p:ph type="sldNum" sz="quarter"/>
-          </p:nvPr>
-        </p:nvSpPr>
-        <p:spPr>
-          <a:noFill/>
-          <a:extLst>
-            <a:ext uri="{91240B29-F687-4F45-9708-019B960494DF}">
-              <a14:hiddenLine xmlns:a14="http://schemas.microsoft.com/office/drawing/2010/main" w="9525">
-                <a:solidFill>
-                  <a:srgbClr val="808080"/>
-                </a:solidFill>
-                <a:round/>
-                <a:headEnd/>
-                <a:tailEnd/>
-              </a14:hiddenLine>
-            </a:ext>
-          </a:extLst>
-        </p:spPr>
-        <p:txBody>
-          <a:bodyPr/>
-          <a:lstStyle>
-            <a:lvl1pPr>
-              <a:spcBef>
-                <a:spcPct val="30000"/>
-              </a:spcBef>
-              <a:buClr>
-                <a:srgbClr val="000000"/>
-              </a:buClr>
-              <a:buSzPct val="100000"/>
-              <a:buFont typeface="Times New Roman" panose="02020603050405020304" pitchFamily="18" charset="0"/>
-              <a:tabLst>
-                <a:tab pos="723900" algn="l"/>
-                <a:tab pos="1447800" algn="l"/>
-                <a:tab pos="2171700" algn="l"/>
-                <a:tab pos="2895600" algn="l"/>
-              </a:tabLst>
-              <a:defRPr sz="1200">
-                <a:solidFill>
-                  <a:srgbClr val="000000"/>
-                </a:solidFill>
-                <a:latin typeface="Times New Roman" panose="02020603050405020304" pitchFamily="18" charset="0"/>
-              </a:defRPr>
-            </a:lvl1pPr>
-            <a:lvl2pPr>
-              <a:spcBef>
-                <a:spcPct val="30000"/>
-              </a:spcBef>
-              <a:buClr>
-                <a:srgbClr val="000000"/>
-              </a:buClr>
-              <a:buSzPct val="100000"/>
-              <a:buFont typeface="Times New Roman" panose="02020603050405020304" pitchFamily="18" charset="0"/>
-              <a:tabLst>
-                <a:tab pos="723900" algn="l"/>
-                <a:tab pos="1447800" algn="l"/>
-                <a:tab pos="2171700" algn="l"/>
-                <a:tab pos="2895600" algn="l"/>
-              </a:tabLst>
-              <a:defRPr sz="1200">
-                <a:solidFill>
-                  <a:srgbClr val="000000"/>
-                </a:solidFill>
-                <a:latin typeface="Times New Roman" panose="02020603050405020304" pitchFamily="18" charset="0"/>
-              </a:defRPr>
-            </a:lvl2pPr>
-            <a:lvl3pPr>
-              <a:spcBef>
-                <a:spcPct val="30000"/>
-              </a:spcBef>
-              <a:buClr>
-                <a:srgbClr val="000000"/>
-              </a:buClr>
-              <a:buSzPct val="100000"/>
-              <a:buFont typeface="Times New Roman" panose="02020603050405020304" pitchFamily="18" charset="0"/>
-              <a:tabLst>
-                <a:tab pos="723900" algn="l"/>
-                <a:tab pos="1447800" algn="l"/>
-                <a:tab pos="2171700" algn="l"/>
-                <a:tab pos="2895600" algn="l"/>
-              </a:tabLst>
-              <a:defRPr sz="1200">
-                <a:solidFill>
-                  <a:srgbClr val="000000"/>
-                </a:solidFill>
-                <a:latin typeface="Times New Roman" panose="02020603050405020304" pitchFamily="18" charset="0"/>
-              </a:defRPr>
-            </a:lvl3pPr>
-            <a:lvl4pPr>
-              <a:spcBef>
-                <a:spcPct val="30000"/>
-              </a:spcBef>
-              <a:buClr>
-                <a:srgbClr val="000000"/>
-              </a:buClr>
-              <a:buSzPct val="100000"/>
-              <a:buFont typeface="Times New Roman" panose="02020603050405020304" pitchFamily="18" charset="0"/>
-              <a:tabLst>
-                <a:tab pos="723900" algn="l"/>
-                <a:tab pos="1447800" algn="l"/>
-                <a:tab pos="2171700" algn="l"/>
-                <a:tab pos="2895600" algn="l"/>
-              </a:tabLst>
-              <a:defRPr sz="1200">
-                <a:solidFill>
-                  <a:srgbClr val="000000"/>
-                </a:solidFill>
-                <a:latin typeface="Times New Roman" panose="02020603050405020304" pitchFamily="18" charset="0"/>
-              </a:defRPr>
-            </a:lvl4pPr>
-            <a:lvl5pPr>
-              <a:spcBef>
-                <a:spcPct val="30000"/>
-              </a:spcBef>
-              <a:buClr>
-                <a:srgbClr val="000000"/>
-              </a:buClr>
-              <a:buSzPct val="100000"/>
-              <a:buFont typeface="Times New Roman" panose="02020603050405020304" pitchFamily="18" charset="0"/>
-              <a:tabLst>
-                <a:tab pos="723900" algn="l"/>
-                <a:tab pos="1447800" algn="l"/>
-                <a:tab pos="2171700" algn="l"/>
-                <a:tab pos="2895600" algn="l"/>
-              </a:tabLst>
-              <a:defRPr sz="1200">
-                <a:solidFill>
-                  <a:srgbClr val="000000"/>
-                </a:solidFill>
-                <a:latin typeface="Times New Roman" panose="02020603050405020304" pitchFamily="18" charset="0"/>
-              </a:defRPr>
-            </a:lvl5pPr>
-            <a:lvl6pPr marL="2514600" indent="-228600" defTabSz="449263" eaLnBrk="0" fontAlgn="base" hangingPunct="0">
-              <a:spcBef>
-                <a:spcPct val="30000"/>
-              </a:spcBef>
-              <a:spcAft>
-                <a:spcPct val="0"/>
-              </a:spcAft>
-              <a:buClr>
-                <a:srgbClr val="000000"/>
-              </a:buClr>
-              <a:buSzPct val="100000"/>
-              <a:buFont typeface="Times New Roman" panose="02020603050405020304" pitchFamily="18" charset="0"/>
-              <a:tabLst>
-                <a:tab pos="723900" algn="l"/>
-                <a:tab pos="1447800" algn="l"/>
-                <a:tab pos="2171700" algn="l"/>
-                <a:tab pos="2895600" algn="l"/>
-              </a:tabLst>
-              <a:defRPr sz="1200">
-                <a:solidFill>
-                  <a:srgbClr val="000000"/>
-                </a:solidFill>
-                <a:latin typeface="Times New Roman" panose="02020603050405020304" pitchFamily="18" charset="0"/>
-              </a:defRPr>
-            </a:lvl6pPr>
-            <a:lvl7pPr marL="2971800" indent="-228600" defTabSz="449263" eaLnBrk="0" fontAlgn="base" hangingPunct="0">
-              <a:spcBef>
-                <a:spcPct val="30000"/>
-              </a:spcBef>
-              <a:spcAft>
-                <a:spcPct val="0"/>
-              </a:spcAft>
-              <a:buClr>
-                <a:srgbClr val="000000"/>
-              </a:buClr>
-              <a:buSzPct val="100000"/>
-              <a:buFont typeface="Times New Roman" panose="02020603050405020304" pitchFamily="18" charset="0"/>
-              <a:tabLst>
-                <a:tab pos="723900" algn="l"/>
-                <a:tab pos="1447800" algn="l"/>
-                <a:tab pos="2171700" algn="l"/>
-                <a:tab pos="2895600" algn="l"/>
-              </a:tabLst>
-              <a:defRPr sz="1200">
-                <a:solidFill>
-                  <a:srgbClr val="000000"/>
-                </a:solidFill>
-                <a:latin typeface="Times New Roman" panose="02020603050405020304" pitchFamily="18" charset="0"/>
-              </a:defRPr>
-            </a:lvl7pPr>
-            <a:lvl8pPr marL="3429000" indent="-228600" defTabSz="449263" eaLnBrk="0" fontAlgn="base" hangingPunct="0">
-              <a:spcBef>
-                <a:spcPct val="30000"/>
-              </a:spcBef>
-              <a:spcAft>
-                <a:spcPct val="0"/>
-              </a:spcAft>
-              <a:buClr>
-                <a:srgbClr val="000000"/>
-              </a:buClr>
-              <a:buSzPct val="100000"/>
-              <a:buFont typeface="Times New Roman" panose="02020603050405020304" pitchFamily="18" charset="0"/>
-              <a:tabLst>
-                <a:tab pos="723900" algn="l"/>
-                <a:tab pos="1447800" algn="l"/>
-                <a:tab pos="2171700" algn="l"/>
-                <a:tab pos="2895600" algn="l"/>
-              </a:tabLst>
-              <a:defRPr sz="1200">
-                <a:solidFill>
-                  <a:srgbClr val="000000"/>
-                </a:solidFill>
-                <a:latin typeface="Times New Roman" panose="02020603050405020304" pitchFamily="18" charset="0"/>
-              </a:defRPr>
-            </a:lvl8pPr>
-            <a:lvl9pPr marL="3886200" indent="-228600" defTabSz="449263" eaLnBrk="0" fontAlgn="base" hangingPunct="0">
-              <a:spcBef>
-                <a:spcPct val="30000"/>
-              </a:spcBef>
-              <a:spcAft>
-                <a:spcPct val="0"/>
-              </a:spcAft>
-              <a:buClr>
-                <a:srgbClr val="000000"/>
-              </a:buClr>
-              <a:buSzPct val="100000"/>
-              <a:buFont typeface="Times New Roman" panose="02020603050405020304" pitchFamily="18" charset="0"/>
-              <a:tabLst>
-                <a:tab pos="723900" algn="l"/>
-                <a:tab pos="1447800" algn="l"/>
-                <a:tab pos="2171700" algn="l"/>
-                <a:tab pos="2895600" algn="l"/>
-              </a:tabLst>
-              <a:defRPr sz="1200">
-                <a:solidFill>
-                  <a:srgbClr val="000000"/>
-                </a:solidFill>
-                <a:latin typeface="Times New Roman" panose="02020603050405020304" pitchFamily="18" charset="0"/>
-              </a:defRPr>
-            </a:lvl9pPr>
-          </a:lstStyle>
-          <a:p>
-            <a:pPr>
-              <a:spcBef>
-                <a:spcPct val="0"/>
-              </a:spcBef>
-            </a:pPr>
-            <a:fld id="{148F56BC-F74B-4F50-989A-4C00E4FABA41}" type="slidenum">
-              <a:rPr lang="en-US" altLang="en-US" sz="1400" smtClean="0">
-                <a:ea typeface="Arial Unicode MS" panose="020B0604020202020204" pitchFamily="34" charset="-128"/>
-              </a:rPr>
-              <a:pPr>
-                <a:spcBef>
-                  <a:spcPct val="0"/>
-                </a:spcBef>
-              </a:pPr>
-              <a:t>11</a:t>
-            </a:fld>
-            <a:endParaRPr lang="en-US" altLang="en-US" sz="1400">
-              <a:ea typeface="Arial Unicode MS" panose="020B0604020202020204" pitchFamily="34" charset="-128"/>
-            </a:endParaRPr>
-          </a:p>
-        </p:txBody>
-      </p:sp>
-      <p:sp>
-        <p:nvSpPr>
-          <p:cNvPr id="38915" name="Rectangle 1"/>
-          <p:cNvSpPr>
-            <a:spLocks noGrp="1" noRot="1" noChangeAspect="1" noChangeArrowheads="1" noTextEdit="1"/>
-          </p:cNvSpPr>
-          <p:nvPr>
-            <p:ph type="sldImg"/>
-          </p:nvPr>
-        </p:nvSpPr>
-        <p:spPr>
-          <a:xfrm>
-            <a:off x="1106488" y="812800"/>
-            <a:ext cx="5345112" cy="4008438"/>
-          </a:xfrm>
-          <a:solidFill>
-            <a:srgbClr val="FFFFFF"/>
-          </a:solidFill>
-          <a:ln>
-            <a:solidFill>
-              <a:srgbClr val="000000"/>
-            </a:solidFill>
-            <a:miter lim="800000"/>
-            <a:headEnd/>
-            <a:tailEnd/>
-          </a:ln>
-          <a:extLst>
-            <a:ext uri="{AF507438-7753-43E0-B8FC-AC1667EBCBE1}">
-              <a14:hiddenEffects xmlns:a14="http://schemas.microsoft.com/office/drawing/2010/main">
-                <a:effectLst>
-                  <a:outerShdw dist="35921" dir="2700000" algn="ctr" rotWithShape="0">
-                    <a:srgbClr val="808080"/>
-                  </a:outerShdw>
-                </a:effectLst>
-              </a14:hiddenEffects>
-            </a:ext>
-          </a:extLst>
-        </p:spPr>
-      </p:sp>
-      <p:sp>
-        <p:nvSpPr>
-          <p:cNvPr id="38916" name="Rectangle 2"/>
-          <p:cNvSpPr>
-            <a:spLocks noGrp="1" noChangeArrowheads="1"/>
-          </p:cNvSpPr>
-          <p:nvPr>
-            <p:ph type="body" idx="1"/>
-          </p:nvPr>
-        </p:nvSpPr>
-        <p:spPr>
-          <a:xfrm>
-            <a:off x="755650" y="5078413"/>
-            <a:ext cx="6048375" cy="4811712"/>
-          </a:xfrm>
-          <a:noFill/>
-          <a:extLst>
-            <a:ext uri="{91240B29-F687-4F45-9708-019B960494DF}">
-              <a14:hiddenLine xmlns:a14="http://schemas.microsoft.com/office/drawing/2010/main" w="9525">
-                <a:solidFill>
-                  <a:srgbClr val="808080"/>
-                </a:solidFill>
-                <a:miter lim="800000"/>
-                <a:headEnd/>
-                <a:tailEnd/>
-              </a14:hiddenLine>
-            </a:ext>
-            <a:ext uri="{AF507438-7753-43E0-B8FC-AC1667EBCBE1}">
-              <a14:hiddenEffects xmlns:a14="http://schemas.microsoft.com/office/drawing/2010/main">
-                <a:effectLst>
-                  <a:outerShdw dist="35921" dir="2700000" algn="ctr" rotWithShape="0">
-                    <a:srgbClr val="808080"/>
-                  </a:outerShdw>
-                </a:effectLst>
-              </a14:hiddenEffects>
-            </a:ext>
-          </a:extLst>
-        </p:spPr>
-        <p:txBody>
-          <a:bodyPr wrap="none" anchor="ctr"/>
-          <a:lstStyle/>
-          <a:p>
-            <a:endParaRPr lang="en-US" altLang="en-US"/>
-          </a:p>
-        </p:txBody>
-      </p:sp>
-    </p:spTree>
-  </p:cSld>
-  <p:clrMapOvr>
-    <a:masterClrMapping/>
-  </p:clrMapOvr>
-</p:notes>
-</file>
-
-<file path=ppt/notesSlides/notesSlide9.xml><?xml version="1.0" encoding="utf-8"?>
-<p:notes xmlns:a="http://schemas.openxmlformats.org/drawingml/2006/main" xmlns:r="http://schemas.openxmlformats.org/officeDocument/2006/relationships" xmlns:p="http://schemas.openxmlformats.org/presentationml/2006/main">
-  <p:cSld>
-    <p:bg>
-      <p:bgPr>
-        <a:solidFill>
-          <a:srgbClr val="FFFFFF"/>
-        </a:solidFill>
-        <a:effectLst/>
-      </p:bgPr>
-    </p:bg>
-    <p:spTree>
-      <p:nvGrpSpPr>
-        <p:cNvPr id="1" name=""/>
-        <p:cNvGrpSpPr/>
-        <p:nvPr/>
-      </p:nvGrpSpPr>
-      <p:grpSpPr>
-        <a:xfrm>
-          <a:off x="0" y="0"/>
-          <a:ext cx="0" cy="0"/>
-          <a:chOff x="0" y="0"/>
-          <a:chExt cx="0" cy="0"/>
-        </a:xfrm>
-      </p:grpSpPr>
-      <p:sp>
-        <p:nvSpPr>
-          <p:cNvPr id="40962" name="Rectangle 6"/>
-          <p:cNvSpPr>
-            <a:spLocks noGrp="1" noChangeArrowheads="1"/>
-          </p:cNvSpPr>
-          <p:nvPr>
-            <p:ph type="sldNum" sz="quarter"/>
-          </p:nvPr>
-        </p:nvSpPr>
-        <p:spPr>
-          <a:noFill/>
-          <a:extLst>
-            <a:ext uri="{91240B29-F687-4F45-9708-019B960494DF}">
-              <a14:hiddenLine xmlns:a14="http://schemas.microsoft.com/office/drawing/2010/main" w="9525">
-                <a:solidFill>
-                  <a:srgbClr val="808080"/>
-                </a:solidFill>
-                <a:round/>
-                <a:headEnd/>
-                <a:tailEnd/>
-              </a14:hiddenLine>
-            </a:ext>
-          </a:extLst>
-        </p:spPr>
-        <p:txBody>
-          <a:bodyPr/>
-          <a:lstStyle>
-            <a:lvl1pPr>
-              <a:spcBef>
-                <a:spcPct val="30000"/>
-              </a:spcBef>
-              <a:buClr>
-                <a:srgbClr val="000000"/>
-              </a:buClr>
-              <a:buSzPct val="100000"/>
-              <a:buFont typeface="Times New Roman" panose="02020603050405020304" pitchFamily="18" charset="0"/>
-              <a:tabLst>
-                <a:tab pos="723900" algn="l"/>
-                <a:tab pos="1447800" algn="l"/>
-                <a:tab pos="2171700" algn="l"/>
-                <a:tab pos="2895600" algn="l"/>
-              </a:tabLst>
-              <a:defRPr sz="1200">
-                <a:solidFill>
-                  <a:srgbClr val="000000"/>
-                </a:solidFill>
-                <a:latin typeface="Times New Roman" panose="02020603050405020304" pitchFamily="18" charset="0"/>
-              </a:defRPr>
-            </a:lvl1pPr>
-            <a:lvl2pPr>
-              <a:spcBef>
-                <a:spcPct val="30000"/>
-              </a:spcBef>
-              <a:buClr>
-                <a:srgbClr val="000000"/>
-              </a:buClr>
-              <a:buSzPct val="100000"/>
-              <a:buFont typeface="Times New Roman" panose="02020603050405020304" pitchFamily="18" charset="0"/>
-              <a:tabLst>
-                <a:tab pos="723900" algn="l"/>
-                <a:tab pos="1447800" algn="l"/>
-                <a:tab pos="2171700" algn="l"/>
-                <a:tab pos="2895600" algn="l"/>
-              </a:tabLst>
-              <a:defRPr sz="1200">
-                <a:solidFill>
-                  <a:srgbClr val="000000"/>
-                </a:solidFill>
-                <a:latin typeface="Times New Roman" panose="02020603050405020304" pitchFamily="18" charset="0"/>
-              </a:defRPr>
-            </a:lvl2pPr>
-            <a:lvl3pPr>
-              <a:spcBef>
-                <a:spcPct val="30000"/>
-              </a:spcBef>
-              <a:buClr>
-                <a:srgbClr val="000000"/>
-              </a:buClr>
-              <a:buSzPct val="100000"/>
-              <a:buFont typeface="Times New Roman" panose="02020603050405020304" pitchFamily="18" charset="0"/>
-              <a:tabLst>
-                <a:tab pos="723900" algn="l"/>
-                <a:tab pos="1447800" algn="l"/>
-                <a:tab pos="2171700" algn="l"/>
-                <a:tab pos="2895600" algn="l"/>
-              </a:tabLst>
-              <a:defRPr sz="1200">
-                <a:solidFill>
-                  <a:srgbClr val="000000"/>
-                </a:solidFill>
-                <a:latin typeface="Times New Roman" panose="02020603050405020304" pitchFamily="18" charset="0"/>
-              </a:defRPr>
-            </a:lvl3pPr>
-            <a:lvl4pPr>
-              <a:spcBef>
-                <a:spcPct val="30000"/>
-              </a:spcBef>
-              <a:buClr>
-                <a:srgbClr val="000000"/>
-              </a:buClr>
-              <a:buSzPct val="100000"/>
-              <a:buFont typeface="Times New Roman" panose="02020603050405020304" pitchFamily="18" charset="0"/>
-              <a:tabLst>
-                <a:tab pos="723900" algn="l"/>
-                <a:tab pos="1447800" algn="l"/>
-                <a:tab pos="2171700" algn="l"/>
-                <a:tab pos="2895600" algn="l"/>
-              </a:tabLst>
-              <a:defRPr sz="1200">
-                <a:solidFill>
-                  <a:srgbClr val="000000"/>
-                </a:solidFill>
-                <a:latin typeface="Times New Roman" panose="02020603050405020304" pitchFamily="18" charset="0"/>
-              </a:defRPr>
-            </a:lvl4pPr>
-            <a:lvl5pPr>
-              <a:spcBef>
-                <a:spcPct val="30000"/>
-              </a:spcBef>
-              <a:buClr>
-                <a:srgbClr val="000000"/>
-              </a:buClr>
-              <a:buSzPct val="100000"/>
-              <a:buFont typeface="Times New Roman" panose="02020603050405020304" pitchFamily="18" charset="0"/>
-              <a:tabLst>
-                <a:tab pos="723900" algn="l"/>
-                <a:tab pos="1447800" algn="l"/>
-                <a:tab pos="2171700" algn="l"/>
-                <a:tab pos="2895600" algn="l"/>
-              </a:tabLst>
-              <a:defRPr sz="1200">
-                <a:solidFill>
-                  <a:srgbClr val="000000"/>
-                </a:solidFill>
-                <a:latin typeface="Times New Roman" panose="02020603050405020304" pitchFamily="18" charset="0"/>
-              </a:defRPr>
-            </a:lvl5pPr>
-            <a:lvl6pPr marL="2514600" indent="-228600" defTabSz="449263" eaLnBrk="0" fontAlgn="base" hangingPunct="0">
-              <a:spcBef>
-                <a:spcPct val="30000"/>
-              </a:spcBef>
-              <a:spcAft>
-                <a:spcPct val="0"/>
-              </a:spcAft>
-              <a:buClr>
-                <a:srgbClr val="000000"/>
-              </a:buClr>
-              <a:buSzPct val="100000"/>
-              <a:buFont typeface="Times New Roman" panose="02020603050405020304" pitchFamily="18" charset="0"/>
-              <a:tabLst>
-                <a:tab pos="723900" algn="l"/>
-                <a:tab pos="1447800" algn="l"/>
-                <a:tab pos="2171700" algn="l"/>
-                <a:tab pos="2895600" algn="l"/>
-              </a:tabLst>
-              <a:defRPr sz="1200">
-                <a:solidFill>
-                  <a:srgbClr val="000000"/>
-                </a:solidFill>
-                <a:latin typeface="Times New Roman" panose="02020603050405020304" pitchFamily="18" charset="0"/>
-              </a:defRPr>
-            </a:lvl6pPr>
-            <a:lvl7pPr marL="2971800" indent="-228600" defTabSz="449263" eaLnBrk="0" fontAlgn="base" hangingPunct="0">
-              <a:spcBef>
-                <a:spcPct val="30000"/>
-              </a:spcBef>
-              <a:spcAft>
-                <a:spcPct val="0"/>
-              </a:spcAft>
-              <a:buClr>
-                <a:srgbClr val="000000"/>
-              </a:buClr>
-              <a:buSzPct val="100000"/>
-              <a:buFont typeface="Times New Roman" panose="02020603050405020304" pitchFamily="18" charset="0"/>
-              <a:tabLst>
-                <a:tab pos="723900" algn="l"/>
-                <a:tab pos="1447800" algn="l"/>
-                <a:tab pos="2171700" algn="l"/>
-                <a:tab pos="2895600" algn="l"/>
-              </a:tabLst>
-              <a:defRPr sz="1200">
-                <a:solidFill>
-                  <a:srgbClr val="000000"/>
-                </a:solidFill>
-                <a:latin typeface="Times New Roman" panose="02020603050405020304" pitchFamily="18" charset="0"/>
-              </a:defRPr>
-            </a:lvl7pPr>
-            <a:lvl8pPr marL="3429000" indent="-228600" defTabSz="449263" eaLnBrk="0" fontAlgn="base" hangingPunct="0">
-              <a:spcBef>
-                <a:spcPct val="30000"/>
-              </a:spcBef>
-              <a:spcAft>
-                <a:spcPct val="0"/>
-              </a:spcAft>
-              <a:buClr>
-                <a:srgbClr val="000000"/>
-              </a:buClr>
-              <a:buSzPct val="100000"/>
-              <a:buFont typeface="Times New Roman" panose="02020603050405020304" pitchFamily="18" charset="0"/>
-              <a:tabLst>
-                <a:tab pos="723900" algn="l"/>
-                <a:tab pos="1447800" algn="l"/>
-                <a:tab pos="2171700" algn="l"/>
-                <a:tab pos="2895600" algn="l"/>
-              </a:tabLst>
-              <a:defRPr sz="1200">
-                <a:solidFill>
-                  <a:srgbClr val="000000"/>
-                </a:solidFill>
-                <a:latin typeface="Times New Roman" panose="02020603050405020304" pitchFamily="18" charset="0"/>
-              </a:defRPr>
-            </a:lvl8pPr>
-            <a:lvl9pPr marL="3886200" indent="-228600" defTabSz="449263" eaLnBrk="0" fontAlgn="base" hangingPunct="0">
-              <a:spcBef>
-                <a:spcPct val="30000"/>
-              </a:spcBef>
-              <a:spcAft>
-                <a:spcPct val="0"/>
-              </a:spcAft>
-              <a:buClr>
-                <a:srgbClr val="000000"/>
-              </a:buClr>
-              <a:buSzPct val="100000"/>
-              <a:buFont typeface="Times New Roman" panose="02020603050405020304" pitchFamily="18" charset="0"/>
-              <a:tabLst>
-                <a:tab pos="723900" algn="l"/>
-                <a:tab pos="1447800" algn="l"/>
-                <a:tab pos="2171700" algn="l"/>
-                <a:tab pos="2895600" algn="l"/>
-              </a:tabLst>
-              <a:defRPr sz="1200">
-                <a:solidFill>
-                  <a:srgbClr val="000000"/>
-                </a:solidFill>
-                <a:latin typeface="Times New Roman" panose="02020603050405020304" pitchFamily="18" charset="0"/>
-              </a:defRPr>
-            </a:lvl9pPr>
-          </a:lstStyle>
-          <a:p>
-            <a:pPr>
-              <a:spcBef>
-                <a:spcPct val="0"/>
-              </a:spcBef>
-            </a:pPr>
-            <a:fld id="{40D911EE-675D-494D-A653-CCEEEC2D141A}" type="slidenum">
-              <a:rPr lang="en-US" altLang="en-US" sz="1400" smtClean="0">
-                <a:ea typeface="Arial Unicode MS" panose="020B0604020202020204" pitchFamily="34" charset="-128"/>
-              </a:rPr>
-              <a:pPr>
-                <a:spcBef>
-                  <a:spcPct val="0"/>
-                </a:spcBef>
-              </a:pPr>
-              <a:t>12</a:t>
-            </a:fld>
-            <a:endParaRPr lang="en-US" altLang="en-US" sz="1400">
-              <a:ea typeface="Arial Unicode MS" panose="020B0604020202020204" pitchFamily="34" charset="-128"/>
-            </a:endParaRPr>
-          </a:p>
-        </p:txBody>
-      </p:sp>
-      <p:sp>
-        <p:nvSpPr>
-          <p:cNvPr id="40963" name="Rectangle 1"/>
-          <p:cNvSpPr>
-            <a:spLocks noGrp="1" noRot="1" noChangeAspect="1" noChangeArrowheads="1" noTextEdit="1"/>
-          </p:cNvSpPr>
-          <p:nvPr>
-            <p:ph type="sldImg"/>
-          </p:nvPr>
-        </p:nvSpPr>
-        <p:spPr>
-          <a:xfrm>
-            <a:off x="1106488" y="812800"/>
-            <a:ext cx="5345112" cy="4008438"/>
-          </a:xfrm>
-          <a:solidFill>
-            <a:srgbClr val="FFFFFF"/>
-          </a:solidFill>
-          <a:ln>
-            <a:solidFill>
-              <a:srgbClr val="000000"/>
-            </a:solidFill>
-            <a:miter lim="800000"/>
-            <a:headEnd/>
-            <a:tailEnd/>
-          </a:ln>
-          <a:extLst>
-            <a:ext uri="{AF507438-7753-43E0-B8FC-AC1667EBCBE1}">
-              <a14:hiddenEffects xmlns:a14="http://schemas.microsoft.com/office/drawing/2010/main">
-                <a:effectLst>
-                  <a:outerShdw dist="35921" dir="2700000" algn="ctr" rotWithShape="0">
-                    <a:srgbClr val="808080"/>
-                  </a:outerShdw>
-                </a:effectLst>
-              </a14:hiddenEffects>
-            </a:ext>
-          </a:extLst>
-        </p:spPr>
-      </p:sp>
-      <p:sp>
-        <p:nvSpPr>
-          <p:cNvPr id="40964" name="Rectangle 2"/>
-          <p:cNvSpPr>
-            <a:spLocks noGrp="1" noChangeArrowheads="1"/>
-          </p:cNvSpPr>
-          <p:nvPr>
-            <p:ph type="body" idx="1"/>
-          </p:nvPr>
-        </p:nvSpPr>
-        <p:spPr>
-          <a:xfrm>
-            <a:off x="755650" y="5078413"/>
-            <a:ext cx="6048375" cy="4811712"/>
-          </a:xfrm>
-          <a:noFill/>
-          <a:extLst>
-            <a:ext uri="{91240B29-F687-4F45-9708-019B960494DF}">
-              <a14:hiddenLine xmlns:a14="http://schemas.microsoft.com/office/drawing/2010/main" w="9525">
-                <a:solidFill>
-                  <a:srgbClr val="808080"/>
-                </a:solidFill>
-                <a:miter lim="800000"/>
-                <a:headEnd/>
-                <a:tailEnd/>
-              </a14:hiddenLine>
-            </a:ext>
-            <a:ext uri="{AF507438-7753-43E0-B8FC-AC1667EBCBE1}">
-              <a14:hiddenEffects xmlns:a14="http://schemas.microsoft.com/office/drawing/2010/main">
-                <a:effectLst>
-                  <a:outerShdw dist="35921" dir="2700000" algn="ctr" rotWithShape="0">
-                    <a:srgbClr val="808080"/>
-                  </a:outerShdw>
-                </a:effectLst>
-              </a14:hiddenEffects>
-            </a:ext>
-          </a:extLst>
-        </p:spPr>
-        <p:txBody>
-          <a:bodyPr wrap="none" anchor="ctr"/>
-          <a:lstStyle/>
-          <a:p>
-            <a:endParaRPr lang="en-US" altLang="en-US"/>
+            <a:endParaRPr lang="en-US" altLang="en-US" dirty="0"/>
           </a:p>
         </p:txBody>
       </p:sp>
@@ -15382,14 +15836,15 @@
               <a:defRPr/>
             </a:pPr>
             <a:r>
-              <a:rPr lang="he-IL" altLang="en-US" sz="1984" dirty="0">
+              <a:rPr lang="he-IL" altLang="en-US" sz="2400" dirty="0">
                 <a:solidFill>
                   <a:schemeClr val="tx1">
                     <a:lumMod val="75000"/>
                     <a:lumOff val="25000"/>
                   </a:schemeClr>
                 </a:solidFill>
-                <a:cs typeface="Tahoma" panose="020B0604030504040204" pitchFamily="34" charset="0"/>
+                <a:latin typeface="Arial" panose="020B0604020202020204" pitchFamily="34" charset="0"/>
+                <a:cs typeface="Arial" panose="020B0604020202020204" pitchFamily="34" charset="0"/>
               </a:rPr>
               <a:t>מוגש על ידי:</a:t>
             </a:r>
@@ -15422,49 +15877,53 @@
               <a:defRPr/>
             </a:pPr>
             <a:r>
-              <a:rPr lang="en-US" altLang="en-US" sz="1984" dirty="0" err="1">
+              <a:rPr lang="en-US" altLang="en-US" sz="2400" dirty="0" err="1">
                 <a:solidFill>
                   <a:schemeClr val="tx1">
                     <a:lumMod val="75000"/>
                     <a:lumOff val="25000"/>
                   </a:schemeClr>
                 </a:solidFill>
-                <a:cs typeface="Tahoma" panose="020B0604030504040204" pitchFamily="34" charset="0"/>
+                <a:latin typeface="Arial" panose="020B0604020202020204" pitchFamily="34" charset="0"/>
+                <a:cs typeface="Arial" panose="020B0604020202020204" pitchFamily="34" charset="0"/>
               </a:rPr>
               <a:t>נדב</a:t>
             </a:r>
             <a:r>
-              <a:rPr lang="en-US" altLang="en-US" sz="1984" dirty="0">
+              <a:rPr lang="en-US" altLang="en-US" sz="2400" dirty="0">
                 <a:solidFill>
                   <a:schemeClr val="tx1">
                     <a:lumMod val="75000"/>
                     <a:lumOff val="25000"/>
                   </a:schemeClr>
                 </a:solidFill>
-                <a:cs typeface="Tahoma" panose="020B0604030504040204" pitchFamily="34" charset="0"/>
+                <a:latin typeface="Arial" panose="020B0604020202020204" pitchFamily="34" charset="0"/>
+                <a:cs typeface="Arial" panose="020B0604020202020204" pitchFamily="34" charset="0"/>
               </a:rPr>
               <a:t> </a:t>
             </a:r>
             <a:r>
-              <a:rPr lang="en-US" altLang="en-US" sz="1984" dirty="0" err="1">
+              <a:rPr lang="en-US" altLang="en-US" sz="2400" dirty="0" err="1">
                 <a:solidFill>
                   <a:schemeClr val="tx1">
                     <a:lumMod val="75000"/>
                     <a:lumOff val="25000"/>
                   </a:schemeClr>
                 </a:solidFill>
-                <a:cs typeface="Tahoma" panose="020B0604030504040204" pitchFamily="34" charset="0"/>
+                <a:latin typeface="Arial" panose="020B0604020202020204" pitchFamily="34" charset="0"/>
+                <a:cs typeface="Arial" panose="020B0604020202020204" pitchFamily="34" charset="0"/>
               </a:rPr>
               <a:t>לוצטו</a:t>
             </a:r>
-            <a:endParaRPr lang="en-US" altLang="en-US" sz="1984" dirty="0">
+            <a:endParaRPr lang="en-US" altLang="en-US" sz="2400" dirty="0">
               <a:solidFill>
                 <a:schemeClr val="tx1">
                   <a:lumMod val="75000"/>
                   <a:lumOff val="25000"/>
                 </a:schemeClr>
               </a:solidFill>
-              <a:cs typeface="Tahoma" panose="020B0604030504040204" pitchFamily="34" charset="0"/>
+              <a:latin typeface="Arial" panose="020B0604020202020204" pitchFamily="34" charset="0"/>
+              <a:cs typeface="Arial" panose="020B0604020202020204" pitchFamily="34" charset="0"/>
             </a:endParaRPr>
           </a:p>
           <a:p>
@@ -15495,73 +15954,79 @@
               <a:defRPr/>
             </a:pPr>
             <a:r>
-              <a:rPr lang="en-US" altLang="en-US" sz="1984" dirty="0" err="1">
+              <a:rPr lang="en-US" altLang="en-US" sz="2400" dirty="0" err="1">
                 <a:solidFill>
                   <a:schemeClr val="tx1">
                     <a:lumMod val="75000"/>
                     <a:lumOff val="25000"/>
                   </a:schemeClr>
                 </a:solidFill>
-                <a:cs typeface="Tahoma" panose="020B0604030504040204" pitchFamily="34" charset="0"/>
+                <a:latin typeface="Arial" panose="020B0604020202020204" pitchFamily="34" charset="0"/>
+                <a:cs typeface="Arial" panose="020B0604020202020204" pitchFamily="34" charset="0"/>
               </a:rPr>
               <a:t>לירן</a:t>
             </a:r>
             <a:r>
-              <a:rPr lang="en-US" altLang="en-US" sz="1984" dirty="0">
+              <a:rPr lang="en-US" altLang="en-US" sz="2400" dirty="0">
                 <a:solidFill>
                   <a:schemeClr val="tx1">
                     <a:lumMod val="75000"/>
                     <a:lumOff val="25000"/>
                   </a:schemeClr>
                 </a:solidFill>
-                <a:cs typeface="Tahoma" panose="020B0604030504040204" pitchFamily="34" charset="0"/>
+                <a:latin typeface="Arial" panose="020B0604020202020204" pitchFamily="34" charset="0"/>
+                <a:cs typeface="Arial" panose="020B0604020202020204" pitchFamily="34" charset="0"/>
               </a:rPr>
               <a:t> </a:t>
             </a:r>
             <a:r>
-              <a:rPr lang="en-US" altLang="en-US" sz="1984" dirty="0" err="1">
+              <a:rPr lang="en-US" altLang="en-US" sz="2400" dirty="0" err="1">
                 <a:solidFill>
                   <a:schemeClr val="tx1">
                     <a:lumMod val="75000"/>
                     <a:lumOff val="25000"/>
                   </a:schemeClr>
                 </a:solidFill>
-                <a:cs typeface="Tahoma" panose="020B0604030504040204" pitchFamily="34" charset="0"/>
+                <a:latin typeface="Arial" panose="020B0604020202020204" pitchFamily="34" charset="0"/>
+                <a:cs typeface="Arial" panose="020B0604020202020204" pitchFamily="34" charset="0"/>
               </a:rPr>
               <a:t>בן</a:t>
             </a:r>
             <a:r>
-              <a:rPr lang="en-US" altLang="en-US" sz="1984" dirty="0">
+              <a:rPr lang="en-US" altLang="en-US" sz="2400" dirty="0">
                 <a:solidFill>
                   <a:schemeClr val="tx1">
                     <a:lumMod val="75000"/>
                     <a:lumOff val="25000"/>
                   </a:schemeClr>
                 </a:solidFill>
-                <a:cs typeface="Tahoma" panose="020B0604030504040204" pitchFamily="34" charset="0"/>
+                <a:latin typeface="Arial" panose="020B0604020202020204" pitchFamily="34" charset="0"/>
+                <a:cs typeface="Arial" panose="020B0604020202020204" pitchFamily="34" charset="0"/>
               </a:rPr>
               <a:t> </a:t>
             </a:r>
             <a:r>
-              <a:rPr lang="en-US" altLang="en-US" sz="1984" dirty="0" err="1">
+              <a:rPr lang="en-US" altLang="en-US" sz="2400" dirty="0" err="1">
                 <a:solidFill>
                   <a:schemeClr val="tx1">
                     <a:lumMod val="75000"/>
                     <a:lumOff val="25000"/>
                   </a:schemeClr>
                 </a:solidFill>
-                <a:cs typeface="Tahoma" panose="020B0604030504040204" pitchFamily="34" charset="0"/>
+                <a:latin typeface="Arial" panose="020B0604020202020204" pitchFamily="34" charset="0"/>
+                <a:cs typeface="Arial" panose="020B0604020202020204" pitchFamily="34" charset="0"/>
               </a:rPr>
               <a:t>גידה</a:t>
             </a:r>
-            <a:endParaRPr lang="he-IL" altLang="en-US" sz="1984" dirty="0">
+            <a:endParaRPr lang="he-IL" altLang="en-US" sz="2400" dirty="0">
               <a:solidFill>
                 <a:schemeClr val="tx1">
                   <a:lumMod val="75000"/>
                   <a:lumOff val="25000"/>
                 </a:schemeClr>
               </a:solidFill>
-              <a:cs typeface="Tahoma" panose="020B0604030504040204" pitchFamily="34" charset="0"/>
+              <a:latin typeface="Arial" panose="020B0604020202020204" pitchFamily="34" charset="0"/>
+              <a:cs typeface="Arial" panose="020B0604020202020204" pitchFamily="34" charset="0"/>
             </a:endParaRPr>
           </a:p>
           <a:p>
@@ -15591,14 +16056,15 @@
               </a:tabLst>
               <a:defRPr/>
             </a:pPr>
-            <a:endParaRPr lang="he-IL" altLang="en-US" sz="1984" dirty="0">
+            <a:endParaRPr lang="he-IL" altLang="en-US" sz="2400" dirty="0">
               <a:solidFill>
                 <a:schemeClr val="tx1">
                   <a:lumMod val="75000"/>
                   <a:lumOff val="25000"/>
                 </a:schemeClr>
               </a:solidFill>
-              <a:cs typeface="Tahoma" panose="020B0604030504040204" pitchFamily="34" charset="0"/>
+              <a:latin typeface="Arial" panose="020B0604020202020204" pitchFamily="34" charset="0"/>
+              <a:cs typeface="Arial" panose="020B0604020202020204" pitchFamily="34" charset="0"/>
             </a:endParaRPr>
           </a:p>
           <a:p>
@@ -15629,25 +16095,27 @@
               <a:defRPr/>
             </a:pPr>
             <a:r>
-              <a:rPr lang="he-IL" altLang="en-US" sz="1984" dirty="0">
+              <a:rPr lang="he-IL" altLang="en-US" sz="2400" dirty="0">
                 <a:solidFill>
                   <a:schemeClr val="tx1">
                     <a:lumMod val="75000"/>
                     <a:lumOff val="25000"/>
                   </a:schemeClr>
                 </a:solidFill>
-                <a:cs typeface="Tahoma" panose="020B0604030504040204" pitchFamily="34" charset="0"/>
+                <a:latin typeface="Arial" panose="020B0604020202020204" pitchFamily="34" charset="0"/>
+                <a:cs typeface="Arial" panose="020B0604020202020204" pitchFamily="34" charset="0"/>
               </a:rPr>
               <a:t>בהנחיית:</a:t>
             </a:r>
-            <a:endParaRPr lang="en-US" altLang="en-US" sz="1984" dirty="0">
+            <a:endParaRPr lang="en-US" altLang="en-US" sz="2400" dirty="0">
               <a:solidFill>
                 <a:schemeClr val="tx1">
                   <a:lumMod val="75000"/>
                   <a:lumOff val="25000"/>
                 </a:schemeClr>
               </a:solidFill>
-              <a:cs typeface="Tahoma" panose="020B0604030504040204" pitchFamily="34" charset="0"/>
+              <a:latin typeface="Arial" panose="020B0604020202020204" pitchFamily="34" charset="0"/>
+              <a:cs typeface="Arial" panose="020B0604020202020204" pitchFamily="34" charset="0"/>
             </a:endParaRPr>
           </a:p>
           <a:p>
@@ -15678,73 +16146,79 @@
               <a:defRPr/>
             </a:pPr>
             <a:r>
-              <a:rPr lang="en-US" altLang="en-US" sz="1984" dirty="0" err="1">
+              <a:rPr lang="en-US" altLang="en-US" sz="2400" dirty="0" err="1">
                 <a:solidFill>
                   <a:schemeClr val="tx1">
                     <a:lumMod val="75000"/>
                     <a:lumOff val="25000"/>
                   </a:schemeClr>
                 </a:solidFill>
-                <a:cs typeface="Tahoma" panose="020B0604030504040204" pitchFamily="34" charset="0"/>
+                <a:latin typeface="Arial" panose="020B0604020202020204" pitchFamily="34" charset="0"/>
+                <a:cs typeface="Arial" panose="020B0604020202020204" pitchFamily="34" charset="0"/>
               </a:rPr>
               <a:t>ד"ר</a:t>
             </a:r>
             <a:r>
-              <a:rPr lang="en-US" altLang="en-US" sz="1984" dirty="0">
+              <a:rPr lang="en-US" altLang="en-US" sz="2400" dirty="0">
                 <a:solidFill>
                   <a:schemeClr val="tx1">
                     <a:lumMod val="75000"/>
                     <a:lumOff val="25000"/>
                   </a:schemeClr>
                 </a:solidFill>
-                <a:cs typeface="Tahoma" panose="020B0604030504040204" pitchFamily="34" charset="0"/>
+                <a:latin typeface="Arial" panose="020B0604020202020204" pitchFamily="34" charset="0"/>
+                <a:cs typeface="Arial" panose="020B0604020202020204" pitchFamily="34" charset="0"/>
               </a:rPr>
               <a:t> </a:t>
             </a:r>
             <a:r>
-              <a:rPr lang="en-US" altLang="en-US" sz="1984" dirty="0" err="1">
+              <a:rPr lang="en-US" altLang="en-US" sz="2400" dirty="0" err="1">
                 <a:solidFill>
                   <a:schemeClr val="tx1">
                     <a:lumMod val="75000"/>
                     <a:lumOff val="25000"/>
                   </a:schemeClr>
                 </a:solidFill>
-                <a:cs typeface="Tahoma" panose="020B0604030504040204" pitchFamily="34" charset="0"/>
+                <a:latin typeface="Arial" panose="020B0604020202020204" pitchFamily="34" charset="0"/>
+                <a:cs typeface="Arial" panose="020B0604020202020204" pitchFamily="34" charset="0"/>
               </a:rPr>
               <a:t>ירון</a:t>
             </a:r>
             <a:r>
-              <a:rPr lang="en-US" altLang="en-US" sz="1984" dirty="0">
+              <a:rPr lang="en-US" altLang="en-US" sz="2400" dirty="0">
                 <a:solidFill>
                   <a:schemeClr val="tx1">
                     <a:lumMod val="75000"/>
                     <a:lumOff val="25000"/>
                   </a:schemeClr>
                 </a:solidFill>
-                <a:cs typeface="Tahoma" panose="020B0604030504040204" pitchFamily="34" charset="0"/>
+                <a:latin typeface="Arial" panose="020B0604020202020204" pitchFamily="34" charset="0"/>
+                <a:cs typeface="Arial" panose="020B0604020202020204" pitchFamily="34" charset="0"/>
               </a:rPr>
               <a:t> </a:t>
             </a:r>
             <a:r>
-              <a:rPr lang="en-US" altLang="en-US" sz="1984" dirty="0" err="1">
+              <a:rPr lang="en-US" altLang="en-US" sz="2400" dirty="0" err="1">
                 <a:solidFill>
                   <a:schemeClr val="tx1">
                     <a:lumMod val="75000"/>
                     <a:lumOff val="25000"/>
                   </a:schemeClr>
                 </a:solidFill>
-                <a:cs typeface="Tahoma" panose="020B0604030504040204" pitchFamily="34" charset="0"/>
+                <a:latin typeface="Arial" panose="020B0604020202020204" pitchFamily="34" charset="0"/>
+                <a:cs typeface="Arial" panose="020B0604020202020204" pitchFamily="34" charset="0"/>
               </a:rPr>
               <a:t>ויינסברג</a:t>
             </a:r>
-            <a:endParaRPr lang="en-US" altLang="en-US" sz="1984" dirty="0">
+            <a:endParaRPr lang="en-US" altLang="en-US" sz="2400" dirty="0">
               <a:solidFill>
                 <a:schemeClr val="tx1">
                   <a:lumMod val="75000"/>
                   <a:lumOff val="25000"/>
                 </a:schemeClr>
               </a:solidFill>
-              <a:cs typeface="Tahoma" panose="020B0604030504040204" pitchFamily="34" charset="0"/>
+              <a:latin typeface="Arial" panose="020B0604020202020204" pitchFamily="34" charset="0"/>
+              <a:cs typeface="Arial" panose="020B0604020202020204" pitchFamily="34" charset="0"/>
             </a:endParaRPr>
           </a:p>
         </p:txBody>
@@ -15833,9 +16307,9 @@
       </p:sp>
       <p:pic>
         <p:nvPicPr>
-          <p:cNvPr id="35843" name="Picture 3"/>
+          <p:cNvPr id="2" name="תמונה 1"/>
           <p:cNvPicPr>
-            <a:picLocks noChangeAspect="1" noChangeArrowheads="1"/>
+            <a:picLocks noChangeAspect="1"/>
           </p:cNvPicPr>
           <p:nvPr/>
         </p:nvPicPr>
@@ -15847,56 +16321,18 @@
               </a:ext>
             </a:extLst>
           </a:blip>
-          <a:srcRect/>
           <a:stretch>
             <a:fillRect/>
           </a:stretch>
         </p:blipFill>
-        <p:spPr bwMode="auto">
+        <p:spPr>
           <a:xfrm>
-            <a:off x="566738" y="965200"/>
-            <a:ext cx="9217025" cy="6532563"/>
+            <a:off x="506304" y="1563687"/>
+            <a:ext cx="9214420" cy="5744541"/>
           </a:xfrm>
           <a:prstGeom prst="rect">
             <a:avLst/>
           </a:prstGeom>
-          <a:noFill/>
-          <a:ln>
-            <a:noFill/>
-          </a:ln>
-          <a:effectLst/>
-          <a:extLst>
-            <a:ext uri="{909E8E84-426E-40DD-AFC4-6F175D3DCCD1}">
-              <a14:hiddenFill xmlns:a14="http://schemas.microsoft.com/office/drawing/2010/main">
-                <a:blipFill dpi="0" rotWithShape="0">
-                  <a:blip/>
-                  <a:srcRect/>
-                  <a:stretch>
-                    <a:fillRect/>
-                  </a:stretch>
-                </a:blipFill>
-              </a14:hiddenFill>
-            </a:ext>
-            <a:ext uri="{91240B29-F687-4F45-9708-019B960494DF}">
-              <a14:hiddenLine xmlns:a14="http://schemas.microsoft.com/office/drawing/2010/main" w="9525">
-                <a:solidFill>
-                  <a:srgbClr val="808080"/>
-                </a:solidFill>
-                <a:round/>
-                <a:headEnd/>
-                <a:tailEnd/>
-              </a14:hiddenLine>
-            </a:ext>
-            <a:ext uri="{AF507438-7753-43E0-B8FC-AC1667EBCBE1}">
-              <a14:hiddenEffects xmlns:a14="http://schemas.microsoft.com/office/drawing/2010/main">
-                <a:effectLst>
-                  <a:outerShdw dist="35921" dir="2700000" algn="ctr" rotWithShape="0">
-                    <a:srgbClr val="808080"/>
-                  </a:outerShdw>
-                </a:effectLst>
-              </a14:hiddenEffects>
-            </a:ext>
-          </a:extLst>
         </p:spPr>
       </p:pic>
     </p:spTree>
@@ -16018,9 +16454,9 @@
       </p:sp>
       <p:pic>
         <p:nvPicPr>
-          <p:cNvPr id="37891" name="Picture 3"/>
+          <p:cNvPr id="2" name="תמונה 1"/>
           <p:cNvPicPr>
-            <a:picLocks noChangeAspect="1" noChangeArrowheads="1"/>
+            <a:picLocks noChangeAspect="1"/>
           </p:cNvPicPr>
           <p:nvPr/>
         </p:nvPicPr>
@@ -16032,56 +16468,18 @@
               </a:ext>
             </a:extLst>
           </a:blip>
-          <a:srcRect/>
           <a:stretch>
             <a:fillRect/>
           </a:stretch>
         </p:blipFill>
-        <p:spPr bwMode="auto">
+        <p:spPr>
           <a:xfrm>
-            <a:off x="731838" y="914400"/>
-            <a:ext cx="9051925" cy="6583363"/>
+            <a:off x="503239" y="1563688"/>
+            <a:ext cx="9285850" cy="5816549"/>
           </a:xfrm>
           <a:prstGeom prst="rect">
             <a:avLst/>
           </a:prstGeom>
-          <a:noFill/>
-          <a:ln>
-            <a:noFill/>
-          </a:ln>
-          <a:effectLst/>
-          <a:extLst>
-            <a:ext uri="{909E8E84-426E-40DD-AFC4-6F175D3DCCD1}">
-              <a14:hiddenFill xmlns:a14="http://schemas.microsoft.com/office/drawing/2010/main">
-                <a:blipFill dpi="0" rotWithShape="0">
-                  <a:blip/>
-                  <a:srcRect/>
-                  <a:stretch>
-                    <a:fillRect/>
-                  </a:stretch>
-                </a:blipFill>
-              </a14:hiddenFill>
-            </a:ext>
-            <a:ext uri="{91240B29-F687-4F45-9708-019B960494DF}">
-              <a14:hiddenLine xmlns:a14="http://schemas.microsoft.com/office/drawing/2010/main" w="9525">
-                <a:solidFill>
-                  <a:srgbClr val="808080"/>
-                </a:solidFill>
-                <a:round/>
-                <a:headEnd/>
-                <a:tailEnd/>
-              </a14:hiddenLine>
-            </a:ext>
-            <a:ext uri="{AF507438-7753-43E0-B8FC-AC1667EBCBE1}">
-              <a14:hiddenEffects xmlns:a14="http://schemas.microsoft.com/office/drawing/2010/main">
-                <a:effectLst>
-                  <a:outerShdw dist="35921" dir="2700000" algn="ctr" rotWithShape="0">
-                    <a:srgbClr val="808080"/>
-                  </a:outerShdw>
-                </a:effectLst>
-              </a14:hiddenEffects>
-            </a:ext>
-          </a:extLst>
         </p:spPr>
       </p:pic>
     </p:spTree>
@@ -16250,49 +16648,80 @@
               <a:defRPr/>
             </a:pPr>
             <a:r>
-              <a:rPr lang="en-US" altLang="en-US" sz="2000" dirty="0">
+              <a:rPr lang="en-US" altLang="en-US" sz="2400" dirty="0">
                 <a:solidFill>
                   <a:schemeClr val="tx1">
                     <a:lumMod val="75000"/>
                     <a:lumOff val="25000"/>
                   </a:schemeClr>
                 </a:solidFill>
+                <a:latin typeface="Arial" panose="020B0604020202020204" pitchFamily="34" charset="0"/>
+                <a:cs typeface="Arial" panose="020B0604020202020204" pitchFamily="34" charset="0"/>
               </a:rPr>
               <a:t>Node.JS</a:t>
             </a:r>
             <a:r>
-              <a:rPr lang="he-IL" altLang="en-US" sz="2000" dirty="0">
+              <a:rPr lang="he-IL" altLang="en-US" sz="2400" dirty="0">
                 <a:solidFill>
                   <a:schemeClr val="tx1">
                     <a:lumMod val="75000"/>
                     <a:lumOff val="25000"/>
                   </a:schemeClr>
                 </a:solidFill>
+                <a:latin typeface="Arial" panose="020B0604020202020204" pitchFamily="34" charset="0"/>
+                <a:cs typeface="Arial" panose="020B0604020202020204" pitchFamily="34" charset="0"/>
               </a:rPr>
               <a:t> – סביבת פיתוח מבוססת </a:t>
             </a:r>
             <a:r>
-              <a:rPr lang="en-US" altLang="en-US" sz="2000" dirty="0">
+              <a:rPr lang="en-US" altLang="en-US" sz="2400" dirty="0">
                 <a:solidFill>
                   <a:schemeClr val="tx1">
                     <a:lumMod val="75000"/>
                     <a:lumOff val="25000"/>
                   </a:schemeClr>
                 </a:solidFill>
+                <a:latin typeface="Arial" panose="020B0604020202020204" pitchFamily="34" charset="0"/>
+                <a:cs typeface="Arial" panose="020B0604020202020204" pitchFamily="34" charset="0"/>
               </a:rPr>
               <a:t>JavaScript</a:t>
             </a:r>
             <a:r>
-              <a:rPr lang="he-IL" altLang="en-US" sz="2000" dirty="0">
+              <a:rPr lang="he-IL" altLang="en-US" sz="2400" dirty="0">
                 <a:solidFill>
                   <a:schemeClr val="tx1">
                     <a:lumMod val="75000"/>
                     <a:lumOff val="25000"/>
                   </a:schemeClr>
                 </a:solidFill>
+                <a:latin typeface="Arial" panose="020B0604020202020204" pitchFamily="34" charset="0"/>
+                <a:cs typeface="Arial" panose="020B0604020202020204" pitchFamily="34" charset="0"/>
               </a:rPr>
-              <a:t>לפיתוח צד שרת. סביבה מודולרית, קהילת מפתחים גדולה, טכנולוגיה חדשה ותמיכה רבה.</a:t>
-            </a:r>
+              <a:t>לפיתוח צד שרת. סביבה מודולרית, קהילת מפתחים גדולה, טכנולוגיה חדשה ותמיכה </a:t>
+            </a:r>
+            <a:r>
+              <a:rPr lang="he-IL" altLang="en-US" sz="2400" dirty="0" smtClean="0">
+                <a:solidFill>
+                  <a:schemeClr val="tx1">
+                    <a:lumMod val="75000"/>
+                    <a:lumOff val="25000"/>
+                  </a:schemeClr>
+                </a:solidFill>
+                <a:latin typeface="Arial" panose="020B0604020202020204" pitchFamily="34" charset="0"/>
+                <a:cs typeface="Arial" panose="020B0604020202020204" pitchFamily="34" charset="0"/>
+              </a:rPr>
+              <a:t>רבה</a:t>
+            </a:r>
+            <a:endParaRPr lang="he-IL" altLang="en-US" sz="2400" dirty="0">
+              <a:solidFill>
+                <a:schemeClr val="tx1">
+                  <a:lumMod val="75000"/>
+                  <a:lumOff val="25000"/>
+                </a:schemeClr>
+              </a:solidFill>
+              <a:latin typeface="Arial" panose="020B0604020202020204" pitchFamily="34" charset="0"/>
+              <a:cs typeface="Arial" panose="020B0604020202020204" pitchFamily="34" charset="0"/>
+            </a:endParaRPr>
           </a:p>
           <a:p>
             <a:pPr marL="431800" indent="-323850" algn="r" defTabSz="503972" rtl="1" eaLnBrk="1" fontAlgn="auto" hangingPunct="1">
@@ -16322,125 +16751,157 @@
               <a:defRPr/>
             </a:pPr>
             <a:r>
-              <a:rPr lang="en-US" altLang="en-US" sz="2000" dirty="0">
+              <a:rPr lang="en-US" altLang="en-US" sz="2400" dirty="0">
                 <a:solidFill>
                   <a:schemeClr val="tx1">
                     <a:lumMod val="75000"/>
                     <a:lumOff val="25000"/>
                   </a:schemeClr>
                 </a:solidFill>
+                <a:latin typeface="Arial" panose="020B0604020202020204" pitchFamily="34" charset="0"/>
+                <a:cs typeface="Arial" panose="020B0604020202020204" pitchFamily="34" charset="0"/>
               </a:rPr>
               <a:t>CouchDB</a:t>
             </a:r>
             <a:r>
-              <a:rPr lang="he-IL" altLang="en-US" sz="2000" dirty="0">
+              <a:rPr lang="he-IL" altLang="en-US" sz="2400" dirty="0">
                 <a:solidFill>
                   <a:schemeClr val="tx1">
                     <a:lumMod val="75000"/>
                     <a:lumOff val="25000"/>
                   </a:schemeClr>
                 </a:solidFill>
+                <a:latin typeface="Arial" panose="020B0604020202020204" pitchFamily="34" charset="0"/>
+                <a:cs typeface="Arial" panose="020B0604020202020204" pitchFamily="34" charset="0"/>
               </a:rPr>
               <a:t> – מסד נתונים מבוסס </a:t>
             </a:r>
             <a:r>
-              <a:rPr lang="en-US" altLang="en-US" sz="2000" dirty="0">
+              <a:rPr lang="en-US" altLang="en-US" sz="2400" dirty="0">
                 <a:solidFill>
                   <a:schemeClr val="tx1">
                     <a:lumMod val="75000"/>
                     <a:lumOff val="25000"/>
                   </a:schemeClr>
                 </a:solidFill>
+                <a:latin typeface="Arial" panose="020B0604020202020204" pitchFamily="34" charset="0"/>
+                <a:cs typeface="Arial" panose="020B0604020202020204" pitchFamily="34" charset="0"/>
               </a:rPr>
               <a:t>NoSQL</a:t>
             </a:r>
             <a:r>
-              <a:rPr lang="he-IL" altLang="en-US" sz="2000" dirty="0">
+              <a:rPr lang="he-IL" altLang="en-US" sz="2400" dirty="0">
                 <a:solidFill>
                   <a:schemeClr val="tx1">
                     <a:lumMod val="75000"/>
                     <a:lumOff val="25000"/>
                   </a:schemeClr>
                 </a:solidFill>
+                <a:latin typeface="Arial" panose="020B0604020202020204" pitchFamily="34" charset="0"/>
+                <a:cs typeface="Arial" panose="020B0604020202020204" pitchFamily="34" charset="0"/>
               </a:rPr>
               <a:t>, המאפשר יצירת שאילתות במתכונת </a:t>
             </a:r>
             <a:r>
-              <a:rPr lang="en-US" altLang="en-US" sz="2000" dirty="0">
+              <a:rPr lang="en-US" altLang="en-US" sz="2400" dirty="0">
                 <a:solidFill>
                   <a:schemeClr val="tx1">
                     <a:lumMod val="75000"/>
                     <a:lumOff val="25000"/>
                   </a:schemeClr>
                 </a:solidFill>
+                <a:latin typeface="Arial" panose="020B0604020202020204" pitchFamily="34" charset="0"/>
+                <a:cs typeface="Arial" panose="020B0604020202020204" pitchFamily="34" charset="0"/>
               </a:rPr>
               <a:t>RESTful API</a:t>
             </a:r>
             <a:r>
-              <a:rPr lang="he-IL" altLang="en-US" sz="2000" dirty="0">
+              <a:rPr lang="he-IL" altLang="en-US" sz="2400" dirty="0">
                 <a:solidFill>
                   <a:schemeClr val="tx1">
                     <a:lumMod val="75000"/>
                     <a:lumOff val="25000"/>
                   </a:schemeClr>
                 </a:solidFill>
+                <a:latin typeface="Arial" panose="020B0604020202020204" pitchFamily="34" charset="0"/>
+                <a:cs typeface="Arial" panose="020B0604020202020204" pitchFamily="34" charset="0"/>
               </a:rPr>
               <a:t>. השימוש וניהול מסד הנתונים נעשה על ידי השירות </a:t>
             </a:r>
-            <a:br>
-              <a:rPr lang="en-US" altLang="en-US" sz="2000" dirty="0">
+            <a:r>
+              <a:rPr lang="en-US" altLang="en-US" sz="2400" dirty="0">
                 <a:solidFill>
                   <a:schemeClr val="tx1">
                     <a:lumMod val="75000"/>
                     <a:lumOff val="25000"/>
                   </a:schemeClr>
                 </a:solidFill>
+                <a:latin typeface="Arial" panose="020B0604020202020204" pitchFamily="34" charset="0"/>
+                <a:cs typeface="Arial" panose="020B0604020202020204" pitchFamily="34" charset="0"/>
               </a:rPr>
-            </a:br>
-            <a:r>
-              <a:rPr lang="en-US" altLang="en-US" sz="2000" dirty="0">
+              <a:t/>
+            </a:r>
+            <a:br>
+              <a:rPr lang="en-US" altLang="en-US" sz="2400" dirty="0">
                 <a:solidFill>
                   <a:schemeClr val="tx1">
                     <a:lumMod val="75000"/>
                     <a:lumOff val="25000"/>
                   </a:schemeClr>
                 </a:solidFill>
+                <a:latin typeface="Arial" panose="020B0604020202020204" pitchFamily="34" charset="0"/>
+                <a:cs typeface="Arial" panose="020B0604020202020204" pitchFamily="34" charset="0"/>
               </a:rPr>
-              <a:t>Cloudant</a:t>
-            </a:r>
-            <a:r>
-              <a:rPr lang="he-IL" altLang="en-US" sz="2000" dirty="0">
+            </a:br>
+            <a:r>
+              <a:rPr lang="en-US" altLang="en-US" sz="2400" dirty="0">
                 <a:solidFill>
                   <a:schemeClr val="tx1">
                     <a:lumMod val="75000"/>
                     <a:lumOff val="25000"/>
                   </a:schemeClr>
                 </a:solidFill>
+                <a:latin typeface="Arial" panose="020B0604020202020204" pitchFamily="34" charset="0"/>
+                <a:cs typeface="Arial" panose="020B0604020202020204" pitchFamily="34" charset="0"/>
               </a:rPr>
-              <a:t> של </a:t>
-            </a:r>
-            <a:r>
-              <a:rPr lang="en-US" altLang="en-US" sz="2000" dirty="0">
+              <a:t>Cloudant</a:t>
+            </a:r>
+            <a:r>
+              <a:rPr lang="he-IL" altLang="en-US" sz="2400" dirty="0">
                 <a:solidFill>
                   <a:schemeClr val="tx1">
                     <a:lumMod val="75000"/>
                     <a:lumOff val="25000"/>
                   </a:schemeClr>
                 </a:solidFill>
+                <a:latin typeface="Arial" panose="020B0604020202020204" pitchFamily="34" charset="0"/>
+                <a:cs typeface="Arial" panose="020B0604020202020204" pitchFamily="34" charset="0"/>
               </a:rPr>
-              <a:t>IBM</a:t>
-            </a:r>
-            <a:r>
-              <a:rPr lang="he-IL" altLang="en-US" sz="2000" dirty="0">
+              <a:t> של </a:t>
+            </a:r>
+            <a:r>
+              <a:rPr lang="en-US" altLang="en-US" sz="2400" dirty="0" smtClean="0">
                 <a:solidFill>
                   <a:schemeClr val="tx1">
                     <a:lumMod val="75000"/>
                     <a:lumOff val="25000"/>
                   </a:schemeClr>
                 </a:solidFill>
+                <a:latin typeface="Arial" panose="020B0604020202020204" pitchFamily="34" charset="0"/>
+                <a:cs typeface="Arial" panose="020B0604020202020204" pitchFamily="34" charset="0"/>
               </a:rPr>
-              <a:t>.</a:t>
-            </a:r>
+              <a:t>IBM</a:t>
+            </a:r>
+            <a:endParaRPr lang="he-IL" altLang="en-US" sz="2400" dirty="0">
+              <a:solidFill>
+                <a:schemeClr val="tx1">
+                  <a:lumMod val="75000"/>
+                  <a:lumOff val="25000"/>
+                </a:schemeClr>
+              </a:solidFill>
+              <a:latin typeface="Arial" panose="020B0604020202020204" pitchFamily="34" charset="0"/>
+              <a:cs typeface="Arial" panose="020B0604020202020204" pitchFamily="34" charset="0"/>
+            </a:endParaRPr>
           </a:p>
           <a:p>
             <a:pPr marL="431800" indent="-323850" algn="r" defTabSz="503972" rtl="1" eaLnBrk="1" fontAlgn="auto" hangingPunct="1">
@@ -16470,101 +16931,132 @@
               <a:defRPr/>
             </a:pPr>
             <a:r>
-              <a:rPr lang="en-US" altLang="EN-US" sz="2000" dirty="0">
+              <a:rPr lang="en-US" altLang="EN-US" sz="2400" dirty="0">
                 <a:solidFill>
                   <a:schemeClr val="tx1">
                     <a:lumMod val="75000"/>
                     <a:lumOff val="25000"/>
                   </a:schemeClr>
                 </a:solidFill>
-                <a:latin typeface="Century Gothic" charset="0"/>
+                <a:latin typeface="Arial" panose="020B0604020202020204" pitchFamily="34" charset="0"/>
+                <a:cs typeface="Arial" panose="020B0604020202020204" pitchFamily="34" charset="0"/>
               </a:rPr>
               <a:t>React-Native</a:t>
             </a:r>
             <a:r>
-              <a:rPr lang="he-IL" altLang="EN-US" sz="2000" dirty="0">
+              <a:rPr lang="he-IL" altLang="EN-US" sz="2400" dirty="0">
                 <a:solidFill>
                   <a:schemeClr val="tx1">
                     <a:lumMod val="75000"/>
                     <a:lumOff val="25000"/>
                   </a:schemeClr>
                 </a:solidFill>
-                <a:latin typeface="Century Gothic" charset="0"/>
+                <a:latin typeface="Arial" panose="020B0604020202020204" pitchFamily="34" charset="0"/>
+                <a:cs typeface="Arial" panose="020B0604020202020204" pitchFamily="34" charset="0"/>
               </a:rPr>
               <a:t> – סביבת פיתוח אפליקציות מובייל. פיתוח האפליקציות נעשה על ידי שפת </a:t>
             </a:r>
             <a:r>
-              <a:rPr lang="en-US" altLang="EN-US" sz="2000" dirty="0">
+              <a:rPr lang="en-US" altLang="EN-US" sz="2400" dirty="0">
                 <a:solidFill>
                   <a:schemeClr val="tx1">
                     <a:lumMod val="75000"/>
                     <a:lumOff val="25000"/>
                   </a:schemeClr>
                 </a:solidFill>
-                <a:latin typeface="Century Gothic" charset="0"/>
+                <a:latin typeface="Arial" panose="020B0604020202020204" pitchFamily="34" charset="0"/>
+                <a:cs typeface="Arial" panose="020B0604020202020204" pitchFamily="34" charset="0"/>
               </a:rPr>
               <a:t>JavaScript</a:t>
             </a:r>
             <a:r>
-              <a:rPr lang="he-IL" altLang="EN-US" sz="2000" dirty="0">
+              <a:rPr lang="he-IL" altLang="EN-US" sz="2400" dirty="0">
                 <a:solidFill>
                   <a:schemeClr val="tx1">
                     <a:lumMod val="75000"/>
                     <a:lumOff val="25000"/>
                   </a:schemeClr>
                 </a:solidFill>
-                <a:latin typeface="Century Gothic" charset="0"/>
+                <a:latin typeface="Arial" panose="020B0604020202020204" pitchFamily="34" charset="0"/>
+                <a:cs typeface="Arial" panose="020B0604020202020204" pitchFamily="34" charset="0"/>
               </a:rPr>
               <a:t>. הטכנולוגיה הינה חדשה ובפיתוח של </a:t>
             </a:r>
             <a:r>
-              <a:rPr lang="en-US" altLang="EN-US" sz="2000" dirty="0">
+              <a:rPr lang="en-US" altLang="EN-US" sz="2400" dirty="0">
                 <a:solidFill>
                   <a:schemeClr val="tx1">
                     <a:lumMod val="75000"/>
                     <a:lumOff val="25000"/>
                   </a:schemeClr>
                 </a:solidFill>
-                <a:latin typeface="Century Gothic" charset="0"/>
+                <a:latin typeface="Arial" panose="020B0604020202020204" pitchFamily="34" charset="0"/>
+                <a:cs typeface="Arial" panose="020B0604020202020204" pitchFamily="34" charset="0"/>
               </a:rPr>
               <a:t>Facebook</a:t>
             </a:r>
             <a:r>
-              <a:rPr lang="he-IL" altLang="EN-US" sz="2000" dirty="0">
+              <a:rPr lang="he-IL" altLang="EN-US" sz="2400" dirty="0">
                 <a:solidFill>
                   <a:schemeClr val="tx1">
                     <a:lumMod val="75000"/>
                     <a:lumOff val="25000"/>
                   </a:schemeClr>
                 </a:solidFill>
-                <a:latin typeface="Century Gothic" charset="0"/>
+                <a:latin typeface="Arial" panose="020B0604020202020204" pitchFamily="34" charset="0"/>
+                <a:cs typeface="Arial" panose="020B0604020202020204" pitchFamily="34" charset="0"/>
               </a:rPr>
               <a:t>. פלטפורמה זו מספקת פיתוח </a:t>
             </a:r>
             <a:r>
-              <a:rPr lang="en-US" altLang="EN-US" sz="2000" dirty="0">
+              <a:rPr lang="en-US" altLang="EN-US" sz="2400" dirty="0">
                 <a:solidFill>
                   <a:schemeClr val="tx1">
                     <a:lumMod val="75000"/>
                     <a:lumOff val="25000"/>
                   </a:schemeClr>
                 </a:solidFill>
-                <a:latin typeface="Century Gothic" charset="0"/>
+                <a:latin typeface="Arial" panose="020B0604020202020204" pitchFamily="34" charset="0"/>
+                <a:cs typeface="Arial" panose="020B0604020202020204" pitchFamily="34" charset="0"/>
               </a:rPr>
               <a:t>cross-platform</a:t>
             </a:r>
             <a:r>
-              <a:rPr lang="he-IL" altLang="EN-US" sz="2000" dirty="0">
+              <a:rPr lang="he-IL" altLang="EN-US" sz="2400" dirty="0">
                 <a:solidFill>
                   <a:schemeClr val="tx1">
                     <a:lumMod val="75000"/>
                     <a:lumOff val="25000"/>
                   </a:schemeClr>
                 </a:solidFill>
-                <a:latin typeface="Century Gothic" charset="0"/>
+                <a:latin typeface="Arial" panose="020B0604020202020204" pitchFamily="34" charset="0"/>
+                <a:cs typeface="Arial" panose="020B0604020202020204" pitchFamily="34" charset="0"/>
               </a:rPr>
-              <a:t> ואפשרויות הרחבה רבות.</a:t>
-            </a:r>
+              <a:t> ואפשרויות הרחבה </a:t>
+            </a:r>
+            <a:r>
+              <a:rPr lang="he-IL" altLang="EN-US" sz="2400" dirty="0" smtClean="0">
+                <a:solidFill>
+                  <a:schemeClr val="tx1">
+                    <a:lumMod val="75000"/>
+                    <a:lumOff val="25000"/>
+                  </a:schemeClr>
+                </a:solidFill>
+                <a:latin typeface="Arial" panose="020B0604020202020204" pitchFamily="34" charset="0"/>
+                <a:cs typeface="Arial" panose="020B0604020202020204" pitchFamily="34" charset="0"/>
+              </a:rPr>
+              <a:t>רבות</a:t>
+            </a:r>
+            <a:endParaRPr lang="he-IL" altLang="EN-US" sz="2400" dirty="0">
+              <a:solidFill>
+                <a:schemeClr val="tx1">
+                  <a:lumMod val="75000"/>
+                  <a:lumOff val="25000"/>
+                </a:schemeClr>
+              </a:solidFill>
+              <a:latin typeface="Arial" panose="020B0604020202020204" pitchFamily="34" charset="0"/>
+              <a:cs typeface="Arial" panose="020B0604020202020204" pitchFamily="34" charset="0"/>
+            </a:endParaRPr>
           </a:p>
         </p:txBody>
       </p:sp>
@@ -16714,8 +17206,8 @@
         </p:nvCxnSpPr>
         <p:spPr>
           <a:xfrm flipH="1" flipV="1">
-            <a:off x="3096096" y="3097998"/>
-            <a:ext cx="2412156" cy="150233"/>
+            <a:off x="3096096" y="3097999"/>
+            <a:ext cx="2520280" cy="393806"/>
           </a:xfrm>
           <a:prstGeom prst="straightConnector1">
             <a:avLst/>
@@ -16746,9 +17238,9 @@
           <p:nvPr/>
         </p:nvCxnSpPr>
         <p:spPr>
-          <a:xfrm flipH="1">
-            <a:off x="3312120" y="3935988"/>
-            <a:ext cx="1944216" cy="59873"/>
+          <a:xfrm flipH="1" flipV="1">
+            <a:off x="3312120" y="3995861"/>
+            <a:ext cx="2088232" cy="432048"/>
           </a:xfrm>
           <a:prstGeom prst="straightConnector1">
             <a:avLst/>
@@ -16781,7 +17273,7 @@
         <p:spPr>
           <a:xfrm>
             <a:off x="4752280" y="2227019"/>
-            <a:ext cx="5002348" cy="2554545"/>
+            <a:ext cx="5002348" cy="3416320"/>
           </a:xfrm>
           <a:prstGeom prst="rect">
             <a:avLst/>
@@ -16799,7 +17291,9 @@
               <a:buAutoNum type="arabicPeriod"/>
             </a:pPr>
             <a:r>
-              <a:rPr lang="he-IL" sz="2000" dirty="0"/>
+              <a:rPr lang="he-IL" sz="2400" dirty="0">
+                <a:cs typeface="Arial" panose="020B0604020202020204" pitchFamily="34" charset="0"/>
+              </a:rPr>
               <a:t>נבחר שם</a:t>
             </a:r>
           </a:p>
@@ -16808,7 +17302,9 @@
               <a:buFont typeface="+mj-lt"/>
               <a:buAutoNum type="arabicPeriod"/>
             </a:pPr>
-            <a:endParaRPr lang="he-IL" sz="2000" dirty="0"/>
+            <a:endParaRPr lang="he-IL" sz="2400" dirty="0">
+              <a:cs typeface="Arial" panose="020B0604020202020204" pitchFamily="34" charset="0"/>
+            </a:endParaRPr>
           </a:p>
           <a:p>
             <a:pPr marL="457200" indent="-457200" algn="r" rtl="1">
@@ -16816,7 +17312,9 @@
               <a:buAutoNum type="arabicPeriod"/>
             </a:pPr>
             <a:r>
-              <a:rPr lang="he-IL" sz="2000" dirty="0"/>
+              <a:rPr lang="he-IL" sz="2400" dirty="0">
+                <a:cs typeface="Arial" panose="020B0604020202020204" pitchFamily="34" charset="0"/>
+              </a:rPr>
               <a:t>נקבע את סף האישורים לצורך פתיחת ההודעה</a:t>
             </a:r>
           </a:p>
@@ -16825,7 +17323,9 @@
               <a:buFont typeface="+mj-lt"/>
               <a:buAutoNum type="arabicPeriod"/>
             </a:pPr>
-            <a:endParaRPr lang="he-IL" sz="2000" dirty="0"/>
+            <a:endParaRPr lang="he-IL" sz="2400" dirty="0">
+              <a:cs typeface="Arial" panose="020B0604020202020204" pitchFamily="34" charset="0"/>
+            </a:endParaRPr>
           </a:p>
           <a:p>
             <a:pPr marL="457200" indent="-457200" algn="r" rtl="1">
@@ -16833,7 +17333,9 @@
               <a:buAutoNum type="arabicPeriod"/>
             </a:pPr>
             <a:r>
-              <a:rPr lang="he-IL" sz="2000" dirty="0"/>
+              <a:rPr lang="he-IL" sz="2400" dirty="0">
+                <a:cs typeface="Arial" panose="020B0604020202020204" pitchFamily="34" charset="0"/>
+              </a:rPr>
               <a:t>נרשום את ההודעה אותה נרצה להצפין</a:t>
             </a:r>
           </a:p>
@@ -16842,14 +17344,18 @@
               <a:buFont typeface="+mj-lt"/>
               <a:buAutoNum type="arabicPeriod"/>
             </a:pPr>
-            <a:endParaRPr lang="he-IL" sz="2000" dirty="0"/>
+            <a:endParaRPr lang="he-IL" sz="2400" dirty="0">
+              <a:cs typeface="Arial" panose="020B0604020202020204" pitchFamily="34" charset="0"/>
+            </a:endParaRPr>
           </a:p>
           <a:p>
             <a:pPr marL="457200" indent="-457200" algn="r" rtl="1">
               <a:buFont typeface="+mj-lt"/>
               <a:buAutoNum type="arabicPeriod"/>
             </a:pPr>
-            <a:endParaRPr lang="he-IL" sz="2000" dirty="0"/>
+            <a:endParaRPr lang="he-IL" sz="2400" dirty="0">
+              <a:cs typeface="Arial" panose="020B0604020202020204" pitchFamily="34" charset="0"/>
+            </a:endParaRPr>
           </a:p>
         </p:txBody>
       </p:sp>
@@ -16863,6 +17369,13 @@
   <p:clrMapOvr>
     <a:masterClrMapping/>
   </p:clrMapOvr>
+  <p:timing>
+    <p:tnLst>
+      <p:par>
+        <p:cTn id="1" dur="indefinite" restart="never" nodeType="tmRoot"/>
+      </p:par>
+    </p:tnLst>
+  </p:timing>
 </p:sld>
 </file>
 
@@ -16940,8 +17453,8 @@
         </p:nvSpPr>
         <p:spPr>
           <a:xfrm>
-            <a:off x="6355554" y="1696574"/>
-            <a:ext cx="3509294" cy="523220"/>
+            <a:off x="6876529" y="1696574"/>
+            <a:ext cx="2988319" cy="461665"/>
           </a:xfrm>
           <a:prstGeom prst="rect">
             <a:avLst/>
@@ -16956,8 +17469,8 @@
           <a:p>
             <a:pPr algn="r" rtl="1"/>
             <a:r>
-              <a:rPr lang="he-IL" sz="2800" dirty="0">
-                <a:cs typeface="+mn-cs"/>
+              <a:rPr lang="he-IL" sz="2400" dirty="0">
+                <a:cs typeface="Arial" panose="020B0604020202020204" pitchFamily="34" charset="0"/>
               </a:rPr>
               <a:t>כך נשמר המידע בשרת:</a:t>
             </a:r>
@@ -16974,6 +17487,13 @@
   <p:clrMapOvr>
     <a:masterClrMapping/>
   </p:clrMapOvr>
+  <p:timing>
+    <p:tnLst>
+      <p:par>
+        <p:cTn id="1" dur="indefinite" restart="never" nodeType="tmRoot"/>
+      </p:par>
+    </p:tnLst>
+  </p:timing>
 </p:sld>
 </file>
 
@@ -17109,18 +17629,18 @@
             </a:pPr>
             <a:r>
               <a:rPr lang="he-IL" sz="2000" dirty="0">
-                <a:cs typeface="+mn-cs"/>
+                <a:cs typeface="Arial" panose="020B0604020202020204" pitchFamily="34" charset="0"/>
               </a:rPr>
               <a:t>נתחבר עם המשתמש </a:t>
             </a:r>
             <a:r>
               <a:rPr lang="en-US" sz="2000" i="1" dirty="0">
-                <a:cs typeface="+mn-cs"/>
+                <a:cs typeface="Arial" panose="020B0604020202020204" pitchFamily="34" charset="0"/>
               </a:rPr>
               <a:t>charlie</a:t>
             </a:r>
             <a:endParaRPr lang="he-IL" sz="2000" i="1" dirty="0">
-              <a:cs typeface="+mn-cs"/>
+              <a:cs typeface="Arial" panose="020B0604020202020204" pitchFamily="34" charset="0"/>
             </a:endParaRPr>
           </a:p>
           <a:p>
@@ -17130,31 +17650,31 @@
             </a:pPr>
             <a:r>
               <a:rPr lang="en-US" sz="2000" i="1" dirty="0">
-                <a:cs typeface="+mn-cs"/>
+                <a:cs typeface="Arial" panose="020B0604020202020204" pitchFamily="34" charset="0"/>
               </a:rPr>
               <a:t>Charlie</a:t>
             </a:r>
             <a:r>
               <a:rPr lang="he-IL" sz="2000" i="1" dirty="0">
-                <a:cs typeface="+mn-cs"/>
+                <a:cs typeface="Arial" panose="020B0604020202020204" pitchFamily="34" charset="0"/>
               </a:rPr>
               <a:t> מבקש</a:t>
             </a:r>
             <a:r>
               <a:rPr lang="he-IL" sz="2000" dirty="0">
-                <a:cs typeface="+mn-cs"/>
+                <a:cs typeface="Arial" panose="020B0604020202020204" pitchFamily="34" charset="0"/>
               </a:rPr>
               <a:t> מהמשתמש </a:t>
             </a:r>
             <a:r>
               <a:rPr lang="en-US" sz="2000" i="1" dirty="0">
-                <a:cs typeface="+mn-cs"/>
+                <a:cs typeface="Arial" panose="020B0604020202020204" pitchFamily="34" charset="0"/>
               </a:rPr>
               <a:t>nadav</a:t>
             </a:r>
             <a:r>
               <a:rPr lang="he-IL" sz="2000" dirty="0">
-                <a:cs typeface="+mn-cs"/>
+                <a:cs typeface="Arial" panose="020B0604020202020204" pitchFamily="34" charset="0"/>
               </a:rPr>
               <a:t> את החלק שלו</a:t>
             </a:r>
@@ -17166,7 +17686,7 @@
             </a:pPr>
             <a:r>
               <a:rPr lang="he-IL" sz="2000" dirty="0">
-                <a:cs typeface="+mn-cs"/>
+                <a:cs typeface="Arial" panose="020B0604020202020204" pitchFamily="34" charset="0"/>
               </a:rPr>
               <a:t>נדב מקבל את הבקשה</a:t>
             </a:r>
@@ -17178,19 +17698,19 @@
             </a:pPr>
             <a:r>
               <a:rPr lang="he-IL" sz="2000" dirty="0">
-                <a:cs typeface="+mn-cs"/>
+                <a:cs typeface="Arial" panose="020B0604020202020204" pitchFamily="34" charset="0"/>
               </a:rPr>
               <a:t>מבקש את המפתח הפומבי של </a:t>
             </a:r>
             <a:r>
               <a:rPr lang="en-US" sz="2000" dirty="0">
-                <a:cs typeface="+mn-cs"/>
+                <a:cs typeface="Arial" panose="020B0604020202020204" pitchFamily="34" charset="0"/>
               </a:rPr>
               <a:t>Charlie</a:t>
             </a:r>
             <a:r>
               <a:rPr lang="he-IL" sz="2000" dirty="0">
-                <a:cs typeface="+mn-cs"/>
+                <a:cs typeface="Arial" panose="020B0604020202020204" pitchFamily="34" charset="0"/>
               </a:rPr>
               <a:t> מהשרת</a:t>
             </a:r>
@@ -17202,7 +17722,7 @@
             </a:pPr>
             <a:r>
               <a:rPr lang="he-IL" sz="2000" dirty="0">
-                <a:cs typeface="+mn-cs"/>
+                <a:cs typeface="Arial" panose="020B0604020202020204" pitchFamily="34" charset="0"/>
               </a:rPr>
               <a:t>מצפין את החלק שלו בעזרת המפתח הפומבי</a:t>
             </a:r>
@@ -17214,19 +17734,19 @@
             </a:pPr>
             <a:r>
               <a:rPr lang="he-IL" sz="2000" dirty="0">
-                <a:cs typeface="+mn-cs"/>
+                <a:cs typeface="Arial" panose="020B0604020202020204" pitchFamily="34" charset="0"/>
               </a:rPr>
               <a:t>שולח אותו </a:t>
             </a:r>
             <a:r>
               <a:rPr lang="en-US" sz="2000" dirty="0">
-                <a:cs typeface="+mn-cs"/>
+                <a:cs typeface="Arial" panose="020B0604020202020204" pitchFamily="34" charset="0"/>
               </a:rPr>
               <a:t> </a:t>
             </a:r>
             <a:r>
               <a:rPr lang="he-IL" sz="2000" dirty="0">
-                <a:cs typeface="+mn-cs"/>
+                <a:cs typeface="Arial" panose="020B0604020202020204" pitchFamily="34" charset="0"/>
               </a:rPr>
               <a:t>בחזרה</a:t>
             </a:r>
@@ -17238,19 +17758,19 @@
             </a:pPr>
             <a:r>
               <a:rPr lang="he-IL" sz="2000" dirty="0">
-                <a:cs typeface="+mn-cs"/>
+                <a:cs typeface="Arial" panose="020B0604020202020204" pitchFamily="34" charset="0"/>
               </a:rPr>
               <a:t>כעת ל </a:t>
             </a:r>
             <a:r>
               <a:rPr lang="en-US" sz="2000" dirty="0">
-                <a:cs typeface="+mn-cs"/>
+                <a:cs typeface="Arial" panose="020B0604020202020204" pitchFamily="34" charset="0"/>
               </a:rPr>
               <a:t>charlie</a:t>
             </a:r>
             <a:r>
               <a:rPr lang="he-IL" sz="2000" dirty="0">
-                <a:cs typeface="+mn-cs"/>
+                <a:cs typeface="Arial" panose="020B0604020202020204" pitchFamily="34" charset="0"/>
               </a:rPr>
               <a:t> יש 2 חתיכות באמתחתו</a:t>
             </a:r>
@@ -17400,6 +17920,13 @@
   <p:clrMapOvr>
     <a:masterClrMapping/>
   </p:clrMapOvr>
+  <p:timing>
+    <p:tnLst>
+      <p:par>
+        <p:cTn id="1" dur="indefinite" restart="never" nodeType="tmRoot"/>
+      </p:par>
+    </p:tnLst>
+  </p:timing>
 </p:sld>
 </file>
 
@@ -17482,7 +18009,7 @@
         <p:spPr>
           <a:xfrm>
             <a:off x="4536256" y="1776744"/>
-            <a:ext cx="5256584" cy="646331"/>
+            <a:ext cx="5256584" cy="707886"/>
           </a:xfrm>
           <a:prstGeom prst="rect">
             <a:avLst/>
@@ -17497,37 +18024,32 @@
           <a:p>
             <a:pPr algn="r" rtl="1"/>
             <a:r>
-              <a:rPr lang="he-IL" dirty="0">
-                <a:latin typeface="Arial Unicode MS" panose="020B0604020202020204" pitchFamily="34" charset="-128"/>
-                <a:cs typeface="+mn-cs"/>
+              <a:rPr lang="he-IL" sz="2000" dirty="0">
+                <a:cs typeface="Arial" panose="020B0604020202020204" pitchFamily="34" charset="0"/>
               </a:rPr>
               <a:t>לאחר קבלת לפחות ארבעה חתיכות-מידע (</a:t>
             </a:r>
             <a:r>
-              <a:rPr lang="en-US" dirty="0">
-                <a:latin typeface="Arial Unicode MS" panose="020B0604020202020204" pitchFamily="34" charset="-128"/>
-                <a:cs typeface="+mn-cs"/>
+              <a:rPr lang="en-US" sz="2000" dirty="0">
+                <a:cs typeface="Arial" panose="020B0604020202020204" pitchFamily="34" charset="0"/>
               </a:rPr>
               <a:t>shares</a:t>
             </a:r>
             <a:r>
-              <a:rPr lang="he-IL" dirty="0">
-                <a:latin typeface="Arial Unicode MS" panose="020B0604020202020204" pitchFamily="34" charset="-128"/>
-                <a:cs typeface="+mn-cs"/>
+              <a:rPr lang="he-IL" sz="2000" dirty="0">
+                <a:cs typeface="Arial" panose="020B0604020202020204" pitchFamily="34" charset="0"/>
               </a:rPr>
               <a:t>),  אנו נוכל לפענח את הקובץ אותו </a:t>
             </a:r>
             <a:r>
-              <a:rPr lang="en-US" i="1" dirty="0">
-                <a:latin typeface="Arial Unicode MS" panose="020B0604020202020204" pitchFamily="34" charset="-128"/>
-                <a:cs typeface="+mn-cs"/>
+              <a:rPr lang="en-US" sz="2000" i="1" dirty="0">
+                <a:cs typeface="Arial" panose="020B0604020202020204" pitchFamily="34" charset="0"/>
               </a:rPr>
               <a:t>charlie</a:t>
             </a:r>
             <a:r>
-              <a:rPr lang="he-IL" dirty="0">
-                <a:latin typeface="Arial Unicode MS" panose="020B0604020202020204" pitchFamily="34" charset="-128"/>
-                <a:cs typeface="+mn-cs"/>
+              <a:rPr lang="he-IL" sz="2000" dirty="0">
+                <a:cs typeface="Arial" panose="020B0604020202020204" pitchFamily="34" charset="0"/>
               </a:rPr>
               <a:t> הצפין</a:t>
             </a:r>
@@ -17625,6 +18147,13 @@
   <p:clrMapOvr>
     <a:masterClrMapping/>
   </p:clrMapOvr>
+  <p:timing>
+    <p:tnLst>
+      <p:par>
+        <p:cTn id="1" dur="indefinite" restart="never" nodeType="tmRoot"/>
+      </p:par>
+    </p:tnLst>
+  </p:timing>
 </p:sld>
 </file>
 
@@ -17707,8 +18236,8 @@
         </p:nvSpPr>
         <p:spPr>
           <a:xfrm>
-            <a:off x="2141538" y="2352675"/>
-            <a:ext cx="7267575" cy="4164013"/>
+            <a:off x="431800" y="2352675"/>
+            <a:ext cx="9217024" cy="4164013"/>
           </a:xfrm>
         </p:spPr>
         <p:txBody>
@@ -17729,13 +18258,15 @@
               <a:defRPr/>
             </a:pPr>
             <a:r>
-              <a:rPr lang="he-IL" sz="2000" dirty="0">
+              <a:rPr lang="he-IL" sz="2400" dirty="0">
                 <a:solidFill>
                   <a:schemeClr val="tx1">
                     <a:lumMod val="75000"/>
                     <a:lumOff val="25000"/>
                   </a:schemeClr>
                 </a:solidFill>
+                <a:latin typeface="Arial" panose="020B0604020202020204" pitchFamily="34" charset="0"/>
+                <a:cs typeface="Arial" panose="020B0604020202020204" pitchFamily="34" charset="0"/>
               </a:rPr>
               <a:t>השתמשנו באלגוריתמים וטכנולוגיות שונות על מנת ליצור שירות הצפנה מבוסס אישורים</a:t>
             </a:r>
@@ -17753,16 +18284,67 @@
               <a:defRPr/>
             </a:pPr>
             <a:r>
-              <a:rPr lang="he-IL" sz="2000" dirty="0">
+              <a:rPr lang="he-IL" sz="2400" dirty="0">
                 <a:solidFill>
                   <a:schemeClr val="tx1">
                     <a:lumMod val="75000"/>
                     <a:lumOff val="25000"/>
                   </a:schemeClr>
                 </a:solidFill>
+                <a:latin typeface="Arial" panose="020B0604020202020204" pitchFamily="34" charset="0"/>
+                <a:cs typeface="Arial" panose="020B0604020202020204" pitchFamily="34" charset="0"/>
               </a:rPr>
-              <a:t>בנינו אפליקציית מובייל הממחישה את יכולות השימוש בשירות זה</a:t>
-            </a:r>
+              <a:t>בנינו אפליקציית מובייל הממחישה את יכולות השימוש בשירות </a:t>
+            </a:r>
+            <a:r>
+              <a:rPr lang="he-IL" sz="2400" dirty="0" smtClean="0">
+                <a:solidFill>
+                  <a:schemeClr val="tx1">
+                    <a:lumMod val="75000"/>
+                    <a:lumOff val="25000"/>
+                  </a:schemeClr>
+                </a:solidFill>
+                <a:latin typeface="Arial" panose="020B0604020202020204" pitchFamily="34" charset="0"/>
+                <a:cs typeface="Arial" panose="020B0604020202020204" pitchFamily="34" charset="0"/>
+              </a:rPr>
+              <a:t>זה</a:t>
+            </a:r>
+          </a:p>
+          <a:p>
+            <a:pPr marL="377979" indent="-377979" algn="r" defTabSz="503972" rtl="1" eaLnBrk="1" fontAlgn="auto" hangingPunct="1">
+              <a:spcBef>
+                <a:spcPts val="1102"/>
+              </a:spcBef>
+              <a:spcAft>
+                <a:spcPts val="0"/>
+              </a:spcAft>
+              <a:buFont typeface="Wingdings 3" charset="2"/>
+              <a:buChar char=""/>
+              <a:defRPr/>
+            </a:pPr>
+            <a:r>
+              <a:rPr lang="he-IL" sz="2400" dirty="0" smtClean="0">
+                <a:solidFill>
+                  <a:schemeClr val="tx1">
+                    <a:lumMod val="75000"/>
+                    <a:lumOff val="25000"/>
+                  </a:schemeClr>
+                </a:solidFill>
+                <a:latin typeface="Arial" panose="020B0604020202020204" pitchFamily="34" charset="0"/>
+                <a:cs typeface="Arial" panose="020B0604020202020204" pitchFamily="34" charset="0"/>
+              </a:rPr>
+              <a:t>השירות נבנה בצורה גנרית ומודולרית שניתנת לשימוש למגוון רחב של שירותים</a:t>
+            </a:r>
+            <a:endParaRPr lang="he-IL" sz="2400" dirty="0">
+              <a:solidFill>
+                <a:schemeClr val="tx1">
+                  <a:lumMod val="75000"/>
+                  <a:lumOff val="25000"/>
+                </a:schemeClr>
+              </a:solidFill>
+              <a:latin typeface="Arial" panose="020B0604020202020204" pitchFamily="34" charset="0"/>
+              <a:cs typeface="Arial" panose="020B0604020202020204" pitchFamily="34" charset="0"/>
+            </a:endParaRPr>
           </a:p>
         </p:txBody>
       </p:sp>
@@ -17982,59 +18564,63 @@
         </p:nvSpPr>
         <p:spPr>
           <a:xfrm>
-            <a:off x="1007864" y="2352675"/>
-            <a:ext cx="8401249" cy="4955554"/>
+            <a:off x="1007864" y="1619597"/>
+            <a:ext cx="8401249" cy="5688632"/>
           </a:xfrm>
         </p:spPr>
         <p:txBody>
           <a:bodyPr rtlCol="0" anchor="ctr">
-            <a:normAutofit lnSpcReduction="10000"/>
+            <a:noAutofit/>
           </a:bodyPr>
           <a:lstStyle/>
           <a:p>
-            <a:pPr marL="377979" indent="-377979" algn="r" defTabSz="503972" rtl="1" eaLnBrk="1" fontAlgn="auto" hangingPunct="1">
+            <a:pPr algn="r" defTabSz="503972" rtl="1" eaLnBrk="1" fontAlgn="auto" hangingPunct="1">
               <a:spcBef>
                 <a:spcPts val="1102"/>
               </a:spcBef>
               <a:spcAft>
                 <a:spcPts val="0"/>
               </a:spcAft>
-              <a:buFont typeface="Wingdings 3" charset="2"/>
-              <a:buChar char=""/>
+              <a:buFont typeface="Wingdings" panose="05000000000000000000" pitchFamily="2" charset="2"/>
+              <a:buChar char="v"/>
               <a:defRPr/>
             </a:pPr>
             <a:r>
-              <a:rPr lang="he-IL" sz="1984" dirty="0">
+              <a:rPr lang="he-IL" sz="1800" dirty="0">
                 <a:solidFill>
                   <a:schemeClr val="tx1">
                     <a:lumMod val="75000"/>
                     <a:lumOff val="25000"/>
                   </a:schemeClr>
                 </a:solidFill>
+                <a:latin typeface="Arial" panose="020B0604020202020204" pitchFamily="34" charset="0"/>
+                <a:cs typeface="Arial" panose="020B0604020202020204" pitchFamily="34" charset="0"/>
               </a:rPr>
               <a:t>מבוא</a:t>
             </a:r>
           </a:p>
           <a:p>
-            <a:pPr marL="377979" indent="-377979" algn="r" defTabSz="503972" rtl="1" eaLnBrk="1" fontAlgn="auto" hangingPunct="1">
+            <a:pPr algn="r" defTabSz="503972" rtl="1" eaLnBrk="1" fontAlgn="auto" hangingPunct="1">
               <a:spcBef>
                 <a:spcPts val="1102"/>
               </a:spcBef>
               <a:spcAft>
                 <a:spcPts val="0"/>
               </a:spcAft>
-              <a:buFont typeface="Wingdings 3" charset="2"/>
-              <a:buChar char=""/>
+              <a:buFont typeface="Wingdings" panose="05000000000000000000" pitchFamily="2" charset="2"/>
+              <a:buChar char="v"/>
               <a:defRPr/>
             </a:pPr>
             <a:r>
-              <a:rPr lang="he-IL" sz="1984" dirty="0">
+              <a:rPr lang="he-IL" sz="1800" dirty="0">
                 <a:solidFill>
                   <a:schemeClr val="tx1">
                     <a:lumMod val="75000"/>
                     <a:lumOff val="25000"/>
                   </a:schemeClr>
                 </a:solidFill>
+                <a:latin typeface="Arial" panose="020B0604020202020204" pitchFamily="34" charset="0"/>
+                <a:cs typeface="Arial" panose="020B0604020202020204" pitchFamily="34" charset="0"/>
               </a:rPr>
               <a:t>מוטיבציה</a:t>
             </a:r>
@@ -18047,18 +18633,20 @@
               <a:spcAft>
                 <a:spcPts val="0"/>
               </a:spcAft>
-              <a:buFont typeface="Wingdings 3" charset="2"/>
-              <a:buChar char=""/>
+              <a:buFont typeface="Wingdings" panose="05000000000000000000" pitchFamily="2" charset="2"/>
+              <a:buChar char="v"/>
               <a:defRPr/>
             </a:pPr>
             <a:r>
-              <a:rPr lang="he-IL" sz="1764" dirty="0">
+              <a:rPr lang="he-IL" sz="1800" dirty="0">
                 <a:solidFill>
                   <a:schemeClr val="tx1">
                     <a:lumMod val="75000"/>
                     <a:lumOff val="25000"/>
                   </a:schemeClr>
                 </a:solidFill>
+                <a:latin typeface="Arial" panose="020B0604020202020204" pitchFamily="34" charset="0"/>
+                <a:cs typeface="Arial" panose="020B0604020202020204" pitchFamily="34" charset="0"/>
               </a:rPr>
               <a:t>התמונה הגדולה</a:t>
             </a:r>
@@ -18071,42 +18659,46 @@
               <a:spcAft>
                 <a:spcPts val="0"/>
               </a:spcAft>
-              <a:buFont typeface="Wingdings 3" charset="2"/>
-              <a:buChar char=""/>
+              <a:buFont typeface="Wingdings" panose="05000000000000000000" pitchFamily="2" charset="2"/>
+              <a:buChar char="v"/>
               <a:defRPr/>
             </a:pPr>
             <a:r>
-              <a:rPr lang="he-IL" sz="1764" dirty="0">
+              <a:rPr lang="he-IL" sz="1800" dirty="0">
                 <a:solidFill>
                   <a:schemeClr val="tx1">
                     <a:lumMod val="75000"/>
                     <a:lumOff val="25000"/>
                   </a:schemeClr>
                 </a:solidFill>
+                <a:latin typeface="Arial" panose="020B0604020202020204" pitchFamily="34" charset="0"/>
+                <a:cs typeface="Arial" panose="020B0604020202020204" pitchFamily="34" charset="0"/>
               </a:rPr>
               <a:t>הצגת הבעיה</a:t>
             </a:r>
           </a:p>
           <a:p>
-            <a:pPr marL="377979" indent="-377979" algn="r" defTabSz="503972" rtl="1" eaLnBrk="1" fontAlgn="auto" hangingPunct="1">
+            <a:pPr algn="r" defTabSz="503972" rtl="1" eaLnBrk="1" fontAlgn="auto" hangingPunct="1">
               <a:spcBef>
                 <a:spcPts val="1102"/>
               </a:spcBef>
               <a:spcAft>
                 <a:spcPts val="0"/>
               </a:spcAft>
-              <a:buFont typeface="Wingdings 3" charset="2"/>
-              <a:buChar char=""/>
+              <a:buFont typeface="Wingdings" panose="05000000000000000000" pitchFamily="2" charset="2"/>
+              <a:buChar char="v"/>
               <a:defRPr/>
             </a:pPr>
             <a:r>
-              <a:rPr lang="he-IL" sz="1984" dirty="0">
+              <a:rPr lang="he-IL" sz="1800" dirty="0">
                 <a:solidFill>
                   <a:schemeClr val="tx1">
                     <a:lumMod val="75000"/>
                     <a:lumOff val="25000"/>
                   </a:schemeClr>
                 </a:solidFill>
+                <a:latin typeface="Arial" panose="020B0604020202020204" pitchFamily="34" charset="0"/>
+                <a:cs typeface="Arial" panose="020B0604020202020204" pitchFamily="34" charset="0"/>
               </a:rPr>
               <a:t>הפתרון</a:t>
             </a:r>
@@ -18119,18 +18711,20 @@
               <a:spcAft>
                 <a:spcPts val="0"/>
               </a:spcAft>
-              <a:buFont typeface="Wingdings 3" charset="2"/>
-              <a:buChar char=""/>
+              <a:buFont typeface="Wingdings" panose="05000000000000000000" pitchFamily="2" charset="2"/>
+              <a:buChar char="v"/>
               <a:defRPr/>
             </a:pPr>
             <a:r>
-              <a:rPr lang="he-IL" sz="1784" dirty="0">
+              <a:rPr lang="he-IL" sz="1800" dirty="0">
                 <a:solidFill>
                   <a:schemeClr val="tx1">
                     <a:lumMod val="75000"/>
                     <a:lumOff val="25000"/>
                   </a:schemeClr>
                 </a:solidFill>
+                <a:latin typeface="Arial" panose="020B0604020202020204" pitchFamily="34" charset="0"/>
+                <a:cs typeface="Arial" panose="020B0604020202020204" pitchFamily="34" charset="0"/>
               </a:rPr>
               <a:t>סקירת כלים</a:t>
             </a:r>
@@ -18143,18 +18737,20 @@
               <a:spcAft>
                 <a:spcPts val="0"/>
               </a:spcAft>
-              <a:buFont typeface="Wingdings 3" charset="2"/>
-              <a:buChar char=""/>
+              <a:buFont typeface="Wingdings" panose="05000000000000000000" pitchFamily="2" charset="2"/>
+              <a:buChar char="v"/>
               <a:defRPr/>
             </a:pPr>
             <a:r>
-              <a:rPr lang="he-IL" sz="1784" dirty="0">
+              <a:rPr lang="he-IL" sz="1800" dirty="0">
                 <a:solidFill>
                   <a:schemeClr val="tx1">
                     <a:lumMod val="75000"/>
                     <a:lumOff val="25000"/>
                   </a:schemeClr>
                 </a:solidFill>
+                <a:latin typeface="Arial" panose="020B0604020202020204" pitchFamily="34" charset="0"/>
+                <a:cs typeface="Arial" panose="020B0604020202020204" pitchFamily="34" charset="0"/>
               </a:rPr>
               <a:t>קונספט</a:t>
             </a:r>
@@ -18167,124 +18763,136 @@
               <a:spcAft>
                 <a:spcPts val="0"/>
               </a:spcAft>
-              <a:buFont typeface="Wingdings 3" charset="2"/>
-              <a:buChar char=""/>
+              <a:buFont typeface="Wingdings" panose="05000000000000000000" pitchFamily="2" charset="2"/>
+              <a:buChar char="v"/>
               <a:defRPr/>
             </a:pPr>
             <a:r>
-              <a:rPr lang="he-IL" sz="1784" dirty="0">
+              <a:rPr lang="he-IL" sz="1800" dirty="0">
                 <a:solidFill>
                   <a:schemeClr val="tx1">
                     <a:lumMod val="75000"/>
                     <a:lumOff val="25000"/>
                   </a:schemeClr>
                 </a:solidFill>
+                <a:latin typeface="Arial" panose="020B0604020202020204" pitchFamily="34" charset="0"/>
+                <a:cs typeface="Arial" panose="020B0604020202020204" pitchFamily="34" charset="0"/>
               </a:rPr>
               <a:t>יישום</a:t>
             </a:r>
           </a:p>
           <a:p>
-            <a:pPr marL="377979" indent="-377979" algn="r" defTabSz="503972" rtl="1" eaLnBrk="1" fontAlgn="auto" hangingPunct="1">
+            <a:pPr algn="r" defTabSz="503972" rtl="1" eaLnBrk="1" fontAlgn="auto" hangingPunct="1">
               <a:spcBef>
                 <a:spcPts val="1102"/>
               </a:spcBef>
               <a:spcAft>
                 <a:spcPts val="0"/>
               </a:spcAft>
-              <a:buFont typeface="Wingdings 3" charset="2"/>
-              <a:buChar char=""/>
+              <a:buFont typeface="Wingdings" panose="05000000000000000000" pitchFamily="2" charset="2"/>
+              <a:buChar char="v"/>
               <a:defRPr/>
             </a:pPr>
             <a:r>
-              <a:rPr lang="he-IL" sz="1984" dirty="0">
+              <a:rPr lang="he-IL" sz="1800" dirty="0">
                 <a:solidFill>
                   <a:schemeClr val="tx1">
                     <a:lumMod val="75000"/>
                     <a:lumOff val="25000"/>
                   </a:schemeClr>
                 </a:solidFill>
+                <a:latin typeface="Arial" panose="020B0604020202020204" pitchFamily="34" charset="0"/>
+                <a:cs typeface="Arial" panose="020B0604020202020204" pitchFamily="34" charset="0"/>
               </a:rPr>
               <a:t>טכנולוגיות ומערכות</a:t>
             </a:r>
           </a:p>
           <a:p>
-            <a:pPr marL="377979" indent="-377979" algn="r" defTabSz="503972" rtl="1" eaLnBrk="1" fontAlgn="auto" hangingPunct="1">
+            <a:pPr algn="r" defTabSz="503972" rtl="1" eaLnBrk="1" fontAlgn="auto" hangingPunct="1">
               <a:spcBef>
                 <a:spcPts val="1102"/>
               </a:spcBef>
               <a:spcAft>
                 <a:spcPts val="0"/>
               </a:spcAft>
-              <a:buFont typeface="Wingdings 3" charset="2"/>
-              <a:buChar char=""/>
+              <a:buFont typeface="Wingdings" panose="05000000000000000000" pitchFamily="2" charset="2"/>
+              <a:buChar char="v"/>
               <a:defRPr/>
             </a:pPr>
             <a:r>
-              <a:rPr lang="he-IL" sz="1984" dirty="0">
+              <a:rPr lang="he-IL" sz="1800" dirty="0">
                 <a:solidFill>
                   <a:schemeClr val="tx1">
                     <a:lumMod val="75000"/>
                     <a:lumOff val="25000"/>
                   </a:schemeClr>
                 </a:solidFill>
+                <a:latin typeface="Arial" panose="020B0604020202020204" pitchFamily="34" charset="0"/>
+                <a:cs typeface="Arial" panose="020B0604020202020204" pitchFamily="34" charset="0"/>
               </a:rPr>
               <a:t>הדגמה</a:t>
             </a:r>
           </a:p>
           <a:p>
-            <a:pPr marL="377979" indent="-377979" algn="r" defTabSz="503972" rtl="1" eaLnBrk="1" fontAlgn="auto" hangingPunct="1">
+            <a:pPr algn="r" defTabSz="503972" rtl="1" eaLnBrk="1" fontAlgn="auto" hangingPunct="1">
               <a:spcBef>
                 <a:spcPts val="1102"/>
               </a:spcBef>
               <a:spcAft>
                 <a:spcPts val="0"/>
               </a:spcAft>
-              <a:buFont typeface="Wingdings 3" charset="2"/>
-              <a:buChar char=""/>
+              <a:buFont typeface="Wingdings" panose="05000000000000000000" pitchFamily="2" charset="2"/>
+              <a:buChar char="v"/>
               <a:defRPr/>
             </a:pPr>
             <a:r>
-              <a:rPr lang="he-IL" sz="1984" dirty="0">
+              <a:rPr lang="he-IL" sz="1800" dirty="0">
                 <a:solidFill>
                   <a:schemeClr val="tx1">
                     <a:lumMod val="75000"/>
                     <a:lumOff val="25000"/>
                   </a:schemeClr>
                 </a:solidFill>
+                <a:latin typeface="Arial" panose="020B0604020202020204" pitchFamily="34" charset="0"/>
+                <a:cs typeface="Arial" panose="020B0604020202020204" pitchFamily="34" charset="0"/>
               </a:rPr>
               <a:t>סיכום</a:t>
             </a:r>
           </a:p>
           <a:p>
-            <a:pPr marL="377979" indent="-377979" algn="r" defTabSz="503972" rtl="1" eaLnBrk="1" fontAlgn="auto" hangingPunct="1">
+            <a:pPr algn="r" defTabSz="503972" rtl="1" eaLnBrk="1" fontAlgn="auto" hangingPunct="1">
               <a:spcBef>
                 <a:spcPts val="1102"/>
               </a:spcBef>
               <a:spcAft>
                 <a:spcPts val="0"/>
               </a:spcAft>
-              <a:buFont typeface="Wingdings 3" charset="2"/>
-              <a:buChar char=""/>
+              <a:buFont typeface="Wingdings" panose="05000000000000000000" pitchFamily="2" charset="2"/>
+              <a:buChar char="v"/>
               <a:defRPr/>
             </a:pPr>
             <a:r>
-              <a:rPr lang="he-IL" sz="1984" dirty="0">
+              <a:rPr lang="he-IL" sz="1800" dirty="0">
                 <a:solidFill>
                   <a:schemeClr val="tx1">
                     <a:lumMod val="75000"/>
                     <a:lumOff val="25000"/>
                   </a:schemeClr>
                 </a:solidFill>
+                <a:latin typeface="Arial" panose="020B0604020202020204" pitchFamily="34" charset="0"/>
+                <a:cs typeface="Arial" panose="020B0604020202020204" pitchFamily="34" charset="0"/>
               </a:rPr>
               <a:t>שאלות</a:t>
             </a:r>
-            <a:endParaRPr lang="en-US" sz="1984" dirty="0">
+            <a:endParaRPr lang="en-US" sz="1800" dirty="0">
               <a:solidFill>
                 <a:schemeClr val="tx1">
                   <a:lumMod val="75000"/>
                   <a:lumOff val="25000"/>
                 </a:schemeClr>
               </a:solidFill>
+              <a:latin typeface="Arial" panose="020B0604020202020204" pitchFamily="34" charset="0"/>
+              <a:cs typeface="Arial" panose="020B0604020202020204" pitchFamily="34" charset="0"/>
             </a:endParaRPr>
           </a:p>
         </p:txBody>
@@ -18294,6 +18902,13 @@
   <p:clrMapOvr>
     <a:masterClrMapping/>
   </p:clrMapOvr>
+  <p:timing>
+    <p:tnLst>
+      <p:par>
+        <p:cTn id="1" dur="indefinite" restart="never" nodeType="tmRoot"/>
+      </p:par>
+    </p:tnLst>
+  </p:timing>
 </p:sld>
 </file>
 
@@ -18386,101 +19001,251 @@
           </a:bodyPr>
           <a:lstStyle/>
           <a:p>
-            <a:pPr marL="377979" indent="-377979" algn="r" defTabSz="503972" rtl="1" eaLnBrk="1" fontAlgn="auto" hangingPunct="1">
+            <a:pPr algn="r" defTabSz="503972" rtl="1" eaLnBrk="1" fontAlgn="auto" hangingPunct="1">
               <a:spcBef>
                 <a:spcPts val="1102"/>
               </a:spcBef>
               <a:spcAft>
                 <a:spcPts val="0"/>
               </a:spcAft>
-              <a:buFont typeface="Wingdings 3" charset="2"/>
-              <a:buChar char=""/>
+              <a:buFont typeface="Wingdings" panose="05000000000000000000" pitchFamily="2" charset="2"/>
+              <a:buChar char="v"/>
               <a:defRPr/>
             </a:pPr>
             <a:r>
-              <a:rPr lang="he-IL" sz="1984" dirty="0">
+              <a:rPr lang="he-IL" sz="2400" dirty="0">
                 <a:solidFill>
                   <a:schemeClr val="tx1">
                     <a:lumMod val="75000"/>
                     <a:lumOff val="25000"/>
                   </a:schemeClr>
                 </a:solidFill>
+                <a:latin typeface="Arial" panose="020B0604020202020204" pitchFamily="34" charset="0"/>
+                <a:cs typeface="Arial" panose="020B0604020202020204" pitchFamily="34" charset="0"/>
               </a:rPr>
-              <a:t>אבטחה ופרטיות בענן</a:t>
-            </a:r>
-            <a:endParaRPr lang="he-IL" sz="1784" dirty="0">
+              <a:t>אבטחה ופרטיות </a:t>
+            </a:r>
+            <a:r>
+              <a:rPr lang="he-IL" sz="2400" dirty="0" smtClean="0">
+                <a:solidFill>
+                  <a:schemeClr val="tx1">
+                    <a:lumMod val="75000"/>
+                    <a:lumOff val="25000"/>
+                  </a:schemeClr>
+                </a:solidFill>
+                <a:latin typeface="Arial" panose="020B0604020202020204" pitchFamily="34" charset="0"/>
+                <a:cs typeface="Arial" panose="020B0604020202020204" pitchFamily="34" charset="0"/>
+              </a:rPr>
+              <a:t>בענן</a:t>
+            </a:r>
+          </a:p>
+          <a:p>
+            <a:pPr marL="817717" lvl="1" indent="-377979" algn="r" defTabSz="503972" rtl="1" eaLnBrk="1" fontAlgn="auto" hangingPunct="1">
+              <a:spcBef>
+                <a:spcPts val="1102"/>
+              </a:spcBef>
+              <a:spcAft>
+                <a:spcPts val="0"/>
+              </a:spcAft>
+              <a:buFont typeface="Wingdings" panose="05000000000000000000" pitchFamily="2" charset="2"/>
+              <a:buChar char="v"/>
+              <a:defRPr/>
+            </a:pPr>
+            <a:r>
+              <a:rPr lang="he-IL" sz="2000" dirty="0" smtClean="0">
+                <a:solidFill>
+                  <a:schemeClr val="tx1">
+                    <a:lumMod val="75000"/>
+                    <a:lumOff val="25000"/>
+                  </a:schemeClr>
+                </a:solidFill>
+                <a:latin typeface="Arial" panose="020B0604020202020204" pitchFamily="34" charset="0"/>
+                <a:cs typeface="Arial" panose="020B0604020202020204" pitchFamily="34" charset="0"/>
+              </a:rPr>
+              <a:t>אבטחה – האם המידע שלנו מוצפן? ולמי יש גישה למפתחות ההצפנה?</a:t>
+            </a:r>
+          </a:p>
+          <a:p>
+            <a:pPr marL="817717" lvl="1" indent="-377979" algn="r" defTabSz="503972" rtl="1" eaLnBrk="1" fontAlgn="auto" hangingPunct="1">
+              <a:spcBef>
+                <a:spcPts val="1102"/>
+              </a:spcBef>
+              <a:spcAft>
+                <a:spcPts val="0"/>
+              </a:spcAft>
+              <a:buFont typeface="Wingdings" panose="05000000000000000000" pitchFamily="2" charset="2"/>
+              <a:buChar char="v"/>
+              <a:defRPr/>
+            </a:pPr>
+            <a:r>
+              <a:rPr lang="he-IL" sz="2000" dirty="0" smtClean="0">
+                <a:solidFill>
+                  <a:schemeClr val="tx1">
+                    <a:lumMod val="75000"/>
+                    <a:lumOff val="25000"/>
+                  </a:schemeClr>
+                </a:solidFill>
+                <a:latin typeface="Arial" panose="020B0604020202020204" pitchFamily="34" charset="0"/>
+                <a:cs typeface="Arial" panose="020B0604020202020204" pitchFamily="34" charset="0"/>
+              </a:rPr>
+              <a:t>פרטיות – האם לספקיות הענן יש גישה לתוכן הקבצים? האם נעשה שימוש בתוכן (דוגמת שימוש לצורך פרסום)</a:t>
+            </a:r>
+            <a:endParaRPr lang="he-IL" sz="2000" dirty="0">
               <a:solidFill>
                 <a:schemeClr val="tx1">
                   <a:lumMod val="75000"/>
                   <a:lumOff val="25000"/>
                 </a:schemeClr>
               </a:solidFill>
+              <a:latin typeface="Arial" panose="020B0604020202020204" pitchFamily="34" charset="0"/>
+              <a:cs typeface="Arial" panose="020B0604020202020204" pitchFamily="34" charset="0"/>
             </a:endParaRPr>
           </a:p>
           <a:p>
-            <a:pPr marL="377979" indent="-377979" algn="r" defTabSz="503972" rtl="1" eaLnBrk="1" fontAlgn="auto" hangingPunct="1">
+            <a:pPr algn="r" defTabSz="503972" rtl="1" eaLnBrk="1" fontAlgn="auto" hangingPunct="1">
               <a:spcBef>
                 <a:spcPts val="1102"/>
               </a:spcBef>
               <a:spcAft>
                 <a:spcPts val="0"/>
               </a:spcAft>
-              <a:buFont typeface="Wingdings 3" charset="2"/>
-              <a:buChar char=""/>
+              <a:buFont typeface="Wingdings" panose="05000000000000000000" pitchFamily="2" charset="2"/>
+              <a:buChar char="v"/>
               <a:defRPr/>
             </a:pPr>
-            <a:endParaRPr lang="he-IL" sz="1984" dirty="0">
+            <a:endParaRPr lang="he-IL" sz="2800" dirty="0">
               <a:solidFill>
                 <a:schemeClr val="tx1">
                   <a:lumMod val="75000"/>
                   <a:lumOff val="25000"/>
                 </a:schemeClr>
               </a:solidFill>
+              <a:latin typeface="Arial" panose="020B0604020202020204" pitchFamily="34" charset="0"/>
+              <a:cs typeface="Arial" panose="020B0604020202020204" pitchFamily="34" charset="0"/>
             </a:endParaRPr>
           </a:p>
           <a:p>
-            <a:pPr marL="377979" indent="-377979" algn="r" defTabSz="503972" rtl="1" eaLnBrk="1" fontAlgn="auto" hangingPunct="1">
+            <a:pPr algn="r" defTabSz="503972" rtl="1" eaLnBrk="1" fontAlgn="auto" hangingPunct="1">
               <a:spcBef>
                 <a:spcPts val="1102"/>
               </a:spcBef>
               <a:spcAft>
                 <a:spcPts val="0"/>
               </a:spcAft>
-              <a:buFont typeface="Wingdings 3" charset="2"/>
-              <a:buChar char=""/>
+              <a:buFont typeface="Wingdings" panose="05000000000000000000" pitchFamily="2" charset="2"/>
+              <a:buChar char="v"/>
               <a:defRPr/>
             </a:pPr>
             <a:r>
-              <a:rPr lang="he-IL" sz="1984" dirty="0">
+              <a:rPr lang="he-IL" sz="2400" dirty="0" smtClean="0">
                 <a:solidFill>
                   <a:schemeClr val="tx1">
                     <a:lumMod val="75000"/>
                     <a:lumOff val="25000"/>
                   </a:schemeClr>
                 </a:solidFill>
+                <a:latin typeface="Arial" panose="020B0604020202020204" pitchFamily="34" charset="0"/>
+                <a:cs typeface="Arial" panose="020B0604020202020204" pitchFamily="34" charset="0"/>
               </a:rPr>
-              <a:t>ביזור והצפנה על בסיס אישורים</a:t>
-            </a:r>
-          </a:p>
-          <a:p>
-            <a:pPr marL="0" indent="0" algn="r" defTabSz="503972" rtl="1" eaLnBrk="1" fontAlgn="auto" hangingPunct="1">
+              <a:t>הצפנה </a:t>
+            </a:r>
+            <a:r>
+              <a:rPr lang="he-IL" sz="2400" dirty="0">
+                <a:solidFill>
+                  <a:schemeClr val="tx1">
+                    <a:lumMod val="75000"/>
+                    <a:lumOff val="25000"/>
+                  </a:schemeClr>
+                </a:solidFill>
+                <a:latin typeface="Arial" panose="020B0604020202020204" pitchFamily="34" charset="0"/>
+                <a:cs typeface="Arial" panose="020B0604020202020204" pitchFamily="34" charset="0"/>
+              </a:rPr>
+              <a:t>על בסיס </a:t>
+            </a:r>
+            <a:r>
+              <a:rPr lang="he-IL" sz="2400" dirty="0" smtClean="0">
+                <a:solidFill>
+                  <a:schemeClr val="tx1">
+                    <a:lumMod val="75000"/>
+                    <a:lumOff val="25000"/>
+                  </a:schemeClr>
+                </a:solidFill>
+                <a:latin typeface="Arial" panose="020B0604020202020204" pitchFamily="34" charset="0"/>
+                <a:cs typeface="Arial" panose="020B0604020202020204" pitchFamily="34" charset="0"/>
+              </a:rPr>
+              <a:t>אישורים</a:t>
+            </a:r>
+            <a:endParaRPr lang="he-IL" sz="2400" dirty="0">
+              <a:solidFill>
+                <a:schemeClr val="tx1">
+                  <a:lumMod val="75000"/>
+                  <a:lumOff val="25000"/>
+                </a:schemeClr>
+              </a:solidFill>
+              <a:latin typeface="Arial" panose="020B0604020202020204" pitchFamily="34" charset="0"/>
+              <a:cs typeface="Arial" panose="020B0604020202020204" pitchFamily="34" charset="0"/>
+            </a:endParaRPr>
+          </a:p>
+          <a:p>
+            <a:pPr marL="817717" lvl="1" indent="-377979" algn="r" defTabSz="503972" rtl="1" eaLnBrk="1" fontAlgn="auto" hangingPunct="1">
               <a:spcBef>
                 <a:spcPts val="1102"/>
               </a:spcBef>
               <a:spcAft>
                 <a:spcPts val="0"/>
               </a:spcAft>
-              <a:buFont typeface="Wingdings 3" panose="05040102010807070707" pitchFamily="18" charset="2"/>
-              <a:buNone/>
+              <a:buFont typeface="Wingdings" panose="05000000000000000000" pitchFamily="2" charset="2"/>
+              <a:buChar char="v"/>
               <a:defRPr/>
             </a:pPr>
-            <a:endParaRPr lang="he-IL" sz="1984" dirty="0">
+            <a:r>
+              <a:rPr lang="he-IL" sz="2000" dirty="0" smtClean="0">
+                <a:solidFill>
+                  <a:schemeClr val="tx1">
+                    <a:lumMod val="75000"/>
+                    <a:lumOff val="25000"/>
+                  </a:schemeClr>
+                </a:solidFill>
+                <a:latin typeface="Arial" panose="020B0604020202020204" pitchFamily="34" charset="0"/>
+                <a:cs typeface="Arial" panose="020B0604020202020204" pitchFamily="34" charset="0"/>
+              </a:rPr>
+              <a:t>ניצול אחסון מידע על גבי הענן</a:t>
+            </a:r>
+          </a:p>
+          <a:p>
+            <a:pPr marL="817717" lvl="1" indent="-377979" algn="r" defTabSz="503972" rtl="1" eaLnBrk="1" fontAlgn="auto" hangingPunct="1">
+              <a:spcBef>
+                <a:spcPts val="1102"/>
+              </a:spcBef>
+              <a:spcAft>
+                <a:spcPts val="0"/>
+              </a:spcAft>
+              <a:buFont typeface="Wingdings" panose="05000000000000000000" pitchFamily="2" charset="2"/>
+              <a:buChar char="v"/>
+              <a:defRPr/>
+            </a:pPr>
+            <a:r>
+              <a:rPr lang="he-IL" sz="2000" dirty="0" smtClean="0">
+                <a:solidFill>
+                  <a:schemeClr val="tx1">
+                    <a:lumMod val="75000"/>
+                    <a:lumOff val="25000"/>
+                  </a:schemeClr>
+                </a:solidFill>
+                <a:latin typeface="Arial" panose="020B0604020202020204" pitchFamily="34" charset="0"/>
+                <a:cs typeface="Arial" panose="020B0604020202020204" pitchFamily="34" charset="0"/>
+              </a:rPr>
+              <a:t>ביזור מפתחות הפענוח של המידע בין מספר גורמים</a:t>
+            </a:r>
+            <a:endParaRPr lang="he-IL" sz="2000" dirty="0" smtClean="0">
               <a:solidFill>
                 <a:schemeClr val="tx1">
                   <a:lumMod val="75000"/>
                   <a:lumOff val="25000"/>
                 </a:schemeClr>
               </a:solidFill>
+              <a:latin typeface="Arial" panose="020B0604020202020204" pitchFamily="34" charset="0"/>
+              <a:cs typeface="Arial" panose="020B0604020202020204" pitchFamily="34" charset="0"/>
             </a:endParaRPr>
           </a:p>
         </p:txBody>
@@ -18582,25 +19347,27 @@
           </a:bodyPr>
           <a:lstStyle/>
           <a:p>
-            <a:pPr marL="377979" indent="-377979" algn="r" defTabSz="503972" rtl="1" eaLnBrk="1" fontAlgn="auto" hangingPunct="1">
+            <a:pPr algn="r" defTabSz="503972" rtl="1" eaLnBrk="1" fontAlgn="auto" hangingPunct="1">
               <a:spcBef>
                 <a:spcPts val="1102"/>
               </a:spcBef>
               <a:spcAft>
                 <a:spcPts val="0"/>
               </a:spcAft>
-              <a:buFont typeface="Wingdings 3" charset="2"/>
-              <a:buChar char=""/>
+              <a:buFont typeface="Wingdings" panose="05000000000000000000" pitchFamily="2" charset="2"/>
+              <a:buChar char="v"/>
               <a:defRPr/>
             </a:pPr>
             <a:r>
-              <a:rPr lang="he-IL" sz="1984" dirty="0">
+              <a:rPr lang="he-IL" sz="2400" dirty="0">
                 <a:solidFill>
                   <a:schemeClr val="tx1">
                     <a:lumMod val="75000"/>
                     <a:lumOff val="25000"/>
                   </a:schemeClr>
                 </a:solidFill>
+                <a:latin typeface="Arial" panose="020B0604020202020204" pitchFamily="34" charset="0"/>
+                <a:cs typeface="Arial" panose="020B0604020202020204" pitchFamily="34" charset="0"/>
               </a:rPr>
               <a:t>הצפנה על בסיס אישורים</a:t>
             </a:r>
@@ -18613,80 +19380,158 @@
               <a:spcAft>
                 <a:spcPts val="0"/>
               </a:spcAft>
-              <a:buFont typeface="Wingdings 3" charset="2"/>
-              <a:buChar char=""/>
+              <a:buFont typeface="Wingdings" panose="05000000000000000000" pitchFamily="2" charset="2"/>
+              <a:buChar char="v"/>
               <a:defRPr/>
             </a:pPr>
             <a:r>
-              <a:rPr lang="he-IL" sz="1784" dirty="0">
+              <a:rPr lang="he-IL" sz="2000" dirty="0">
                 <a:solidFill>
                   <a:schemeClr val="tx1">
                     <a:lumMod val="75000"/>
                     <a:lumOff val="25000"/>
                   </a:schemeClr>
                 </a:solidFill>
+                <a:latin typeface="Arial" panose="020B0604020202020204" pitchFamily="34" charset="0"/>
+                <a:cs typeface="Arial" panose="020B0604020202020204" pitchFamily="34" charset="0"/>
               </a:rPr>
-              <a:t>חלוקת סמכויות</a:t>
-            </a:r>
-          </a:p>
-          <a:p>
-            <a:pPr marL="817717" lvl="1" indent="-377979" algn="r" defTabSz="503972" rtl="1" eaLnBrk="1" fontAlgn="auto" hangingPunct="1">
+              <a:t>חלוקת </a:t>
+            </a:r>
+            <a:r>
+              <a:rPr lang="he-IL" sz="2000" dirty="0" smtClean="0">
+                <a:solidFill>
+                  <a:schemeClr val="tx1">
+                    <a:lumMod val="75000"/>
+                    <a:lumOff val="25000"/>
+                  </a:schemeClr>
+                </a:solidFill>
+                <a:latin typeface="Arial" panose="020B0604020202020204" pitchFamily="34" charset="0"/>
+                <a:cs typeface="Arial" panose="020B0604020202020204" pitchFamily="34" charset="0"/>
+              </a:rPr>
+              <a:t>סמכויות</a:t>
+            </a:r>
+            <a:endParaRPr lang="he-IL" sz="2000" dirty="0">
+              <a:solidFill>
+                <a:schemeClr val="tx1">
+                  <a:lumMod val="75000"/>
+                  <a:lumOff val="25000"/>
+                </a:schemeClr>
+              </a:solidFill>
+              <a:latin typeface="Arial" panose="020B0604020202020204" pitchFamily="34" charset="0"/>
+              <a:cs typeface="Arial" panose="020B0604020202020204" pitchFamily="34" charset="0"/>
+            </a:endParaRPr>
+          </a:p>
+          <a:p>
+            <a:pPr algn="r" defTabSz="503972" rtl="1" eaLnBrk="1" fontAlgn="auto" hangingPunct="1">
               <a:spcBef>
                 <a:spcPts val="1102"/>
               </a:spcBef>
               <a:spcAft>
                 <a:spcPts val="0"/>
               </a:spcAft>
-              <a:buFont typeface="Wingdings 3" charset="2"/>
-              <a:buChar char=""/>
+              <a:buFont typeface="Wingdings" panose="05000000000000000000" pitchFamily="2" charset="2"/>
+              <a:buChar char="v"/>
               <a:defRPr/>
             </a:pPr>
             <a:r>
-              <a:rPr lang="he-IL" sz="1784" dirty="0">
+              <a:rPr lang="he-IL" sz="2400" dirty="0">
                 <a:solidFill>
                   <a:schemeClr val="tx1">
                     <a:lumMod val="75000"/>
                     <a:lumOff val="25000"/>
                   </a:schemeClr>
                 </a:solidFill>
+                <a:latin typeface="Arial" panose="020B0604020202020204" pitchFamily="34" charset="0"/>
+                <a:cs typeface="Arial" panose="020B0604020202020204" pitchFamily="34" charset="0"/>
               </a:rPr>
-              <a:t>גיבוי מידע בצורה מבוזרת</a:t>
-            </a:r>
-          </a:p>
-          <a:p>
-            <a:pPr marL="377979" indent="-377979" algn="r" defTabSz="503972" rtl="1" eaLnBrk="1" fontAlgn="auto" hangingPunct="1">
+              <a:t>ממשק ידידותי </a:t>
+            </a:r>
+            <a:r>
+              <a:rPr lang="he-IL" sz="2400" dirty="0" smtClean="0">
+                <a:solidFill>
+                  <a:schemeClr val="tx1">
+                    <a:lumMod val="75000"/>
+                    <a:lumOff val="25000"/>
+                  </a:schemeClr>
+                </a:solidFill>
+                <a:latin typeface="Arial" panose="020B0604020202020204" pitchFamily="34" charset="0"/>
+                <a:cs typeface="Arial" panose="020B0604020202020204" pitchFamily="34" charset="0"/>
+              </a:rPr>
+              <a:t>למפתח</a:t>
+            </a:r>
+          </a:p>
+          <a:p>
+            <a:pPr lvl="1" algn="r" defTabSz="503972" rtl="1" eaLnBrk="1" fontAlgn="auto" hangingPunct="1">
               <a:spcBef>
                 <a:spcPts val="1102"/>
               </a:spcBef>
               <a:spcAft>
                 <a:spcPts val="0"/>
               </a:spcAft>
-              <a:buFont typeface="Wingdings 3" charset="2"/>
-              <a:buChar char=""/>
+              <a:buFont typeface="Wingdings" panose="05000000000000000000" pitchFamily="2" charset="2"/>
+              <a:buChar char="v"/>
               <a:defRPr/>
             </a:pPr>
             <a:r>
-              <a:rPr lang="he-IL" sz="2184" dirty="0">
+              <a:rPr lang="en-US" sz="2200" dirty="0" smtClean="0">
                 <a:solidFill>
                   <a:schemeClr val="tx1">
                     <a:lumMod val="75000"/>
                     <a:lumOff val="25000"/>
                   </a:schemeClr>
                 </a:solidFill>
+                <a:latin typeface="Arial" panose="020B0604020202020204" pitchFamily="34" charset="0"/>
+                <a:cs typeface="Arial" panose="020B0604020202020204" pitchFamily="34" charset="0"/>
               </a:rPr>
-              <a:t>ממשק ידידותי למפתח</a:t>
-            </a:r>
-          </a:p>
-          <a:p>
-            <a:pPr marL="377979" indent="-377979" algn="r" defTabSz="503972" rtl="1" eaLnBrk="1" fontAlgn="auto" hangingPunct="1">
+              <a:t>Seamless integration</a:t>
+            </a:r>
+          </a:p>
+          <a:p>
+            <a:pPr lvl="1" algn="r" defTabSz="503972" rtl="1" eaLnBrk="1" fontAlgn="auto" hangingPunct="1">
               <a:spcBef>
                 <a:spcPts val="1102"/>
               </a:spcBef>
               <a:spcAft>
                 <a:spcPts val="0"/>
               </a:spcAft>
-              <a:buFont typeface="Wingdings 3" charset="2"/>
-              <a:buChar char=""/>
+              <a:buFont typeface="Wingdings" panose="05000000000000000000" pitchFamily="2" charset="2"/>
+              <a:buChar char="v"/>
+              <a:defRPr/>
+            </a:pPr>
+            <a:r>
+              <a:rPr lang="en-US" sz="2200" dirty="0" smtClean="0">
+                <a:solidFill>
+                  <a:schemeClr val="tx1">
+                    <a:lumMod val="75000"/>
+                    <a:lumOff val="25000"/>
+                  </a:schemeClr>
+                </a:solidFill>
+                <a:latin typeface="Arial" panose="020B0604020202020204" pitchFamily="34" charset="0"/>
+                <a:cs typeface="Arial" panose="020B0604020202020204" pitchFamily="34" charset="0"/>
+              </a:rPr>
+              <a:t>RESTful API</a:t>
+            </a:r>
+            <a:endParaRPr lang="he-IL" sz="2200" dirty="0">
+              <a:solidFill>
+                <a:schemeClr val="tx1">
+                  <a:lumMod val="75000"/>
+                  <a:lumOff val="25000"/>
+                </a:schemeClr>
+              </a:solidFill>
+              <a:latin typeface="Arial" panose="020B0604020202020204" pitchFamily="34" charset="0"/>
+              <a:cs typeface="Arial" panose="020B0604020202020204" pitchFamily="34" charset="0"/>
+            </a:endParaRPr>
+          </a:p>
+          <a:p>
+            <a:pPr algn="r" defTabSz="503972" rtl="1" eaLnBrk="1" fontAlgn="auto" hangingPunct="1">
+              <a:spcBef>
+                <a:spcPts val="1102"/>
+              </a:spcBef>
+              <a:spcAft>
+                <a:spcPts val="0"/>
+              </a:spcAft>
+              <a:buFont typeface="Wingdings" panose="05000000000000000000" pitchFamily="2" charset="2"/>
+              <a:buChar char="v"/>
               <a:defRPr/>
             </a:pPr>
             <a:endParaRPr lang="he-IL" sz="1984" dirty="0">
@@ -18699,15 +19544,15 @@
             </a:endParaRPr>
           </a:p>
           <a:p>
-            <a:pPr marL="377979" indent="-377979" algn="r" defTabSz="503972" rtl="1" eaLnBrk="1" fontAlgn="auto" hangingPunct="1">
+            <a:pPr algn="r" defTabSz="503972" rtl="1" eaLnBrk="1" fontAlgn="auto" hangingPunct="1">
               <a:spcBef>
                 <a:spcPts val="1102"/>
               </a:spcBef>
               <a:spcAft>
                 <a:spcPts val="0"/>
               </a:spcAft>
-              <a:buFont typeface="Wingdings 3" charset="2"/>
-              <a:buChar char=""/>
+              <a:buFont typeface="Wingdings" panose="05000000000000000000" pitchFamily="2" charset="2"/>
+              <a:buChar char="v"/>
               <a:defRPr/>
             </a:pPr>
             <a:endParaRPr lang="he-IL" sz="1984" dirty="0">
@@ -18798,28 +19643,43 @@
           <a:lstStyle/>
           <a:p>
             <a:pPr algn="r" rtl="1" eaLnBrk="1" hangingPunct="1">
+              <a:buFont typeface="Wingdings" panose="05000000000000000000" pitchFamily="2" charset="2"/>
+              <a:buChar char="v"/>
               <a:defRPr/>
             </a:pPr>
             <a:r>
-              <a:rPr lang="he-IL" dirty="0"/>
+              <a:rPr lang="he-IL" sz="2400" dirty="0">
+                <a:latin typeface="Arial" panose="020B0604020202020204" pitchFamily="34" charset="0"/>
+                <a:cs typeface="Arial" panose="020B0604020202020204" pitchFamily="34" charset="0"/>
+              </a:rPr>
               <a:t>כלים ששמשו לפתרון</a:t>
             </a:r>
           </a:p>
           <a:p>
             <a:pPr algn="r" rtl="1" eaLnBrk="1" hangingPunct="1">
+              <a:buFont typeface="Wingdings" panose="05000000000000000000" pitchFamily="2" charset="2"/>
+              <a:buChar char="v"/>
               <a:defRPr/>
             </a:pPr>
             <a:r>
-              <a:rPr lang="he-IL" dirty="0"/>
+              <a:rPr lang="he-IL" sz="2400" dirty="0">
+                <a:latin typeface="Arial" panose="020B0604020202020204" pitchFamily="34" charset="0"/>
+                <a:cs typeface="Arial" panose="020B0604020202020204" pitchFamily="34" charset="0"/>
+              </a:rPr>
               <a:t>קונספט</a:t>
             </a:r>
           </a:p>
           <a:p>
             <a:pPr algn="r" rtl="1" eaLnBrk="1" hangingPunct="1">
+              <a:buFont typeface="Wingdings" panose="05000000000000000000" pitchFamily="2" charset="2"/>
+              <a:buChar char="v"/>
               <a:defRPr/>
             </a:pPr>
             <a:r>
-              <a:rPr lang="he-IL" dirty="0"/>
+              <a:rPr lang="he-IL" sz="2400" dirty="0">
+                <a:latin typeface="Arial" panose="020B0604020202020204" pitchFamily="34" charset="0"/>
+                <a:cs typeface="Arial" panose="020B0604020202020204" pitchFamily="34" charset="0"/>
+              </a:rPr>
               <a:t>יישום</a:t>
             </a:r>
           </a:p>
@@ -18944,7 +19804,7 @@
           </a:bodyPr>
           <a:lstStyle/>
           <a:p>
-            <a:pPr marL="431800" indent="-323850" algn="r" defTabSz="503972" rtl="1" eaLnBrk="1" fontAlgn="auto" hangingPunct="1">
+            <a:pPr marL="450850" indent="-342900" algn="r" defTabSz="503972" rtl="1" eaLnBrk="1" fontAlgn="auto" hangingPunct="1">
               <a:spcBef>
                 <a:spcPts val="1102"/>
               </a:spcBef>
@@ -18953,7 +19813,7 @@
               </a:spcAft>
               <a:buSzPct val="45000"/>
               <a:buFont typeface="Wingdings" panose="05000000000000000000" pitchFamily="2" charset="2"/>
-              <a:buChar char=""/>
+              <a:buChar char="v"/>
               <a:tabLst>
                 <a:tab pos="723900" algn="l"/>
                 <a:tab pos="1447800" algn="l"/>
@@ -18971,60 +19831,31 @@
               <a:defRPr/>
             </a:pPr>
             <a:r>
-              <a:rPr lang="en-US" altLang="en-US" sz="1984" dirty="0">
+              <a:rPr lang="en-US" altLang="en-US" sz="2400" dirty="0" smtClean="0">
                 <a:solidFill>
                   <a:schemeClr val="tx1">
                     <a:lumMod val="75000"/>
                     <a:lumOff val="25000"/>
                   </a:schemeClr>
                 </a:solidFill>
+                <a:latin typeface="Arial" panose="020B0604020202020204" pitchFamily="34" charset="0"/>
+                <a:cs typeface="Arial" panose="020B0604020202020204" pitchFamily="34" charset="0"/>
               </a:rPr>
               <a:t>RSA</a:t>
             </a:r>
-            <a:r>
-              <a:rPr lang="he-IL" altLang="en-US" sz="1984" dirty="0">
-                <a:solidFill>
-                  <a:schemeClr val="tx1">
-                    <a:lumMod val="75000"/>
-                    <a:lumOff val="25000"/>
-                  </a:schemeClr>
-                </a:solidFill>
-              </a:rPr>
-              <a:t> – אלגוריתם הצפנה א-סימטרי - מתודולוגיית </a:t>
-            </a:r>
-            <a:r>
-              <a:rPr lang="en-US" altLang="en-US" sz="1984" dirty="0">
-                <a:solidFill>
-                  <a:schemeClr val="tx1">
-                    <a:lumMod val="75000"/>
-                    <a:lumOff val="25000"/>
-                  </a:schemeClr>
-                </a:solidFill>
-              </a:rPr>
-              <a:t>Public-key Cryptography</a:t>
-            </a:r>
-            <a:r>
-              <a:rPr lang="he-IL" altLang="en-US" sz="1984" dirty="0">
-                <a:solidFill>
-                  <a:schemeClr val="tx1">
-                    <a:lumMod val="75000"/>
-                    <a:lumOff val="25000"/>
-                  </a:schemeClr>
-                </a:solidFill>
-              </a:rPr>
-              <a:t>.</a:t>
-            </a:r>
-            <a:endParaRPr lang="en-US" altLang="en-US" sz="1984" dirty="0">
+            <a:endParaRPr lang="he-IL" altLang="en-US" sz="2400" dirty="0">
               <a:solidFill>
                 <a:schemeClr val="tx1">
                   <a:lumMod val="75000"/>
                   <a:lumOff val="25000"/>
                 </a:schemeClr>
               </a:solidFill>
+              <a:latin typeface="Arial" panose="020B0604020202020204" pitchFamily="34" charset="0"/>
+              <a:cs typeface="Arial" panose="020B0604020202020204" pitchFamily="34" charset="0"/>
             </a:endParaRPr>
           </a:p>
           <a:p>
-            <a:pPr marL="431800" indent="-323850" algn="r" defTabSz="503972" rtl="1" eaLnBrk="1" fontAlgn="auto" hangingPunct="1">
+            <a:pPr marL="890588" lvl="1" indent="-342900" algn="r" defTabSz="503972" rtl="1" eaLnBrk="1" fontAlgn="auto" hangingPunct="1">
               <a:spcBef>
                 <a:spcPts val="1102"/>
               </a:spcBef>
@@ -19033,7 +19864,7 @@
               </a:spcAft>
               <a:buSzPct val="45000"/>
               <a:buFont typeface="Wingdings" panose="05000000000000000000" pitchFamily="2" charset="2"/>
-              <a:buChar char=""/>
+              <a:buChar char="v"/>
               <a:tabLst>
                 <a:tab pos="723900" algn="l"/>
                 <a:tab pos="1447800" algn="l"/>
@@ -19051,38 +19882,70 @@
               <a:defRPr/>
             </a:pPr>
             <a:r>
-              <a:rPr lang="en-US" altLang="en-US" sz="1984" dirty="0">
+              <a:rPr lang="he-IL" altLang="en-US" sz="2000" dirty="0" smtClean="0">
                 <a:solidFill>
                   <a:schemeClr val="tx1">
                     <a:lumMod val="75000"/>
                     <a:lumOff val="25000"/>
                   </a:schemeClr>
                 </a:solidFill>
+                <a:latin typeface="Arial" panose="020B0604020202020204" pitchFamily="34" charset="0"/>
+                <a:cs typeface="Arial" panose="020B0604020202020204" pitchFamily="34" charset="0"/>
               </a:rPr>
-              <a:t>AES</a:t>
-            </a:r>
-            <a:r>
-              <a:rPr lang="he-IL" altLang="en-US" sz="1984" dirty="0">
+              <a:t>הצפנה </a:t>
+            </a:r>
+            <a:r>
+              <a:rPr lang="he-IL" altLang="en-US" sz="2000" dirty="0">
                 <a:solidFill>
                   <a:schemeClr val="tx1">
                     <a:lumMod val="75000"/>
                     <a:lumOff val="25000"/>
                   </a:schemeClr>
                 </a:solidFill>
+                <a:latin typeface="Arial" panose="020B0604020202020204" pitchFamily="34" charset="0"/>
+                <a:cs typeface="Arial" panose="020B0604020202020204" pitchFamily="34" charset="0"/>
               </a:rPr>
-              <a:t> – אלגוריתם הצפנה סימטרי.</a:t>
-            </a:r>
-            <a:endParaRPr lang="en-US" altLang="en-US" sz="1984" dirty="0">
+              <a:t>א-סימטרי - מתודולוגיית </a:t>
+            </a:r>
+            <a:r>
+              <a:rPr lang="en-US" altLang="en-US" sz="2000" dirty="0">
+                <a:solidFill>
+                  <a:schemeClr val="tx1">
+                    <a:lumMod val="75000"/>
+                    <a:lumOff val="25000"/>
+                  </a:schemeClr>
+                </a:solidFill>
+                <a:latin typeface="Arial" panose="020B0604020202020204" pitchFamily="34" charset="0"/>
+                <a:cs typeface="Arial" panose="020B0604020202020204" pitchFamily="34" charset="0"/>
+              </a:rPr>
+              <a:t>Public-key </a:t>
+            </a:r>
+            <a:r>
+              <a:rPr lang="en-US" altLang="en-US" sz="2000" dirty="0" smtClean="0">
+                <a:solidFill>
+                  <a:schemeClr val="tx1">
+                    <a:lumMod val="75000"/>
+                    <a:lumOff val="25000"/>
+                  </a:schemeClr>
+                </a:solidFill>
+                <a:latin typeface="Arial" panose="020B0604020202020204" pitchFamily="34" charset="0"/>
+                <a:cs typeface="Arial" panose="020B0604020202020204" pitchFamily="34" charset="0"/>
+              </a:rPr>
+              <a:t>Cryptography</a:t>
+            </a:r>
+            <a:endParaRPr lang="en-US" altLang="en-US" sz="2000" dirty="0">
               <a:solidFill>
                 <a:schemeClr val="tx1">
                   <a:lumMod val="75000"/>
                   <a:lumOff val="25000"/>
                 </a:schemeClr>
               </a:solidFill>
+              <a:latin typeface="Arial" panose="020B0604020202020204" pitchFamily="34" charset="0"/>
+              <a:cs typeface="Arial" panose="020B0604020202020204" pitchFamily="34" charset="0"/>
             </a:endParaRPr>
           </a:p>
           <a:p>
-            <a:pPr marL="431800" indent="-323850" algn="r" defTabSz="503972" rtl="1" eaLnBrk="1" fontAlgn="auto" hangingPunct="1">
+            <a:pPr marL="450850" indent="-342900" algn="r" defTabSz="503972" rtl="1" eaLnBrk="1" fontAlgn="auto" hangingPunct="1">
               <a:spcBef>
                 <a:spcPts val="1102"/>
               </a:spcBef>
@@ -19091,7 +19954,7 @@
               </a:spcAft>
               <a:buSzPct val="45000"/>
               <a:buFont typeface="Wingdings" panose="05000000000000000000" pitchFamily="2" charset="2"/>
-              <a:buChar char=""/>
+              <a:buChar char="v"/>
               <a:tabLst>
                 <a:tab pos="723900" algn="l"/>
                 <a:tab pos="1447800" algn="l"/>
@@ -19109,274 +19972,542 @@
               <a:defRPr/>
             </a:pPr>
             <a:r>
-              <a:rPr lang="en-US" altLang="en-US" sz="1984" dirty="0">
+              <a:rPr lang="en-US" altLang="en-US" sz="2400" dirty="0" smtClean="0">
                 <a:solidFill>
                   <a:schemeClr val="tx1">
                     <a:lumMod val="75000"/>
                     <a:lumOff val="25000"/>
                   </a:schemeClr>
                 </a:solidFill>
+                <a:latin typeface="Arial" panose="020B0604020202020204" pitchFamily="34" charset="0"/>
+                <a:cs typeface="Arial" panose="020B0604020202020204" pitchFamily="34" charset="0"/>
               </a:rPr>
-              <a:t>Shamir Secret Sharing</a:t>
-            </a:r>
-            <a:r>
-              <a:rPr lang="he-IL" altLang="en-US" sz="1984" dirty="0">
-                <a:solidFill>
-                  <a:schemeClr val="tx1">
-                    <a:lumMod val="75000"/>
-                    <a:lumOff val="25000"/>
-                  </a:schemeClr>
-                </a:solidFill>
-              </a:rPr>
-              <a:t> – אלגוריתם לפירוק מידע למספר שונה של חתיכות והרכבתו מחדש.</a:t>
-            </a:r>
-            <a:br>
-              <a:rPr lang="en-US" altLang="en-US" sz="1984" dirty="0">
-                <a:solidFill>
-                  <a:schemeClr val="tx1">
-                    <a:lumMod val="75000"/>
-                    <a:lumOff val="25000"/>
-                  </a:schemeClr>
-                </a:solidFill>
-              </a:rPr>
-            </a:br>
-            <a:r>
-              <a:rPr lang="he-IL" altLang="en-US" sz="1800" dirty="0">
-                <a:solidFill>
-                  <a:schemeClr val="tx1">
-                    <a:lumMod val="75000"/>
-                    <a:lumOff val="25000"/>
-                  </a:schemeClr>
-                </a:solidFill>
-              </a:rPr>
-              <a:t>פירוק:</a:t>
-            </a:r>
-            <a:r>
-              <a:rPr lang="en-US" altLang="en-US" sz="1800" dirty="0">
-                <a:solidFill>
-                  <a:schemeClr val="tx1">
-                    <a:lumMod val="75000"/>
-                    <a:lumOff val="25000"/>
-                  </a:schemeClr>
-                </a:solidFill>
-              </a:rPr>
-              <a:t> </a:t>
-            </a:r>
-            <a:r>
-              <a:rPr lang="he-IL" altLang="en-US" sz="1800" dirty="0">
-                <a:solidFill>
-                  <a:schemeClr val="tx1">
-                    <a:lumMod val="75000"/>
-                    <a:lumOff val="25000"/>
-                  </a:schemeClr>
-                </a:solidFill>
-              </a:rPr>
-              <a:t>בהינתן מידע </a:t>
-            </a:r>
-            <a:r>
-              <a:rPr lang="en-US" altLang="en-US" sz="1800" dirty="0">
-                <a:solidFill>
-                  <a:schemeClr val="tx1">
-                    <a:lumMod val="75000"/>
-                    <a:lumOff val="25000"/>
-                  </a:schemeClr>
-                </a:solidFill>
-              </a:rPr>
-              <a:t>Data</a:t>
-            </a:r>
-            <a:r>
-              <a:rPr lang="he-IL" altLang="en-US" sz="1800" dirty="0">
-                <a:solidFill>
-                  <a:schemeClr val="tx1">
-                    <a:lumMod val="75000"/>
-                    <a:lumOff val="25000"/>
-                  </a:schemeClr>
-                </a:solidFill>
-              </a:rPr>
-              <a:t>, מספר סטים </a:t>
-            </a:r>
-            <a:r>
-              <a:rPr lang="en-US" altLang="en-US" sz="1800" dirty="0">
-                <a:solidFill>
-                  <a:schemeClr val="tx1">
-                    <a:lumMod val="75000"/>
-                    <a:lumOff val="25000"/>
-                  </a:schemeClr>
-                </a:solidFill>
-              </a:rPr>
-              <a:t>N</a:t>
-            </a:r>
-            <a:r>
-              <a:rPr lang="he-IL" altLang="en-US" sz="1800" dirty="0">
-                <a:solidFill>
-                  <a:schemeClr val="tx1">
-                    <a:lumMod val="75000"/>
-                    <a:lumOff val="25000"/>
-                  </a:schemeClr>
-                </a:solidFill>
-              </a:rPr>
-              <a:t> וסף לשחזור </a:t>
-            </a:r>
-            <a:r>
-              <a:rPr lang="en-US" altLang="en-US" sz="1800" dirty="0">
-                <a:solidFill>
-                  <a:schemeClr val="tx1">
-                    <a:lumMod val="75000"/>
-                    <a:lumOff val="25000"/>
-                  </a:schemeClr>
-                </a:solidFill>
-              </a:rPr>
-              <a:t>K</a:t>
-            </a:r>
-            <a:r>
-              <a:rPr lang="he-IL" altLang="en-US" sz="1800" dirty="0">
-                <a:solidFill>
-                  <a:schemeClr val="tx1">
-                    <a:lumMod val="75000"/>
-                    <a:lumOff val="25000"/>
-                  </a:schemeClr>
-                </a:solidFill>
-              </a:rPr>
-              <a:t>, נוכל לפרק את </a:t>
-            </a:r>
-            <a:r>
-              <a:rPr lang="en-US" altLang="en-US" sz="1800" dirty="0">
-                <a:solidFill>
-                  <a:schemeClr val="tx1">
-                    <a:lumMod val="75000"/>
-                    <a:lumOff val="25000"/>
-                  </a:schemeClr>
-                </a:solidFill>
-              </a:rPr>
-              <a:t>X</a:t>
-            </a:r>
-            <a:r>
-              <a:rPr lang="he-IL" altLang="en-US" sz="1800" dirty="0">
-                <a:solidFill>
-                  <a:schemeClr val="tx1">
-                    <a:lumMod val="75000"/>
-                    <a:lumOff val="25000"/>
-                  </a:schemeClr>
-                </a:solidFill>
-              </a:rPr>
-              <a:t> לסט של </a:t>
-            </a:r>
-            <a:r>
-              <a:rPr lang="en-US" altLang="en-US" sz="1800" dirty="0">
-                <a:solidFill>
-                  <a:schemeClr val="tx1">
-                    <a:lumMod val="75000"/>
-                    <a:lumOff val="25000"/>
-                  </a:schemeClr>
-                </a:solidFill>
-              </a:rPr>
-              <a:t>N</a:t>
-            </a:r>
-            <a:r>
-              <a:rPr lang="he-IL" altLang="en-US" sz="1800" dirty="0">
-                <a:solidFill>
-                  <a:schemeClr val="tx1">
-                    <a:lumMod val="75000"/>
-                    <a:lumOff val="25000"/>
-                  </a:schemeClr>
-                </a:solidFill>
-              </a:rPr>
-              <a:t> חתיכות מידע [בגודל של </a:t>
-            </a:r>
-            <a:r>
-              <a:rPr lang="en-US" altLang="en-US" sz="1800" dirty="0">
-                <a:solidFill>
-                  <a:schemeClr val="tx1">
-                    <a:lumMod val="75000"/>
-                    <a:lumOff val="25000"/>
-                  </a:schemeClr>
-                </a:solidFill>
-              </a:rPr>
-              <a:t>Data</a:t>
-            </a:r>
-            <a:r>
-              <a:rPr lang="he-IL" altLang="en-US" sz="1800" dirty="0">
-                <a:solidFill>
-                  <a:schemeClr val="tx1">
-                    <a:lumMod val="75000"/>
-                    <a:lumOff val="25000"/>
-                  </a:schemeClr>
-                </a:solidFill>
-              </a:rPr>
-              <a:t>].</a:t>
-            </a:r>
-            <a:br>
-              <a:rPr lang="en-US" altLang="en-US" sz="1800" dirty="0">
-                <a:solidFill>
-                  <a:schemeClr val="tx1">
-                    <a:lumMod val="75000"/>
-                    <a:lumOff val="25000"/>
-                  </a:schemeClr>
-                </a:solidFill>
-              </a:rPr>
-            </a:br>
-            <a:r>
-              <a:rPr lang="he-IL" altLang="en-US" sz="1800" dirty="0">
-                <a:solidFill>
-                  <a:schemeClr val="tx1">
-                    <a:lumMod val="75000"/>
-                    <a:lumOff val="25000"/>
-                  </a:schemeClr>
-                </a:solidFill>
-              </a:rPr>
-              <a:t>הרכבה: בהינתן מספר חתיכות מידע  =&gt; </a:t>
-            </a:r>
-            <a:r>
-              <a:rPr lang="en-US" altLang="en-US" sz="1800" dirty="0">
-                <a:solidFill>
-                  <a:schemeClr val="tx1">
-                    <a:lumMod val="75000"/>
-                    <a:lumOff val="25000"/>
-                  </a:schemeClr>
-                </a:solidFill>
-              </a:rPr>
-              <a:t>K</a:t>
-            </a:r>
-            <a:r>
-              <a:rPr lang="he-IL" altLang="en-US" sz="1800" dirty="0">
-                <a:solidFill>
-                  <a:schemeClr val="tx1">
-                    <a:lumMod val="75000"/>
-                    <a:lumOff val="25000"/>
-                  </a:schemeClr>
-                </a:solidFill>
-              </a:rPr>
-              <a:t>, נוכל לשחזר את </a:t>
-            </a:r>
-            <a:r>
-              <a:rPr lang="en-US" altLang="en-US" sz="1800" dirty="0">
-                <a:solidFill>
-                  <a:schemeClr val="tx1">
-                    <a:lumMod val="75000"/>
-                    <a:lumOff val="25000"/>
-                  </a:schemeClr>
-                </a:solidFill>
-              </a:rPr>
-              <a:t>Data</a:t>
-            </a:r>
-            <a:r>
-              <a:rPr lang="he-IL" altLang="en-US" sz="1800" dirty="0">
-                <a:solidFill>
-                  <a:schemeClr val="tx1">
-                    <a:lumMod val="75000"/>
-                    <a:lumOff val="25000"/>
-                  </a:schemeClr>
-                </a:solidFill>
-              </a:rPr>
-              <a:t>.</a:t>
-            </a:r>
-            <a:endParaRPr lang="en-US" altLang="en-US" sz="1984" dirty="0">
+              <a:t>AES</a:t>
+            </a:r>
+            <a:endParaRPr lang="he-IL" altLang="en-US" sz="2400" dirty="0">
               <a:solidFill>
                 <a:schemeClr val="tx1">
                   <a:lumMod val="75000"/>
                   <a:lumOff val="25000"/>
                 </a:schemeClr>
               </a:solidFill>
+              <a:latin typeface="Arial" panose="020B0604020202020204" pitchFamily="34" charset="0"/>
+              <a:cs typeface="Arial" panose="020B0604020202020204" pitchFamily="34" charset="0"/>
+            </a:endParaRPr>
+          </a:p>
+          <a:p>
+            <a:pPr marL="890588" lvl="1" indent="-342900" algn="r" defTabSz="503972" rtl="1" eaLnBrk="1" fontAlgn="auto" hangingPunct="1">
+              <a:spcBef>
+                <a:spcPts val="1102"/>
+              </a:spcBef>
+              <a:spcAft>
+                <a:spcPts val="0"/>
+              </a:spcAft>
+              <a:buSzPct val="45000"/>
+              <a:buFont typeface="Wingdings" panose="05000000000000000000" pitchFamily="2" charset="2"/>
+              <a:buChar char="v"/>
+              <a:tabLst>
+                <a:tab pos="723900" algn="l"/>
+                <a:tab pos="1447800" algn="l"/>
+                <a:tab pos="2171700" algn="l"/>
+                <a:tab pos="2895600" algn="l"/>
+                <a:tab pos="3619500" algn="l"/>
+                <a:tab pos="4343400" algn="l"/>
+                <a:tab pos="5067300" algn="l"/>
+                <a:tab pos="5791200" algn="l"/>
+                <a:tab pos="6515100" algn="l"/>
+                <a:tab pos="7239000" algn="l"/>
+                <a:tab pos="7962900" algn="l"/>
+                <a:tab pos="8686800" algn="l"/>
+              </a:tabLst>
+              <a:defRPr/>
+            </a:pPr>
+            <a:r>
+              <a:rPr lang="he-IL" altLang="en-US" sz="2000" dirty="0" smtClean="0">
+                <a:solidFill>
+                  <a:schemeClr val="tx1">
+                    <a:lumMod val="75000"/>
+                    <a:lumOff val="25000"/>
+                  </a:schemeClr>
+                </a:solidFill>
+                <a:latin typeface="Arial" panose="020B0604020202020204" pitchFamily="34" charset="0"/>
+                <a:cs typeface="Arial" panose="020B0604020202020204" pitchFamily="34" charset="0"/>
+              </a:rPr>
+              <a:t>אלגוריתם </a:t>
+            </a:r>
+            <a:r>
+              <a:rPr lang="he-IL" altLang="en-US" sz="2000" dirty="0">
+                <a:solidFill>
+                  <a:schemeClr val="tx1">
+                    <a:lumMod val="75000"/>
+                    <a:lumOff val="25000"/>
+                  </a:schemeClr>
+                </a:solidFill>
+                <a:latin typeface="Arial" panose="020B0604020202020204" pitchFamily="34" charset="0"/>
+                <a:cs typeface="Arial" panose="020B0604020202020204" pitchFamily="34" charset="0"/>
+              </a:rPr>
+              <a:t>הצפנה </a:t>
+            </a:r>
+            <a:r>
+              <a:rPr lang="he-IL" altLang="en-US" sz="2000" dirty="0" smtClean="0">
+                <a:solidFill>
+                  <a:schemeClr val="tx1">
+                    <a:lumMod val="75000"/>
+                    <a:lumOff val="25000"/>
+                  </a:schemeClr>
+                </a:solidFill>
+                <a:latin typeface="Arial" panose="020B0604020202020204" pitchFamily="34" charset="0"/>
+                <a:cs typeface="Arial" panose="020B0604020202020204" pitchFamily="34" charset="0"/>
+              </a:rPr>
+              <a:t>סימטרי</a:t>
+            </a:r>
+            <a:endParaRPr lang="en-US" altLang="en-US" sz="2000" dirty="0">
+              <a:solidFill>
+                <a:schemeClr val="tx1">
+                  <a:lumMod val="75000"/>
+                  <a:lumOff val="25000"/>
+                </a:schemeClr>
+              </a:solidFill>
+              <a:latin typeface="Arial" panose="020B0604020202020204" pitchFamily="34" charset="0"/>
+              <a:cs typeface="Arial" panose="020B0604020202020204" pitchFamily="34" charset="0"/>
+            </a:endParaRPr>
+          </a:p>
+          <a:p>
+            <a:pPr marL="450850" indent="-342900" algn="r" defTabSz="503972" rtl="1" eaLnBrk="1" fontAlgn="auto" hangingPunct="1">
+              <a:spcBef>
+                <a:spcPts val="1102"/>
+              </a:spcBef>
+              <a:spcAft>
+                <a:spcPts val="0"/>
+              </a:spcAft>
+              <a:buSzPct val="45000"/>
+              <a:buFont typeface="Wingdings" panose="05000000000000000000" pitchFamily="2" charset="2"/>
+              <a:buChar char="v"/>
+              <a:tabLst>
+                <a:tab pos="723900" algn="l"/>
+                <a:tab pos="1447800" algn="l"/>
+                <a:tab pos="2171700" algn="l"/>
+                <a:tab pos="2895600" algn="l"/>
+                <a:tab pos="3619500" algn="l"/>
+                <a:tab pos="4343400" algn="l"/>
+                <a:tab pos="5067300" algn="l"/>
+                <a:tab pos="5791200" algn="l"/>
+                <a:tab pos="6515100" algn="l"/>
+                <a:tab pos="7239000" algn="l"/>
+                <a:tab pos="7962900" algn="l"/>
+                <a:tab pos="8686800" algn="l"/>
+              </a:tabLst>
+              <a:defRPr/>
+            </a:pPr>
+            <a:r>
+              <a:rPr lang="en-US" altLang="en-US" sz="2400" dirty="0">
+                <a:solidFill>
+                  <a:schemeClr val="tx1">
+                    <a:lumMod val="75000"/>
+                    <a:lumOff val="25000"/>
+                  </a:schemeClr>
+                </a:solidFill>
+                <a:latin typeface="Arial" panose="020B0604020202020204" pitchFamily="34" charset="0"/>
+                <a:cs typeface="Arial" panose="020B0604020202020204" pitchFamily="34" charset="0"/>
+              </a:rPr>
+              <a:t>Shamir Secret </a:t>
+            </a:r>
+            <a:r>
+              <a:rPr lang="en-US" altLang="en-US" sz="2400" dirty="0" smtClean="0">
+                <a:solidFill>
+                  <a:schemeClr val="tx1">
+                    <a:lumMod val="75000"/>
+                    <a:lumOff val="25000"/>
+                  </a:schemeClr>
+                </a:solidFill>
+                <a:latin typeface="Arial" panose="020B0604020202020204" pitchFamily="34" charset="0"/>
+                <a:cs typeface="Arial" panose="020B0604020202020204" pitchFamily="34" charset="0"/>
+              </a:rPr>
+              <a:t>Sharing</a:t>
+            </a:r>
+            <a:endParaRPr lang="he-IL" altLang="en-US" sz="2400" dirty="0">
+              <a:solidFill>
+                <a:schemeClr val="tx1">
+                  <a:lumMod val="75000"/>
+                  <a:lumOff val="25000"/>
+                </a:schemeClr>
+              </a:solidFill>
+              <a:latin typeface="Arial" panose="020B0604020202020204" pitchFamily="34" charset="0"/>
+              <a:cs typeface="Arial" panose="020B0604020202020204" pitchFamily="34" charset="0"/>
+            </a:endParaRPr>
+          </a:p>
+          <a:p>
+            <a:pPr marL="890588" lvl="1" indent="-342900" algn="r" defTabSz="503972" rtl="1" eaLnBrk="1" fontAlgn="auto" hangingPunct="1">
+              <a:spcBef>
+                <a:spcPts val="1102"/>
+              </a:spcBef>
+              <a:spcAft>
+                <a:spcPts val="0"/>
+              </a:spcAft>
+              <a:buSzPct val="45000"/>
+              <a:buFont typeface="Wingdings" panose="05000000000000000000" pitchFamily="2" charset="2"/>
+              <a:buChar char="v"/>
+              <a:tabLst>
+                <a:tab pos="723900" algn="l"/>
+                <a:tab pos="1447800" algn="l"/>
+                <a:tab pos="2171700" algn="l"/>
+                <a:tab pos="2895600" algn="l"/>
+                <a:tab pos="3619500" algn="l"/>
+                <a:tab pos="4343400" algn="l"/>
+                <a:tab pos="5067300" algn="l"/>
+                <a:tab pos="5791200" algn="l"/>
+                <a:tab pos="6515100" algn="l"/>
+                <a:tab pos="7239000" algn="l"/>
+                <a:tab pos="7962900" algn="l"/>
+                <a:tab pos="8686800" algn="l"/>
+              </a:tabLst>
+              <a:defRPr/>
+            </a:pPr>
+            <a:r>
+              <a:rPr lang="he-IL" altLang="en-US" sz="2000" dirty="0" smtClean="0">
+                <a:solidFill>
+                  <a:schemeClr val="tx1">
+                    <a:lumMod val="75000"/>
+                    <a:lumOff val="25000"/>
+                  </a:schemeClr>
+                </a:solidFill>
+                <a:latin typeface="Arial" panose="020B0604020202020204" pitchFamily="34" charset="0"/>
+                <a:cs typeface="Arial" panose="020B0604020202020204" pitchFamily="34" charset="0"/>
+              </a:rPr>
+              <a:t>אלגוריתם </a:t>
+            </a:r>
+            <a:r>
+              <a:rPr lang="he-IL" altLang="en-US" sz="2000" dirty="0">
+                <a:solidFill>
+                  <a:schemeClr val="tx1">
+                    <a:lumMod val="75000"/>
+                    <a:lumOff val="25000"/>
+                  </a:schemeClr>
+                </a:solidFill>
+                <a:latin typeface="Arial" panose="020B0604020202020204" pitchFamily="34" charset="0"/>
+                <a:cs typeface="Arial" panose="020B0604020202020204" pitchFamily="34" charset="0"/>
+              </a:rPr>
+              <a:t>לפירוק מידע למספר שונה של חתיכות והרכבתו </a:t>
+            </a:r>
+            <a:r>
+              <a:rPr lang="he-IL" altLang="en-US" sz="2000" dirty="0" smtClean="0">
+                <a:solidFill>
+                  <a:schemeClr val="tx1">
+                    <a:lumMod val="75000"/>
+                    <a:lumOff val="25000"/>
+                  </a:schemeClr>
+                </a:solidFill>
+                <a:latin typeface="Arial" panose="020B0604020202020204" pitchFamily="34" charset="0"/>
+                <a:cs typeface="Arial" panose="020B0604020202020204" pitchFamily="34" charset="0"/>
+              </a:rPr>
+              <a:t>מחדש</a:t>
+            </a:r>
+            <a:r>
+              <a:rPr lang="en-US" altLang="en-US" sz="2000" dirty="0">
+                <a:solidFill>
+                  <a:schemeClr val="tx1">
+                    <a:lumMod val="75000"/>
+                    <a:lumOff val="25000"/>
+                  </a:schemeClr>
+                </a:solidFill>
+                <a:latin typeface="Arial" panose="020B0604020202020204" pitchFamily="34" charset="0"/>
+                <a:cs typeface="Arial" panose="020B0604020202020204" pitchFamily="34" charset="0"/>
+              </a:rPr>
+              <a:t/>
+            </a:r>
+            <a:br>
+              <a:rPr lang="en-US" altLang="en-US" sz="2000" dirty="0">
+                <a:solidFill>
+                  <a:schemeClr val="tx1">
+                    <a:lumMod val="75000"/>
+                    <a:lumOff val="25000"/>
+                  </a:schemeClr>
+                </a:solidFill>
+                <a:latin typeface="Arial" panose="020B0604020202020204" pitchFamily="34" charset="0"/>
+                <a:cs typeface="Arial" panose="020B0604020202020204" pitchFamily="34" charset="0"/>
+              </a:rPr>
+            </a:br>
+            <a:r>
+              <a:rPr lang="he-IL" altLang="en-US" sz="2000" dirty="0">
+                <a:solidFill>
+                  <a:schemeClr val="tx1">
+                    <a:lumMod val="75000"/>
+                    <a:lumOff val="25000"/>
+                  </a:schemeClr>
+                </a:solidFill>
+                <a:latin typeface="Arial" panose="020B0604020202020204" pitchFamily="34" charset="0"/>
+                <a:cs typeface="Arial" panose="020B0604020202020204" pitchFamily="34" charset="0"/>
+              </a:rPr>
+              <a:t>פירוק:</a:t>
+            </a:r>
+            <a:r>
+              <a:rPr lang="en-US" altLang="en-US" sz="2000" dirty="0">
+                <a:solidFill>
+                  <a:schemeClr val="tx1">
+                    <a:lumMod val="75000"/>
+                    <a:lumOff val="25000"/>
+                  </a:schemeClr>
+                </a:solidFill>
+                <a:latin typeface="Arial" panose="020B0604020202020204" pitchFamily="34" charset="0"/>
+                <a:cs typeface="Arial" panose="020B0604020202020204" pitchFamily="34" charset="0"/>
+              </a:rPr>
+              <a:t> </a:t>
+            </a:r>
+            <a:r>
+              <a:rPr lang="he-IL" altLang="en-US" sz="2000" dirty="0">
+                <a:solidFill>
+                  <a:schemeClr val="tx1">
+                    <a:lumMod val="75000"/>
+                    <a:lumOff val="25000"/>
+                  </a:schemeClr>
+                </a:solidFill>
+                <a:latin typeface="Arial" panose="020B0604020202020204" pitchFamily="34" charset="0"/>
+                <a:cs typeface="Arial" panose="020B0604020202020204" pitchFamily="34" charset="0"/>
+              </a:rPr>
+              <a:t>בהינתן מידע </a:t>
+            </a:r>
+            <a:r>
+              <a:rPr lang="en-US" altLang="en-US" sz="2000" dirty="0">
+                <a:solidFill>
+                  <a:schemeClr val="tx1">
+                    <a:lumMod val="75000"/>
+                    <a:lumOff val="25000"/>
+                  </a:schemeClr>
+                </a:solidFill>
+                <a:latin typeface="Arial" panose="020B0604020202020204" pitchFamily="34" charset="0"/>
+                <a:cs typeface="Arial" panose="020B0604020202020204" pitchFamily="34" charset="0"/>
+              </a:rPr>
+              <a:t>Data</a:t>
+            </a:r>
+            <a:r>
+              <a:rPr lang="he-IL" altLang="en-US" sz="2000" dirty="0">
+                <a:solidFill>
+                  <a:schemeClr val="tx1">
+                    <a:lumMod val="75000"/>
+                    <a:lumOff val="25000"/>
+                  </a:schemeClr>
+                </a:solidFill>
+                <a:latin typeface="Arial" panose="020B0604020202020204" pitchFamily="34" charset="0"/>
+                <a:cs typeface="Arial" panose="020B0604020202020204" pitchFamily="34" charset="0"/>
+              </a:rPr>
+              <a:t>, מספר סטים </a:t>
+            </a:r>
+            <a:r>
+              <a:rPr lang="en-US" altLang="en-US" sz="2000" dirty="0">
+                <a:solidFill>
+                  <a:schemeClr val="tx1">
+                    <a:lumMod val="75000"/>
+                    <a:lumOff val="25000"/>
+                  </a:schemeClr>
+                </a:solidFill>
+                <a:latin typeface="Arial" panose="020B0604020202020204" pitchFamily="34" charset="0"/>
+                <a:cs typeface="Arial" panose="020B0604020202020204" pitchFamily="34" charset="0"/>
+              </a:rPr>
+              <a:t>N</a:t>
+            </a:r>
+            <a:r>
+              <a:rPr lang="he-IL" altLang="en-US" sz="2000" dirty="0">
+                <a:solidFill>
+                  <a:schemeClr val="tx1">
+                    <a:lumMod val="75000"/>
+                    <a:lumOff val="25000"/>
+                  </a:schemeClr>
+                </a:solidFill>
+                <a:latin typeface="Arial" panose="020B0604020202020204" pitchFamily="34" charset="0"/>
+                <a:cs typeface="Arial" panose="020B0604020202020204" pitchFamily="34" charset="0"/>
+              </a:rPr>
+              <a:t> וסף לשחזור </a:t>
+            </a:r>
+            <a:r>
+              <a:rPr lang="en-US" altLang="en-US" sz="2000" dirty="0">
+                <a:solidFill>
+                  <a:schemeClr val="tx1">
+                    <a:lumMod val="75000"/>
+                    <a:lumOff val="25000"/>
+                  </a:schemeClr>
+                </a:solidFill>
+                <a:latin typeface="Arial" panose="020B0604020202020204" pitchFamily="34" charset="0"/>
+                <a:cs typeface="Arial" panose="020B0604020202020204" pitchFamily="34" charset="0"/>
+              </a:rPr>
+              <a:t>K</a:t>
+            </a:r>
+            <a:r>
+              <a:rPr lang="he-IL" altLang="en-US" sz="2000" dirty="0">
+                <a:solidFill>
+                  <a:schemeClr val="tx1">
+                    <a:lumMod val="75000"/>
+                    <a:lumOff val="25000"/>
+                  </a:schemeClr>
+                </a:solidFill>
+                <a:latin typeface="Arial" panose="020B0604020202020204" pitchFamily="34" charset="0"/>
+                <a:cs typeface="Arial" panose="020B0604020202020204" pitchFamily="34" charset="0"/>
+              </a:rPr>
+              <a:t>, נוכל לפרק את </a:t>
+            </a:r>
+            <a:r>
+              <a:rPr lang="en-US" altLang="en-US" sz="2000" dirty="0">
+                <a:solidFill>
+                  <a:schemeClr val="tx1">
+                    <a:lumMod val="75000"/>
+                    <a:lumOff val="25000"/>
+                  </a:schemeClr>
+                </a:solidFill>
+                <a:latin typeface="Arial" panose="020B0604020202020204" pitchFamily="34" charset="0"/>
+                <a:cs typeface="Arial" panose="020B0604020202020204" pitchFamily="34" charset="0"/>
+              </a:rPr>
+              <a:t>X</a:t>
+            </a:r>
+            <a:r>
+              <a:rPr lang="he-IL" altLang="en-US" sz="2000" dirty="0">
+                <a:solidFill>
+                  <a:schemeClr val="tx1">
+                    <a:lumMod val="75000"/>
+                    <a:lumOff val="25000"/>
+                  </a:schemeClr>
+                </a:solidFill>
+                <a:latin typeface="Arial" panose="020B0604020202020204" pitchFamily="34" charset="0"/>
+                <a:cs typeface="Arial" panose="020B0604020202020204" pitchFamily="34" charset="0"/>
+              </a:rPr>
+              <a:t> לסט של </a:t>
+            </a:r>
+            <a:r>
+              <a:rPr lang="en-US" altLang="en-US" sz="2000" dirty="0">
+                <a:solidFill>
+                  <a:schemeClr val="tx1">
+                    <a:lumMod val="75000"/>
+                    <a:lumOff val="25000"/>
+                  </a:schemeClr>
+                </a:solidFill>
+                <a:latin typeface="Arial" panose="020B0604020202020204" pitchFamily="34" charset="0"/>
+                <a:cs typeface="Arial" panose="020B0604020202020204" pitchFamily="34" charset="0"/>
+              </a:rPr>
+              <a:t>N</a:t>
+            </a:r>
+            <a:r>
+              <a:rPr lang="he-IL" altLang="en-US" sz="2000" dirty="0">
+                <a:solidFill>
+                  <a:schemeClr val="tx1">
+                    <a:lumMod val="75000"/>
+                    <a:lumOff val="25000"/>
+                  </a:schemeClr>
+                </a:solidFill>
+                <a:latin typeface="Arial" panose="020B0604020202020204" pitchFamily="34" charset="0"/>
+                <a:cs typeface="Arial" panose="020B0604020202020204" pitchFamily="34" charset="0"/>
+              </a:rPr>
+              <a:t> חתיכות מידע [בגודל של </a:t>
+            </a:r>
+            <a:r>
+              <a:rPr lang="en-US" altLang="en-US" sz="2000" dirty="0">
+                <a:solidFill>
+                  <a:schemeClr val="tx1">
+                    <a:lumMod val="75000"/>
+                    <a:lumOff val="25000"/>
+                  </a:schemeClr>
+                </a:solidFill>
+                <a:latin typeface="Arial" panose="020B0604020202020204" pitchFamily="34" charset="0"/>
+                <a:cs typeface="Arial" panose="020B0604020202020204" pitchFamily="34" charset="0"/>
+              </a:rPr>
+              <a:t>Data</a:t>
+            </a:r>
+            <a:r>
+              <a:rPr lang="he-IL" altLang="en-US" sz="2000" dirty="0">
+                <a:solidFill>
+                  <a:schemeClr val="tx1">
+                    <a:lumMod val="75000"/>
+                    <a:lumOff val="25000"/>
+                  </a:schemeClr>
+                </a:solidFill>
+                <a:latin typeface="Arial" panose="020B0604020202020204" pitchFamily="34" charset="0"/>
+                <a:cs typeface="Arial" panose="020B0604020202020204" pitchFamily="34" charset="0"/>
+              </a:rPr>
+              <a:t>].</a:t>
+            </a:r>
+            <a:r>
+              <a:rPr lang="en-US" altLang="en-US" sz="2000" dirty="0">
+                <a:solidFill>
+                  <a:schemeClr val="tx1">
+                    <a:lumMod val="75000"/>
+                    <a:lumOff val="25000"/>
+                  </a:schemeClr>
+                </a:solidFill>
+                <a:latin typeface="Arial" panose="020B0604020202020204" pitchFamily="34" charset="0"/>
+                <a:cs typeface="Arial" panose="020B0604020202020204" pitchFamily="34" charset="0"/>
+              </a:rPr>
+              <a:t/>
+            </a:r>
+            <a:br>
+              <a:rPr lang="en-US" altLang="en-US" sz="2000" dirty="0">
+                <a:solidFill>
+                  <a:schemeClr val="tx1">
+                    <a:lumMod val="75000"/>
+                    <a:lumOff val="25000"/>
+                  </a:schemeClr>
+                </a:solidFill>
+                <a:latin typeface="Arial" panose="020B0604020202020204" pitchFamily="34" charset="0"/>
+                <a:cs typeface="Arial" panose="020B0604020202020204" pitchFamily="34" charset="0"/>
+              </a:rPr>
+            </a:br>
+            <a:r>
+              <a:rPr lang="he-IL" altLang="en-US" sz="2000" dirty="0">
+                <a:solidFill>
+                  <a:schemeClr val="tx1">
+                    <a:lumMod val="75000"/>
+                    <a:lumOff val="25000"/>
+                  </a:schemeClr>
+                </a:solidFill>
+                <a:latin typeface="Arial" panose="020B0604020202020204" pitchFamily="34" charset="0"/>
+                <a:cs typeface="Arial" panose="020B0604020202020204" pitchFamily="34" charset="0"/>
+              </a:rPr>
+              <a:t>הרכבה: בהינתן מספר חתיכות מידע  =&gt; </a:t>
+            </a:r>
+            <a:r>
+              <a:rPr lang="en-US" altLang="en-US" sz="2000" dirty="0">
+                <a:solidFill>
+                  <a:schemeClr val="tx1">
+                    <a:lumMod val="75000"/>
+                    <a:lumOff val="25000"/>
+                  </a:schemeClr>
+                </a:solidFill>
+                <a:latin typeface="Arial" panose="020B0604020202020204" pitchFamily="34" charset="0"/>
+                <a:cs typeface="Arial" panose="020B0604020202020204" pitchFamily="34" charset="0"/>
+              </a:rPr>
+              <a:t>K</a:t>
+            </a:r>
+            <a:r>
+              <a:rPr lang="he-IL" altLang="en-US" sz="2000" dirty="0">
+                <a:solidFill>
+                  <a:schemeClr val="tx1">
+                    <a:lumMod val="75000"/>
+                    <a:lumOff val="25000"/>
+                  </a:schemeClr>
+                </a:solidFill>
+                <a:latin typeface="Arial" panose="020B0604020202020204" pitchFamily="34" charset="0"/>
+                <a:cs typeface="Arial" panose="020B0604020202020204" pitchFamily="34" charset="0"/>
+              </a:rPr>
+              <a:t>, נוכל לשחזר את </a:t>
+            </a:r>
+            <a:r>
+              <a:rPr lang="en-US" altLang="en-US" sz="2000" dirty="0" smtClean="0">
+                <a:solidFill>
+                  <a:schemeClr val="tx1">
+                    <a:lumMod val="75000"/>
+                    <a:lumOff val="25000"/>
+                  </a:schemeClr>
+                </a:solidFill>
+                <a:latin typeface="Arial" panose="020B0604020202020204" pitchFamily="34" charset="0"/>
+                <a:cs typeface="Arial" panose="020B0604020202020204" pitchFamily="34" charset="0"/>
+              </a:rPr>
+              <a:t>Data</a:t>
+            </a:r>
+            <a:endParaRPr lang="en-US" altLang="en-US" sz="2000" dirty="0">
+              <a:solidFill>
+                <a:schemeClr val="tx1">
+                  <a:lumMod val="75000"/>
+                  <a:lumOff val="25000"/>
+                </a:schemeClr>
+              </a:solidFill>
+              <a:latin typeface="Arial" panose="020B0604020202020204" pitchFamily="34" charset="0"/>
+              <a:cs typeface="Arial" panose="020B0604020202020204" pitchFamily="34" charset="0"/>
             </a:endParaRPr>
           </a:p>
         </p:txBody>
@@ -19547,17 +20678,67 @@
               <a:defRPr/>
             </a:pPr>
             <a:r>
-              <a:rPr lang="he-IL" altLang="en-US" sz="2000" dirty="0">
+              <a:rPr lang="he-IL" altLang="en-US" sz="2400" dirty="0" smtClean="0">
                 <a:solidFill>
                   <a:schemeClr val="tx1">
                     <a:lumMod val="75000"/>
                     <a:lumOff val="25000"/>
                   </a:schemeClr>
                 </a:solidFill>
-                <a:cs typeface="Tahoma" panose="020B0604030504040204" pitchFamily="34" charset="0"/>
+                <a:latin typeface="Arial" panose="020B0604020202020204" pitchFamily="34" charset="0"/>
+                <a:cs typeface="Arial" panose="020B0604020202020204" pitchFamily="34" charset="0"/>
               </a:rPr>
-              <a:t>הרעיון שלנו עושה שימוש בכלים הקריפטוגרפים שהוצגו קודם ע"מ לאפשר חלוקת מידע (מבוססת אישורים) על גבי הענן, כאשר המידע מוצפן על הענן, אך מפתח הפיענוח 'מפורק לרסיסים' ומאוחסן אצל הלקוחות.</a:t>
-            </a:r>
+              <a:t>נעשה שימוש </a:t>
+            </a:r>
+            <a:r>
+              <a:rPr lang="he-IL" altLang="en-US" sz="2400" dirty="0" smtClean="0">
+                <a:solidFill>
+                  <a:schemeClr val="tx1">
+                    <a:lumMod val="75000"/>
+                    <a:lumOff val="25000"/>
+                  </a:schemeClr>
+                </a:solidFill>
+                <a:latin typeface="Arial" panose="020B0604020202020204" pitchFamily="34" charset="0"/>
+                <a:cs typeface="Arial" panose="020B0604020202020204" pitchFamily="34" charset="0"/>
+              </a:rPr>
+              <a:t>בכלים </a:t>
+            </a:r>
+            <a:r>
+              <a:rPr lang="he-IL" altLang="en-US" sz="2400" dirty="0">
+                <a:solidFill>
+                  <a:schemeClr val="tx1">
+                    <a:lumMod val="75000"/>
+                    <a:lumOff val="25000"/>
+                  </a:schemeClr>
+                </a:solidFill>
+                <a:latin typeface="Arial" panose="020B0604020202020204" pitchFamily="34" charset="0"/>
+                <a:cs typeface="Arial" panose="020B0604020202020204" pitchFamily="34" charset="0"/>
+              </a:rPr>
+              <a:t>הקריפטוגרפים שהוצגו קודם ע"מ לאפשר חלוקת מידע (מבוססת אישורים) על גבי הענן, כאשר המידע מוצפן על הענן, אך מפתח הפיענוח 'מפורק לרסיסים' ומאוחסן אצל </a:t>
+            </a:r>
+            <a:r>
+              <a:rPr lang="he-IL" altLang="en-US" sz="2400" dirty="0" smtClean="0">
+                <a:solidFill>
+                  <a:schemeClr val="tx1">
+                    <a:lumMod val="75000"/>
+                    <a:lumOff val="25000"/>
+                  </a:schemeClr>
+                </a:solidFill>
+                <a:latin typeface="Arial" panose="020B0604020202020204" pitchFamily="34" charset="0"/>
+                <a:cs typeface="Arial" panose="020B0604020202020204" pitchFamily="34" charset="0"/>
+              </a:rPr>
+              <a:t>הלקוחות</a:t>
+            </a:r>
+            <a:endParaRPr lang="he-IL" altLang="en-US" sz="2400" dirty="0">
+              <a:solidFill>
+                <a:schemeClr val="tx1">
+                  <a:lumMod val="75000"/>
+                  <a:lumOff val="25000"/>
+                </a:schemeClr>
+              </a:solidFill>
+              <a:latin typeface="Arial" panose="020B0604020202020204" pitchFamily="34" charset="0"/>
+              <a:cs typeface="Arial" panose="020B0604020202020204" pitchFamily="34" charset="0"/>
+            </a:endParaRPr>
           </a:p>
           <a:p>
             <a:pPr marL="431800" indent="-323850" algn="r" defTabSz="503972" rtl="1" eaLnBrk="1" fontAlgn="auto" hangingPunct="1">
@@ -19587,17 +20768,41 @@
               <a:defRPr/>
             </a:pPr>
             <a:r>
-              <a:rPr lang="he-IL" altLang="en-US" sz="2000" dirty="0">
+              <a:rPr lang="he-IL" altLang="en-US" sz="2400" dirty="0">
                 <a:solidFill>
                   <a:schemeClr val="tx1">
                     <a:lumMod val="75000"/>
                     <a:lumOff val="25000"/>
                   </a:schemeClr>
                 </a:solidFill>
-                <a:cs typeface="Tahoma" panose="020B0604030504040204" pitchFamily="34" charset="0"/>
+                <a:latin typeface="Arial" panose="020B0604020202020204" pitchFamily="34" charset="0"/>
+                <a:cs typeface="Arial" panose="020B0604020202020204" pitchFamily="34" charset="0"/>
               </a:rPr>
-              <a:t>חלוקת ה'סוד' נעשית בקבוצה של 3 או יותר לקוחות, כאשר יוזם הטרנזקציה (מופע של הודעה בתוך קבוצה), בוחר את סף האישורים לפיענוח, ואת המידע שברצונו להצפין.</a:t>
-            </a:r>
+              <a:t>חלוקת ה'סוד' נעשית בקבוצה של 3 או יותר לקוחות, כאשר יוזם הטרנזקציה (מופע של הודעה בתוך קבוצה), בוחר את סף האישורים לפיענוח, ואת המידע שברצונו </a:t>
+            </a:r>
+            <a:r>
+              <a:rPr lang="he-IL" altLang="en-US" sz="2400" dirty="0" smtClean="0">
+                <a:solidFill>
+                  <a:schemeClr val="tx1">
+                    <a:lumMod val="75000"/>
+                    <a:lumOff val="25000"/>
+                  </a:schemeClr>
+                </a:solidFill>
+                <a:latin typeface="Arial" panose="020B0604020202020204" pitchFamily="34" charset="0"/>
+                <a:cs typeface="Arial" panose="020B0604020202020204" pitchFamily="34" charset="0"/>
+              </a:rPr>
+              <a:t>להצפין</a:t>
+            </a:r>
+            <a:endParaRPr lang="he-IL" altLang="en-US" sz="2400" dirty="0">
+              <a:solidFill>
+                <a:schemeClr val="tx1">
+                  <a:lumMod val="75000"/>
+                  <a:lumOff val="25000"/>
+                </a:schemeClr>
+              </a:solidFill>
+              <a:latin typeface="Arial" panose="020B0604020202020204" pitchFamily="34" charset="0"/>
+              <a:cs typeface="Arial" panose="020B0604020202020204" pitchFamily="34" charset="0"/>
+            </a:endParaRPr>
           </a:p>
           <a:p>
             <a:pPr marL="431800" indent="-323850" algn="r" defTabSz="503972" rtl="1" eaLnBrk="1" fontAlgn="auto" hangingPunct="1">
@@ -19627,25 +20832,107 @@
               <a:defRPr/>
             </a:pPr>
             <a:r>
-              <a:rPr lang="he-IL" altLang="en-US" sz="2000" dirty="0">
+              <a:rPr lang="he-IL" altLang="en-US" sz="2400" dirty="0">
                 <a:solidFill>
                   <a:schemeClr val="tx1">
                     <a:lumMod val="75000"/>
                     <a:lumOff val="25000"/>
                   </a:schemeClr>
                 </a:solidFill>
-                <a:cs typeface="Tahoma" panose="020B0604030504040204" pitchFamily="34" charset="0"/>
+                <a:latin typeface="Arial" panose="020B0604020202020204" pitchFamily="34" charset="0"/>
+                <a:cs typeface="Arial" panose="020B0604020202020204" pitchFamily="34" charset="0"/>
               </a:rPr>
-              <a:t>ברגע שהטרנזקציה נוצרה, כל משתתפי הטרנזקציה מחזיקים באישור אחד, ובאפשרותם לבצע בקשת אישור מכל המשתתפים האחרים. ברגע שמשתתף קיבל מספיק אישורים (כגודל הסף), הוא יוכל לפענח את הסוד.</a:t>
-            </a:r>
-            <a:endParaRPr lang="he-IL" altLang="en-US" sz="1984" dirty="0">
+              <a:t>ברגע שהטרנזקציה נוצרה, כל משתתפי הטרנזקציה מחזיקים באישור אחד, ובאפשרותם לבצע בקשת אישור מכל המשתתפים </a:t>
+            </a:r>
+            <a:r>
+              <a:rPr lang="he-IL" altLang="en-US" sz="2400" dirty="0" smtClean="0">
+                <a:solidFill>
+                  <a:schemeClr val="tx1">
+                    <a:lumMod val="75000"/>
+                    <a:lumOff val="25000"/>
+                  </a:schemeClr>
+                </a:solidFill>
+                <a:latin typeface="Arial" panose="020B0604020202020204" pitchFamily="34" charset="0"/>
+                <a:cs typeface="Arial" panose="020B0604020202020204" pitchFamily="34" charset="0"/>
+              </a:rPr>
+              <a:t>האחרים</a:t>
+            </a:r>
+          </a:p>
+          <a:p>
+            <a:pPr marL="431800" indent="-323850" algn="r" defTabSz="503972" rtl="1" eaLnBrk="1" fontAlgn="auto" hangingPunct="1">
+              <a:spcBef>
+                <a:spcPts val="1102"/>
+              </a:spcBef>
+              <a:spcAft>
+                <a:spcPts val="0"/>
+              </a:spcAft>
+              <a:buSzPct val="45000"/>
+              <a:buFont typeface="Wingdings" panose="05000000000000000000" pitchFamily="2" charset="2"/>
+              <a:buChar char=""/>
+              <a:tabLst>
+                <a:tab pos="723900" algn="l"/>
+                <a:tab pos="1447800" algn="l"/>
+                <a:tab pos="2171700" algn="l"/>
+                <a:tab pos="2895600" algn="l"/>
+                <a:tab pos="3619500" algn="l"/>
+                <a:tab pos="4343400" algn="l"/>
+                <a:tab pos="5067300" algn="l"/>
+                <a:tab pos="5791200" algn="l"/>
+                <a:tab pos="6515100" algn="l"/>
+                <a:tab pos="7239000" algn="l"/>
+                <a:tab pos="7962900" algn="l"/>
+                <a:tab pos="8686800" algn="l"/>
+              </a:tabLst>
+              <a:defRPr/>
+            </a:pPr>
+            <a:r>
+              <a:rPr lang="he-IL" altLang="en-US" sz="2400" dirty="0" smtClean="0">
+                <a:solidFill>
+                  <a:schemeClr val="tx1">
+                    <a:lumMod val="75000"/>
+                    <a:lumOff val="25000"/>
+                  </a:schemeClr>
+                </a:solidFill>
+                <a:latin typeface="Arial" panose="020B0604020202020204" pitchFamily="34" charset="0"/>
+                <a:cs typeface="Arial" panose="020B0604020202020204" pitchFamily="34" charset="0"/>
+              </a:rPr>
+              <a:t>משתתף שקיבל </a:t>
+            </a:r>
+            <a:r>
+              <a:rPr lang="he-IL" altLang="en-US" sz="2400" dirty="0">
+                <a:solidFill>
+                  <a:schemeClr val="tx1">
+                    <a:lumMod val="75000"/>
+                    <a:lumOff val="25000"/>
+                  </a:schemeClr>
+                </a:solidFill>
+                <a:latin typeface="Arial" panose="020B0604020202020204" pitchFamily="34" charset="0"/>
+                <a:cs typeface="Arial" panose="020B0604020202020204" pitchFamily="34" charset="0"/>
+              </a:rPr>
+              <a:t>מספיק אישורים (כגודל הסף), הוא יוכל לפענח את </a:t>
+            </a:r>
+            <a:r>
+              <a:rPr lang="he-IL" altLang="en-US" sz="2400" dirty="0" smtClean="0">
+                <a:solidFill>
+                  <a:schemeClr val="tx1">
+                    <a:lumMod val="75000"/>
+                    <a:lumOff val="25000"/>
+                  </a:schemeClr>
+                </a:solidFill>
+                <a:latin typeface="Arial" panose="020B0604020202020204" pitchFamily="34" charset="0"/>
+                <a:cs typeface="Arial" panose="020B0604020202020204" pitchFamily="34" charset="0"/>
+              </a:rPr>
+              <a:t>הסוד</a:t>
+            </a:r>
+            <a:endParaRPr lang="he-IL" altLang="en-US" sz="2400" dirty="0">
               <a:solidFill>
                 <a:schemeClr val="tx1">
                   <a:lumMod val="75000"/>
                   <a:lumOff val="25000"/>
                 </a:schemeClr>
               </a:solidFill>
-              <a:cs typeface="Tahoma" panose="020B0604030504040204" pitchFamily="34" charset="0"/>
+              <a:latin typeface="Arial" panose="020B0604020202020204" pitchFamily="34" charset="0"/>
+              <a:cs typeface="Arial" panose="020B0604020202020204" pitchFamily="34" charset="0"/>
             </a:endParaRPr>
           </a:p>
         </p:txBody>
@@ -19758,15 +21045,22 @@
               <a:defRPr/>
             </a:pPr>
             <a:r>
-              <a:rPr lang="he-IL" altLang="he-IL" sz="2000" dirty="0"/>
+              <a:rPr lang="he-IL" altLang="he-IL" sz="2200" dirty="0">
+                <a:latin typeface="Arial" panose="020B0604020202020204" pitchFamily="34" charset="0"/>
+                <a:cs typeface="Arial" panose="020B0604020202020204" pitchFamily="34" charset="0"/>
+              </a:rPr>
               <a:t>במבט ראשון נראה כי נוכל להשתמש באלגוריתם ההצפנה הקבוצתי של שמיר על מנת לחלוק סוד בין מספר משתתפים במתודולוגיה של פענוח מבוסס אישורים, אך קיימות שתי בעיות עיקריות שהאלגוריתם שלנו עונה עליהן</a:t>
             </a:r>
             <a:r>
-              <a:rPr lang="hi-IN" altLang="he-IL" sz="2000" dirty="0"/>
+              <a:rPr lang="hi-IN" altLang="he-IL" sz="2200" dirty="0">
+                <a:latin typeface="Arial" panose="020B0604020202020204" pitchFamily="34" charset="0"/>
+              </a:rPr>
               <a:t>:</a:t>
             </a:r>
-            <a:endParaRPr lang="en-US" altLang="he-IL" sz="2000" dirty="0">
+            <a:endParaRPr lang="en-US" altLang="he-IL" sz="2200" dirty="0">
+              <a:latin typeface="Arial" panose="020B0604020202020204" pitchFamily="34" charset="0"/>
               <a:ea typeface="Microsoft YaHei" panose="020B0503020204020204" pitchFamily="34" charset="-122"/>
+              <a:cs typeface="Arial" panose="020B0604020202020204" pitchFamily="34" charset="0"/>
             </a:endParaRPr>
           </a:p>
           <a:p>
@@ -19774,26 +21068,34 @@
               <a:defRPr/>
             </a:pPr>
             <a:r>
-              <a:rPr lang="he-IL" altLang="he-IL" sz="2000" dirty="0">
+              <a:rPr lang="he-IL" altLang="he-IL" sz="2200" dirty="0">
+                <a:latin typeface="Arial" panose="020B0604020202020204" pitchFamily="34" charset="0"/>
                 <a:ea typeface="Microsoft YaHei" panose="020B0503020204020204" pitchFamily="34" charset="-122"/>
+                <a:cs typeface="Arial" panose="020B0604020202020204" pitchFamily="34" charset="0"/>
               </a:rPr>
               <a:t>בעיית גודל המידע – אלגוריתם ההצפנה הקבוצתי של שמיר יוצר</a:t>
             </a:r>
             <a:r>
-              <a:rPr lang="en-US" altLang="he-IL" sz="2000" dirty="0">
+              <a:rPr lang="en-US" altLang="he-IL" sz="2200" dirty="0">
+                <a:latin typeface="Arial" panose="020B0604020202020204" pitchFamily="34" charset="0"/>
                 <a:ea typeface="Microsoft YaHei" panose="020B0503020204020204" pitchFamily="34" charset="-122"/>
+                <a:cs typeface="Arial" panose="020B0604020202020204" pitchFamily="34" charset="0"/>
               </a:rPr>
               <a:t> N </a:t>
             </a:r>
             <a:r>
-              <a:rPr lang="he-IL" altLang="he-IL" sz="2000" dirty="0">
+              <a:rPr lang="he-IL" altLang="he-IL" sz="2200" dirty="0">
+                <a:latin typeface="Arial" panose="020B0604020202020204" pitchFamily="34" charset="0"/>
                 <a:ea typeface="Microsoft YaHei" panose="020B0503020204020204" pitchFamily="34" charset="-122"/>
+                <a:cs typeface="Arial" panose="020B0604020202020204" pitchFamily="34" charset="0"/>
               </a:rPr>
               <a:t>חתיכות בגודל הסוד, לכן במידה והסוד הוא קובץ בגודל של 20 מגה-בייט, והקבוצה היא של 10 אנשים, נשתמש ב 200 מגה-בייט בצד השרת ע”מ לאחסן את החתיכות, במקום 20 מגה-בייט</a:t>
             </a:r>
             <a:r>
-              <a:rPr lang="en-US" altLang="he-IL" sz="2000" dirty="0">
+              <a:rPr lang="en-US" altLang="he-IL" sz="2200" dirty="0">
+                <a:latin typeface="Arial" panose="020B0604020202020204" pitchFamily="34" charset="0"/>
                 <a:ea typeface="Microsoft YaHei" panose="020B0503020204020204" pitchFamily="34" charset="-122"/>
+                <a:cs typeface="Arial" panose="020B0604020202020204" pitchFamily="34" charset="0"/>
               </a:rPr>
               <a:t>. </a:t>
             </a:r>
@@ -19803,23 +21105,22 @@
               <a:defRPr/>
             </a:pPr>
             <a:r>
-              <a:rPr lang="he-IL" altLang="he-IL" sz="2000" dirty="0"/>
+              <a:rPr lang="he-IL" altLang="he-IL" sz="2200" dirty="0">
+                <a:latin typeface="Arial" panose="020B0604020202020204" pitchFamily="34" charset="0"/>
+                <a:cs typeface="Arial" panose="020B0604020202020204" pitchFamily="34" charset="0"/>
+              </a:rPr>
               <a:t>חשיפת המידע – מכיוון שצד השרת מחזיק בידו את כל החתיכות, אין שום דבר המונע ממנו לשחזר את המידע המקורי</a:t>
             </a:r>
             <a:r>
-              <a:rPr lang="hi-IN" altLang="he-IL" sz="2000" dirty="0"/>
+              <a:rPr lang="hi-IN" altLang="he-IL" sz="2200" dirty="0" smtClean="0">
+                <a:latin typeface="Arial" panose="020B0604020202020204" pitchFamily="34" charset="0"/>
+              </a:rPr>
               <a:t>.</a:t>
             </a:r>
-            <a:endParaRPr lang="he-IL" altLang="he-IL" sz="2000" dirty="0"/>
-          </a:p>
-          <a:p>
-            <a:pPr marL="503238" lvl="1" indent="0" algn="r" rtl="1" eaLnBrk="1" hangingPunct="1">
-              <a:buFont typeface="Wingdings 3" panose="05040102010807070707" pitchFamily="18" charset="2"/>
-              <a:buNone/>
-              <a:defRPr/>
-            </a:pPr>
-            <a:endParaRPr lang="en-US" altLang="he-IL" sz="2000" dirty="0">
+            <a:endParaRPr lang="en-US" altLang="he-IL" sz="2200" dirty="0">
+              <a:latin typeface="Arial" panose="020B0604020202020204" pitchFamily="34" charset="0"/>
               <a:ea typeface="Microsoft YaHei" panose="020B0503020204020204" pitchFamily="34" charset="-122"/>
+              <a:cs typeface="Arial" panose="020B0604020202020204" pitchFamily="34" charset="0"/>
             </a:endParaRPr>
           </a:p>
           <a:p>
@@ -19827,26 +21128,38 @@
               <a:defRPr/>
             </a:pPr>
             <a:r>
-              <a:rPr lang="he-IL" altLang="he-IL" sz="2000" dirty="0"/>
+              <a:rPr lang="he-IL" altLang="he-IL" sz="2200" dirty="0">
+                <a:latin typeface="Arial" panose="020B0604020202020204" pitchFamily="34" charset="0"/>
+                <a:cs typeface="Arial" panose="020B0604020202020204" pitchFamily="34" charset="0"/>
+              </a:rPr>
               <a:t>האלגוריתם</a:t>
             </a:r>
             <a:r>
-              <a:rPr lang="hi-IN" altLang="he-IL" sz="2000" dirty="0"/>
+              <a:rPr lang="hi-IN" altLang="he-IL" sz="2200" dirty="0">
+                <a:latin typeface="Arial" panose="020B0604020202020204" pitchFamily="34" charset="0"/>
+              </a:rPr>
               <a:t> / </a:t>
             </a:r>
             <a:r>
-              <a:rPr lang="en-US" altLang="he-IL" sz="2000" dirty="0">
+              <a:rPr lang="en-US" altLang="he-IL" sz="2200" dirty="0">
+                <a:latin typeface="Arial" panose="020B0604020202020204" pitchFamily="34" charset="0"/>
                 <a:ea typeface="Microsoft YaHei" panose="020B0503020204020204" pitchFamily="34" charset="-122"/>
+                <a:cs typeface="Arial" panose="020B0604020202020204" pitchFamily="34" charset="0"/>
               </a:rPr>
               <a:t>Workflow </a:t>
             </a:r>
             <a:r>
-              <a:rPr lang="he-IL" altLang="he-IL" sz="2000" dirty="0">
+              <a:rPr lang="he-IL" altLang="he-IL" sz="2200" dirty="0">
+                <a:latin typeface="Arial" panose="020B0604020202020204" pitchFamily="34" charset="0"/>
                 <a:ea typeface="Microsoft YaHei" panose="020B0503020204020204" pitchFamily="34" charset="-122"/>
+                <a:cs typeface="Arial" panose="020B0604020202020204" pitchFamily="34" charset="0"/>
               </a:rPr>
               <a:t>שיצרנו משלבים את כלל הכלים שהוצגו קודם ע”מ לתת מענה לבעיה שהוצגה</a:t>
             </a:r>
-            <a:endParaRPr lang="he-IL" sz="2000" dirty="0"/>
+            <a:endParaRPr lang="he-IL" sz="2200" dirty="0">
+              <a:latin typeface="Arial" panose="020B0604020202020204" pitchFamily="34" charset="0"/>
+              <a:cs typeface="Arial" panose="020B0604020202020204" pitchFamily="34" charset="0"/>
+            </a:endParaRPr>
           </a:p>
         </p:txBody>
       </p:sp>
@@ -19860,6 +21173,13 @@
   <p:clrMapOvr>
     <a:masterClrMapping/>
   </p:clrMapOvr>
+  <p:timing>
+    <p:tnLst>
+      <p:par>
+        <p:cTn id="1" dur="indefinite" restart="never" nodeType="tmRoot"/>
+      </p:par>
+    </p:tnLst>
+  </p:timing>
 </p:sld>
 </file>
 
@@ -19967,8 +21287,8 @@
         </p:blipFill>
         <p:spPr bwMode="auto">
           <a:xfrm>
-            <a:off x="649288" y="971550"/>
-            <a:ext cx="8778875" cy="6308725"/>
+            <a:off x="503238" y="1563688"/>
+            <a:ext cx="9214421" cy="5792309"/>
           </a:xfrm>
           <a:prstGeom prst="rect">
             <a:avLst/>
